--- a/presentation/ECommerce presentation.pptx
+++ b/presentation/ECommerce presentation.pptx
@@ -6,24 +6,29 @@
   </p:sldMasterIdLst>
   <p:sldIdLst>
     <p:sldId id="256" r:id="rId2"/>
-    <p:sldId id="265" r:id="rId3"/>
-    <p:sldId id="268" r:id="rId4"/>
-    <p:sldId id="269" r:id="rId5"/>
-    <p:sldId id="270" r:id="rId6"/>
-    <p:sldId id="271" r:id="rId7"/>
-    <p:sldId id="272" r:id="rId8"/>
-    <p:sldId id="273" r:id="rId9"/>
-    <p:sldId id="274" r:id="rId10"/>
-    <p:sldId id="275" r:id="rId11"/>
-    <p:sldId id="276" r:id="rId12"/>
-    <p:sldId id="277" r:id="rId13"/>
-    <p:sldId id="278" r:id="rId14"/>
-    <p:sldId id="257" r:id="rId15"/>
-    <p:sldId id="258" r:id="rId16"/>
-    <p:sldId id="259" r:id="rId17"/>
-    <p:sldId id="262" r:id="rId18"/>
-    <p:sldId id="261" r:id="rId19"/>
-    <p:sldId id="279" r:id="rId20"/>
+    <p:sldId id="284" r:id="rId3"/>
+    <p:sldId id="285" r:id="rId4"/>
+    <p:sldId id="268" r:id="rId5"/>
+    <p:sldId id="269" r:id="rId6"/>
+    <p:sldId id="270" r:id="rId7"/>
+    <p:sldId id="280" r:id="rId8"/>
+    <p:sldId id="286" r:id="rId9"/>
+    <p:sldId id="272" r:id="rId10"/>
+    <p:sldId id="273" r:id="rId11"/>
+    <p:sldId id="274" r:id="rId12"/>
+    <p:sldId id="282" r:id="rId13"/>
+    <p:sldId id="287" r:id="rId14"/>
+    <p:sldId id="276" r:id="rId15"/>
+    <p:sldId id="277" r:id="rId16"/>
+    <p:sldId id="278" r:id="rId17"/>
+    <p:sldId id="283" r:id="rId18"/>
+    <p:sldId id="288" r:id="rId19"/>
+    <p:sldId id="258" r:id="rId20"/>
+    <p:sldId id="259" r:id="rId21"/>
+    <p:sldId id="262" r:id="rId22"/>
+    <p:sldId id="261" r:id="rId23"/>
+    <p:sldId id="281" r:id="rId24"/>
+    <p:sldId id="279" r:id="rId25"/>
   </p:sldIdLst>
   <p:sldSz cx="12192000" cy="6858000"/>
   <p:notesSz cx="6858000" cy="9144000"/>
@@ -853,7 +858,7 @@
             <a:fld id="{B61BEF0D-F0BB-DE4B-95CE-6DB70DBA9567}" type="datetimeFigureOut">
               <a:rPr lang="en-US" dirty="0"/>
               <a:pPr/>
-              <a:t>11/18/2014</a:t>
+              <a:t>11/19/2014</a:t>
             </a:fld>
             <a:endParaRPr lang="en-US" dirty="0"/>
           </a:p>
@@ -1101,7 +1106,7 @@
             <a:fld id="{B61BEF0D-F0BB-DE4B-95CE-6DB70DBA9567}" type="datetimeFigureOut">
               <a:rPr lang="en-US" dirty="0"/>
               <a:pPr/>
-              <a:t>11/18/2014</a:t>
+              <a:t>11/19/2014</a:t>
             </a:fld>
             <a:endParaRPr lang="en-US" dirty="0"/>
           </a:p>
@@ -1412,7 +1417,7 @@
             <a:fld id="{B61BEF0D-F0BB-DE4B-95CE-6DB70DBA9567}" type="datetimeFigureOut">
               <a:rPr lang="en-US" dirty="0"/>
               <a:pPr/>
-              <a:t>11/18/2014</a:t>
+              <a:t>11/19/2014</a:t>
             </a:fld>
             <a:endParaRPr lang="en-US" dirty="0"/>
           </a:p>
@@ -1750,7 +1755,7 @@
             <a:fld id="{B61BEF0D-F0BB-DE4B-95CE-6DB70DBA9567}" type="datetimeFigureOut">
               <a:rPr lang="en-US" dirty="0"/>
               <a:pPr/>
-              <a:t>11/18/2014</a:t>
+              <a:t>11/19/2014</a:t>
             </a:fld>
             <a:endParaRPr lang="en-US" dirty="0"/>
           </a:p>
@@ -2061,7 +2066,7 @@
             <a:fld id="{B61BEF0D-F0BB-DE4B-95CE-6DB70DBA9567}" type="datetimeFigureOut">
               <a:rPr lang="en-US" dirty="0"/>
               <a:pPr/>
-              <a:t>11/18/2014</a:t>
+              <a:t>11/19/2014</a:t>
             </a:fld>
             <a:endParaRPr lang="en-US" dirty="0"/>
           </a:p>
@@ -2451,7 +2456,7 @@
             <a:fld id="{B61BEF0D-F0BB-DE4B-95CE-6DB70DBA9567}" type="datetimeFigureOut">
               <a:rPr lang="en-US" dirty="0"/>
               <a:pPr/>
-              <a:t>11/18/2014</a:t>
+              <a:t>11/19/2014</a:t>
             </a:fld>
             <a:endParaRPr lang="en-US" dirty="0"/>
           </a:p>
@@ -2617,7 +2622,7 @@
           <a:p>
             <a:fld id="{55C6B4A9-1611-4792-9094-5F34BCA07E0B}" type="datetimeFigureOut">
               <a:rPr lang="en-US" dirty="0"/>
-              <a:t>11/18/2014</a:t>
+              <a:t>11/19/2014</a:t>
             </a:fld>
             <a:endParaRPr lang="en-US" dirty="0"/>
           </a:p>
@@ -2793,7 +2798,7 @@
             <a:fld id="{B61BEF0D-F0BB-DE4B-95CE-6DB70DBA9567}" type="datetimeFigureOut">
               <a:rPr lang="en-US" dirty="0"/>
               <a:pPr/>
-              <a:t>11/18/2014</a:t>
+              <a:t>11/19/2014</a:t>
             </a:fld>
             <a:endParaRPr lang="en-US" dirty="0"/>
           </a:p>
@@ -2966,7 +2971,7 @@
             <a:fld id="{B61BEF0D-F0BB-DE4B-95CE-6DB70DBA9567}" type="datetimeFigureOut">
               <a:rPr lang="en-US" dirty="0"/>
               <a:pPr/>
-              <a:t>11/18/2014</a:t>
+              <a:t>11/19/2014</a:t>
             </a:fld>
             <a:endParaRPr lang="en-US" dirty="0"/>
           </a:p>
@@ -3210,7 +3215,7 @@
             <a:fld id="{B61BEF0D-F0BB-DE4B-95CE-6DB70DBA9567}" type="datetimeFigureOut">
               <a:rPr lang="en-US" dirty="0"/>
               <a:pPr/>
-              <a:t>11/18/2014</a:t>
+              <a:t>11/19/2014</a:t>
             </a:fld>
             <a:endParaRPr lang="en-US" dirty="0"/>
           </a:p>
@@ -3438,7 +3443,7 @@
           <a:p>
             <a:fld id="{EB712588-04B1-427B-82EE-E8DB90309F08}" type="datetimeFigureOut">
               <a:rPr lang="en-US" dirty="0"/>
-              <a:t>11/18/2014</a:t>
+              <a:t>11/19/2014</a:t>
             </a:fld>
             <a:endParaRPr lang="en-US" dirty="0"/>
           </a:p>
@@ -3808,7 +3813,7 @@
             <a:fld id="{B61BEF0D-F0BB-DE4B-95CE-6DB70DBA9567}" type="datetimeFigureOut">
               <a:rPr lang="en-US" dirty="0"/>
               <a:pPr/>
-              <a:t>11/18/2014</a:t>
+              <a:t>11/19/2014</a:t>
             </a:fld>
             <a:endParaRPr lang="en-US" dirty="0"/>
           </a:p>
@@ -3928,7 +3933,7 @@
             <a:fld id="{B61BEF0D-F0BB-DE4B-95CE-6DB70DBA9567}" type="datetimeFigureOut">
               <a:rPr lang="en-US" dirty="0"/>
               <a:pPr/>
-              <a:t>11/18/2014</a:t>
+              <a:t>11/19/2014</a:t>
             </a:fld>
             <a:endParaRPr lang="en-US" dirty="0"/>
           </a:p>
@@ -4020,7 +4025,7 @@
             <a:fld id="{B61BEF0D-F0BB-DE4B-95CE-6DB70DBA9567}" type="datetimeFigureOut">
               <a:rPr lang="en-US" dirty="0"/>
               <a:pPr/>
-              <a:t>11/18/2014</a:t>
+              <a:t>11/19/2014</a:t>
             </a:fld>
             <a:endParaRPr lang="en-US" dirty="0"/>
           </a:p>
@@ -4271,7 +4276,7 @@
           <a:p>
             <a:fld id="{42A54C80-263E-416B-A8E0-580EDEADCBDC}" type="datetimeFigureOut">
               <a:rPr lang="en-US" dirty="0"/>
-              <a:t>11/18/2014</a:t>
+              <a:t>11/19/2014</a:t>
             </a:fld>
             <a:endParaRPr lang="en-US" dirty="0"/>
           </a:p>
@@ -4530,7 +4535,7 @@
             <a:fld id="{B61BEF0D-F0BB-DE4B-95CE-6DB70DBA9567}" type="datetimeFigureOut">
               <a:rPr lang="en-US" dirty="0"/>
               <a:pPr/>
-              <a:t>11/18/2014</a:t>
+              <a:t>11/19/2014</a:t>
             </a:fld>
             <a:endParaRPr lang="en-US" dirty="0"/>
           </a:p>
@@ -5270,7 +5275,7 @@
             <a:fld id="{B61BEF0D-F0BB-DE4B-95CE-6DB70DBA9567}" type="datetimeFigureOut">
               <a:rPr lang="en-US" dirty="0"/>
               <a:pPr/>
-              <a:t>11/18/2014</a:t>
+              <a:t>11/19/2014</a:t>
             </a:fld>
             <a:endParaRPr lang="en-US" dirty="0"/>
           </a:p>
@@ -5813,22 +5818,18 @@
             <a:pPr algn="ctr"/>
             <a:r>
               <a:rPr lang="en-US" dirty="0" smtClean="0"/>
-              <a:t>Group </a:t>
+              <a:t>MMBJ</a:t>
             </a:r>
             <a:r>
               <a:rPr lang="en-US" dirty="0" smtClean="0"/>
-              <a:t>5</a:t>
+              <a:t/>
             </a:r>
             <a:br>
               <a:rPr lang="en-US" dirty="0" smtClean="0"/>
             </a:br>
             <a:r>
               <a:rPr lang="en-US" dirty="0" smtClean="0"/>
-              <a:t>E-Commerce </a:t>
-            </a:r>
-            <a:r>
-              <a:rPr lang="en-US" dirty="0" smtClean="0"/>
-              <a:t>presentation</a:t>
+              <a:t>E-Commerce presentation</a:t>
             </a:r>
             <a:endParaRPr lang="en-US" dirty="0"/>
           </a:p>
@@ -5922,7 +5923,7 @@
         </p:nvSpPr>
         <p:spPr>
           <a:xfrm>
-            <a:off x="2005949" y="593969"/>
+            <a:off x="1258277" y="406400"/>
             <a:ext cx="8596668" cy="687754"/>
           </a:xfrm>
         </p:spPr>
@@ -5933,785 +5934,40 @@
             <a:pPr algn="ctr"/>
             <a:r>
               <a:rPr lang="en-US" dirty="0" smtClean="0"/>
-              <a:t>Payment options</a:t>
+              <a:t>www.godaddy.com</a:t>
             </a:r>
             <a:endParaRPr lang="en-US" dirty="0"/>
           </a:p>
         </p:txBody>
       </p:sp>
-      <p:graphicFrame>
-        <p:nvGraphicFramePr>
-          <p:cNvPr id="4" name="Table 3"/>
-          <p:cNvGraphicFramePr>
-            <a:graphicFrameLocks noGrp="1"/>
-          </p:cNvGraphicFramePr>
-          <p:nvPr>
-            <p:extLst>
-              <p:ext uri="{D42A27DB-BD31-4B8C-83A1-F6EECF244321}">
-                <p14:modId xmlns:p14="http://schemas.microsoft.com/office/powerpoint/2010/main" val="3782872633"/>
-              </p:ext>
-            </p:extLst>
-          </p:nvPr>
-        </p:nvGraphicFramePr>
-        <p:xfrm>
-          <a:off x="1813173" y="1962312"/>
-          <a:ext cx="9315936" cy="2952783"/>
-        </p:xfrm>
-        <a:graphic>
-          <a:graphicData uri="http://schemas.openxmlformats.org/drawingml/2006/table">
-            <a:tbl>
-              <a:tblPr firstRow="1" bandRow="1">
-                <a:tableStyleId>{5C22544A-7EE6-4342-B048-85BDC9FD1C3A}</a:tableStyleId>
-              </a:tblPr>
-              <a:tblGrid>
-                <a:gridCol w="1797535"/>
-                <a:gridCol w="864161"/>
-                <a:gridCol w="1464824"/>
-                <a:gridCol w="1196872"/>
-                <a:gridCol w="1475989"/>
-                <a:gridCol w="1438031"/>
-                <a:gridCol w="1078524"/>
-              </a:tblGrid>
-              <a:tr h="370840">
-                <a:tc>
-                  <a:txBody>
-                    <a:bodyPr/>
-                    <a:lstStyle/>
-                    <a:p>
-                      <a:pPr algn="ctr"/>
-                      <a:r>
-                        <a:rPr lang="en-US" dirty="0" smtClean="0"/>
-                        <a:t>Criteria/</a:t>
-                      </a:r>
-                    </a:p>
-                    <a:p>
-                      <a:pPr algn="ctr"/>
-                      <a:r>
-                        <a:rPr lang="en-US" dirty="0" smtClean="0"/>
-                        <a:t>Providers</a:t>
-                      </a:r>
-                    </a:p>
-                  </a:txBody>
-                  <a:tcPr/>
-                </a:tc>
-                <a:tc>
-                  <a:txBody>
-                    <a:bodyPr/>
-                    <a:lstStyle/>
-                    <a:p>
-                      <a:pPr algn="ctr"/>
-                      <a:r>
-                        <a:rPr lang="en-US" sz="1800" b="1" kern="1200" dirty="0" smtClean="0">
-                          <a:solidFill>
-                            <a:schemeClr val="lt1"/>
-                          </a:solidFill>
-                          <a:effectLst/>
-                          <a:latin typeface="+mn-lt"/>
-                          <a:ea typeface="+mn-ea"/>
-                          <a:cs typeface="+mn-cs"/>
-                        </a:rPr>
-                        <a:t>Cost</a:t>
-                      </a:r>
-                    </a:p>
-                    <a:p>
-                      <a:pPr algn="ctr"/>
-                      <a:r>
-                        <a:rPr lang="en-US" sz="1800" b="1" kern="1200" dirty="0" smtClean="0">
-                          <a:solidFill>
-                            <a:schemeClr val="lt1"/>
-                          </a:solidFill>
-                          <a:effectLst/>
-                          <a:latin typeface="+mn-lt"/>
-                          <a:ea typeface="+mn-ea"/>
-                          <a:cs typeface="+mn-cs"/>
-                        </a:rPr>
-                        <a:t>(30%)</a:t>
-                      </a:r>
-                      <a:endParaRPr lang="en-US" dirty="0"/>
-                    </a:p>
-                  </a:txBody>
-                  <a:tcPr/>
-                </a:tc>
-                <a:tc>
-                  <a:txBody>
-                    <a:bodyPr/>
-                    <a:lstStyle/>
-                    <a:p>
-                      <a:pPr algn="ctr"/>
-                      <a:r>
-                        <a:rPr lang="en-US" sz="1800" b="1" kern="1200" dirty="0" smtClean="0">
-                          <a:solidFill>
-                            <a:schemeClr val="lt1"/>
-                          </a:solidFill>
-                          <a:effectLst/>
-                          <a:latin typeface="+mn-lt"/>
-                          <a:ea typeface="+mn-ea"/>
-                          <a:cs typeface="+mn-cs"/>
-                        </a:rPr>
-                        <a:t>Integration</a:t>
-                      </a:r>
-                    </a:p>
-                    <a:p>
-                      <a:pPr algn="ctr"/>
-                      <a:r>
-                        <a:rPr lang="en-US" sz="1800" b="1" kern="1200" dirty="0" smtClean="0">
-                          <a:solidFill>
-                            <a:schemeClr val="lt1"/>
-                          </a:solidFill>
-                          <a:effectLst/>
-                          <a:latin typeface="+mn-lt"/>
-                          <a:ea typeface="+mn-ea"/>
-                          <a:cs typeface="+mn-cs"/>
-                        </a:rPr>
-                        <a:t>(20%)</a:t>
-                      </a:r>
-                      <a:endParaRPr lang="en-US" dirty="0"/>
-                    </a:p>
-                  </a:txBody>
-                  <a:tcPr/>
-                </a:tc>
-                <a:tc>
-                  <a:txBody>
-                    <a:bodyPr/>
-                    <a:lstStyle/>
-                    <a:p>
-                      <a:pPr algn="ctr"/>
-                      <a:r>
-                        <a:rPr lang="en-US" sz="1800" b="1" kern="1200" dirty="0" smtClean="0">
-                          <a:solidFill>
-                            <a:schemeClr val="lt1"/>
-                          </a:solidFill>
-                          <a:effectLst/>
-                          <a:latin typeface="+mn-lt"/>
-                          <a:ea typeface="+mn-ea"/>
-                          <a:cs typeface="+mn-cs"/>
-                        </a:rPr>
-                        <a:t>Security</a:t>
-                      </a:r>
-                    </a:p>
-                    <a:p>
-                      <a:pPr algn="ctr"/>
-                      <a:r>
-                        <a:rPr lang="en-US" sz="1800" b="1" kern="1200" dirty="0" smtClean="0">
-                          <a:solidFill>
-                            <a:schemeClr val="lt1"/>
-                          </a:solidFill>
-                          <a:effectLst/>
-                          <a:latin typeface="+mn-lt"/>
-                          <a:ea typeface="+mn-ea"/>
-                          <a:cs typeface="+mn-cs"/>
-                        </a:rPr>
-                        <a:t>(25%)</a:t>
-                      </a:r>
-                      <a:endParaRPr lang="en-US" dirty="0"/>
-                    </a:p>
-                  </a:txBody>
-                  <a:tcPr/>
-                </a:tc>
-                <a:tc>
-                  <a:txBody>
-                    <a:bodyPr/>
-                    <a:lstStyle/>
-                    <a:p>
-                      <a:pPr algn="ctr"/>
-                      <a:r>
-                        <a:rPr lang="en-US" sz="1800" b="1" kern="1200" dirty="0" smtClean="0">
-                          <a:solidFill>
-                            <a:schemeClr val="lt1"/>
-                          </a:solidFill>
-                          <a:effectLst/>
-                          <a:latin typeface="+mn-lt"/>
-                          <a:ea typeface="+mn-ea"/>
-                          <a:cs typeface="+mn-cs"/>
-                        </a:rPr>
-                        <a:t>Ease of Use</a:t>
-                      </a:r>
-                    </a:p>
-                    <a:p>
-                      <a:pPr algn="ctr"/>
-                      <a:r>
-                        <a:rPr lang="en-US" sz="1800" b="1" kern="1200" dirty="0" smtClean="0">
-                          <a:solidFill>
-                            <a:schemeClr val="lt1"/>
-                          </a:solidFill>
-                          <a:effectLst/>
-                          <a:latin typeface="+mn-lt"/>
-                          <a:ea typeface="+mn-ea"/>
-                          <a:cs typeface="+mn-cs"/>
-                        </a:rPr>
-                        <a:t>(15%)</a:t>
-                      </a:r>
-                      <a:endParaRPr lang="en-US" dirty="0"/>
-                    </a:p>
-                  </a:txBody>
-                  <a:tcPr/>
-                </a:tc>
-                <a:tc>
-                  <a:txBody>
-                    <a:bodyPr/>
-                    <a:lstStyle/>
-                    <a:p>
-                      <a:pPr algn="ctr"/>
-                      <a:r>
-                        <a:rPr lang="en-US" sz="1800" b="1" kern="1200" dirty="0" smtClean="0">
-                          <a:solidFill>
-                            <a:schemeClr val="lt1"/>
-                          </a:solidFill>
-                          <a:effectLst/>
-                          <a:latin typeface="+mn-lt"/>
-                          <a:ea typeface="+mn-ea"/>
-                          <a:cs typeface="+mn-cs"/>
-                        </a:rPr>
-                        <a:t>Customer Support</a:t>
-                      </a:r>
-                    </a:p>
-                    <a:p>
-                      <a:pPr algn="ctr"/>
-                      <a:r>
-                        <a:rPr lang="en-US" sz="1800" b="1" kern="1200" dirty="0" smtClean="0">
-                          <a:solidFill>
-                            <a:schemeClr val="lt1"/>
-                          </a:solidFill>
-                          <a:effectLst/>
-                          <a:latin typeface="+mn-lt"/>
-                          <a:ea typeface="+mn-ea"/>
-                          <a:cs typeface="+mn-cs"/>
-                        </a:rPr>
-                        <a:t>(10%)</a:t>
-                      </a:r>
-                      <a:endParaRPr lang="en-US" dirty="0"/>
-                    </a:p>
-                  </a:txBody>
-                  <a:tcPr/>
-                </a:tc>
-                <a:tc>
-                  <a:txBody>
-                    <a:bodyPr/>
-                    <a:lstStyle/>
-                    <a:p>
-                      <a:pPr algn="ctr"/>
-                      <a:r>
-                        <a:rPr lang="en-US" sz="1800" b="1" kern="1200" dirty="0" smtClean="0">
-                          <a:solidFill>
-                            <a:schemeClr val="lt1"/>
-                          </a:solidFill>
-                          <a:effectLst/>
-                          <a:latin typeface="+mn-lt"/>
-                          <a:ea typeface="+mn-ea"/>
-                          <a:cs typeface="+mn-cs"/>
-                        </a:rPr>
-                        <a:t>Score</a:t>
-                      </a:r>
-                      <a:endParaRPr lang="en-US" dirty="0"/>
-                    </a:p>
-                  </a:txBody>
-                  <a:tcPr/>
-                </a:tc>
-              </a:tr>
-              <a:tr h="515165">
-                <a:tc>
-                  <a:txBody>
-                    <a:bodyPr/>
-                    <a:lstStyle/>
-                    <a:p>
-                      <a:r>
-                        <a:rPr lang="en-US" dirty="0" smtClean="0">
-                          <a:solidFill>
-                            <a:srgbClr val="0070C0"/>
-                          </a:solidFill>
-                        </a:rPr>
-                        <a:t>Authorize.net</a:t>
-                      </a:r>
-                      <a:endParaRPr lang="en-US" dirty="0">
-                        <a:solidFill>
-                          <a:srgbClr val="0070C0"/>
-                        </a:solidFill>
-                      </a:endParaRPr>
-                    </a:p>
-                  </a:txBody>
-                  <a:tcPr/>
-                </a:tc>
-                <a:tc>
-                  <a:txBody>
-                    <a:bodyPr/>
-                    <a:lstStyle/>
-                    <a:p>
-                      <a:pPr algn="r"/>
-                      <a:r>
-                        <a:rPr lang="en-US" dirty="0" smtClean="0"/>
-                        <a:t>7</a:t>
-                      </a:r>
-                      <a:endParaRPr lang="en-US" dirty="0"/>
-                    </a:p>
-                  </a:txBody>
-                  <a:tcPr/>
-                </a:tc>
-                <a:tc>
-                  <a:txBody>
-                    <a:bodyPr/>
-                    <a:lstStyle/>
-                    <a:p>
-                      <a:pPr algn="r"/>
-                      <a:r>
-                        <a:rPr lang="en-US" dirty="0" smtClean="0"/>
-                        <a:t>8</a:t>
-                      </a:r>
-                      <a:endParaRPr lang="en-US" dirty="0"/>
-                    </a:p>
-                  </a:txBody>
-                  <a:tcPr/>
-                </a:tc>
-                <a:tc>
-                  <a:txBody>
-                    <a:bodyPr/>
-                    <a:lstStyle/>
-                    <a:p>
-                      <a:pPr algn="r"/>
-                      <a:r>
-                        <a:rPr lang="en-US" dirty="0" smtClean="0"/>
-                        <a:t>10</a:t>
-                      </a:r>
-                      <a:endParaRPr lang="en-US" dirty="0"/>
-                    </a:p>
-                  </a:txBody>
-                  <a:tcPr/>
-                </a:tc>
-                <a:tc>
-                  <a:txBody>
-                    <a:bodyPr/>
-                    <a:lstStyle/>
-                    <a:p>
-                      <a:pPr algn="r"/>
-                      <a:r>
-                        <a:rPr lang="en-US" dirty="0" smtClean="0"/>
-                        <a:t>9</a:t>
-                      </a:r>
-                      <a:endParaRPr lang="en-US" dirty="0"/>
-                    </a:p>
-                  </a:txBody>
-                  <a:tcPr/>
-                </a:tc>
-                <a:tc>
-                  <a:txBody>
-                    <a:bodyPr/>
-                    <a:lstStyle/>
-                    <a:p>
-                      <a:pPr algn="r"/>
-                      <a:r>
-                        <a:rPr lang="en-US" dirty="0" smtClean="0"/>
-                        <a:t>9</a:t>
-                      </a:r>
-                      <a:endParaRPr lang="en-US" dirty="0"/>
-                    </a:p>
-                  </a:txBody>
-                  <a:tcPr/>
-                </a:tc>
-                <a:tc>
-                  <a:txBody>
-                    <a:bodyPr/>
-                    <a:lstStyle/>
-                    <a:p>
-                      <a:pPr algn="ctr"/>
-                      <a:r>
-                        <a:rPr lang="en-US" dirty="0" smtClean="0">
-                          <a:solidFill>
-                            <a:srgbClr val="0070C0"/>
-                          </a:solidFill>
-                        </a:rPr>
-                        <a:t>8.5</a:t>
-                      </a:r>
-                      <a:endParaRPr lang="en-US" dirty="0">
-                        <a:solidFill>
-                          <a:srgbClr val="0070C0"/>
-                        </a:solidFill>
-                      </a:endParaRPr>
-                    </a:p>
-                  </a:txBody>
-                  <a:tcPr/>
-                </a:tc>
-              </a:tr>
-              <a:tr h="437662">
-                <a:tc>
-                  <a:txBody>
-                    <a:bodyPr/>
-                    <a:lstStyle/>
-                    <a:p>
-                      <a:r>
-                        <a:rPr lang="en-US" dirty="0" err="1" smtClean="0">
-                          <a:solidFill>
-                            <a:srgbClr val="0070C0"/>
-                          </a:solidFill>
-                        </a:rPr>
-                        <a:t>Dwolla</a:t>
-                      </a:r>
-                      <a:endParaRPr lang="en-US" dirty="0">
-                        <a:solidFill>
-                          <a:srgbClr val="0070C0"/>
-                        </a:solidFill>
-                      </a:endParaRPr>
-                    </a:p>
-                  </a:txBody>
-                  <a:tcPr/>
-                </a:tc>
-                <a:tc>
-                  <a:txBody>
-                    <a:bodyPr/>
-                    <a:lstStyle/>
-                    <a:p>
-                      <a:pPr algn="r"/>
-                      <a:r>
-                        <a:rPr lang="en-US" dirty="0" smtClean="0"/>
-                        <a:t>10</a:t>
-                      </a:r>
-                      <a:endParaRPr lang="en-US" dirty="0"/>
-                    </a:p>
-                  </a:txBody>
-                  <a:tcPr/>
-                </a:tc>
-                <a:tc>
-                  <a:txBody>
-                    <a:bodyPr/>
-                    <a:lstStyle/>
-                    <a:p>
-                      <a:pPr algn="r"/>
-                      <a:r>
-                        <a:rPr lang="en-US" dirty="0" smtClean="0"/>
-                        <a:t>4</a:t>
-                      </a:r>
-                      <a:endParaRPr lang="en-US" dirty="0"/>
-                    </a:p>
-                  </a:txBody>
-                  <a:tcPr/>
-                </a:tc>
-                <a:tc>
-                  <a:txBody>
-                    <a:bodyPr/>
-                    <a:lstStyle/>
-                    <a:p>
-                      <a:pPr algn="r"/>
-                      <a:r>
-                        <a:rPr lang="en-US" dirty="0" smtClean="0"/>
-                        <a:t>8</a:t>
-                      </a:r>
-                      <a:endParaRPr lang="en-US" dirty="0"/>
-                    </a:p>
-                  </a:txBody>
-                  <a:tcPr/>
-                </a:tc>
-                <a:tc>
-                  <a:txBody>
-                    <a:bodyPr/>
-                    <a:lstStyle/>
-                    <a:p>
-                      <a:pPr algn="r"/>
-                      <a:r>
-                        <a:rPr lang="en-US" dirty="0" smtClean="0"/>
-                        <a:t>4</a:t>
-                      </a:r>
-                      <a:endParaRPr lang="en-US" dirty="0"/>
-                    </a:p>
-                  </a:txBody>
-                  <a:tcPr/>
-                </a:tc>
-                <a:tc>
-                  <a:txBody>
-                    <a:bodyPr/>
-                    <a:lstStyle/>
-                    <a:p>
-                      <a:pPr algn="r"/>
-                      <a:r>
-                        <a:rPr lang="en-US" dirty="0" smtClean="0"/>
-                        <a:t>7</a:t>
-                      </a:r>
-                      <a:endParaRPr lang="en-US" dirty="0"/>
-                    </a:p>
-                  </a:txBody>
-                  <a:tcPr/>
-                </a:tc>
-                <a:tc>
-                  <a:txBody>
-                    <a:bodyPr/>
-                    <a:lstStyle/>
-                    <a:p>
-                      <a:pPr algn="ctr"/>
-                      <a:r>
-                        <a:rPr lang="en-US" dirty="0" smtClean="0">
-                          <a:solidFill>
-                            <a:srgbClr val="0070C0"/>
-                          </a:solidFill>
-                        </a:rPr>
-                        <a:t>7.1</a:t>
-                      </a:r>
-                      <a:endParaRPr lang="en-US" dirty="0">
-                        <a:solidFill>
-                          <a:srgbClr val="0070C0"/>
-                        </a:solidFill>
-                      </a:endParaRPr>
-                    </a:p>
-                  </a:txBody>
-                  <a:tcPr/>
-                </a:tc>
-              </a:tr>
-              <a:tr h="445476">
-                <a:tc>
-                  <a:txBody>
-                    <a:bodyPr/>
-                    <a:lstStyle/>
-                    <a:p>
-                      <a:r>
-                        <a:rPr lang="en-US" dirty="0" smtClean="0">
-                          <a:solidFill>
-                            <a:srgbClr val="0070C0"/>
-                          </a:solidFill>
-                        </a:rPr>
-                        <a:t>Sage pay</a:t>
-                      </a:r>
-                      <a:endParaRPr lang="en-US" dirty="0">
-                        <a:solidFill>
-                          <a:srgbClr val="0070C0"/>
-                        </a:solidFill>
-                      </a:endParaRPr>
-                    </a:p>
-                  </a:txBody>
-                  <a:tcPr/>
-                </a:tc>
-                <a:tc>
-                  <a:txBody>
-                    <a:bodyPr/>
-                    <a:lstStyle/>
-                    <a:p>
-                      <a:pPr algn="r"/>
-                      <a:r>
-                        <a:rPr lang="en-US" dirty="0" smtClean="0"/>
-                        <a:t>5</a:t>
-                      </a:r>
-                      <a:endParaRPr lang="en-US" dirty="0"/>
-                    </a:p>
-                  </a:txBody>
-                  <a:tcPr/>
-                </a:tc>
-                <a:tc>
-                  <a:txBody>
-                    <a:bodyPr/>
-                    <a:lstStyle/>
-                    <a:p>
-                      <a:pPr algn="r"/>
-                      <a:r>
-                        <a:rPr lang="en-US" dirty="0" smtClean="0"/>
-                        <a:t>10</a:t>
-                      </a:r>
-                      <a:endParaRPr lang="en-US" dirty="0"/>
-                    </a:p>
-                  </a:txBody>
-                  <a:tcPr/>
-                </a:tc>
-                <a:tc>
-                  <a:txBody>
-                    <a:bodyPr/>
-                    <a:lstStyle/>
-                    <a:p>
-                      <a:pPr algn="r"/>
-                      <a:r>
-                        <a:rPr lang="en-US" dirty="0" smtClean="0"/>
-                        <a:t>9</a:t>
-                      </a:r>
-                      <a:endParaRPr lang="en-US" dirty="0"/>
-                    </a:p>
-                  </a:txBody>
-                  <a:tcPr/>
-                </a:tc>
-                <a:tc>
-                  <a:txBody>
-                    <a:bodyPr/>
-                    <a:lstStyle/>
-                    <a:p>
-                      <a:pPr algn="r"/>
-                      <a:r>
-                        <a:rPr lang="en-US" dirty="0" smtClean="0"/>
-                        <a:t>9</a:t>
-                      </a:r>
-                      <a:endParaRPr lang="en-US" dirty="0"/>
-                    </a:p>
-                  </a:txBody>
-                  <a:tcPr/>
-                </a:tc>
-                <a:tc>
-                  <a:txBody>
-                    <a:bodyPr/>
-                    <a:lstStyle/>
-                    <a:p>
-                      <a:pPr algn="r"/>
-                      <a:r>
-                        <a:rPr lang="en-US" dirty="0" smtClean="0"/>
-                        <a:t>8</a:t>
-                      </a:r>
-                      <a:endParaRPr lang="en-US" dirty="0"/>
-                    </a:p>
-                  </a:txBody>
-                  <a:tcPr/>
-                </a:tc>
-                <a:tc>
-                  <a:txBody>
-                    <a:bodyPr/>
-                    <a:lstStyle/>
-                    <a:p>
-                      <a:pPr algn="ctr"/>
-                      <a:r>
-                        <a:rPr lang="en-US" dirty="0" smtClean="0">
-                          <a:solidFill>
-                            <a:srgbClr val="0070C0"/>
-                          </a:solidFill>
-                        </a:rPr>
-                        <a:t>7.9</a:t>
-                      </a:r>
-                      <a:endParaRPr lang="en-US" dirty="0">
-                        <a:solidFill>
-                          <a:srgbClr val="0070C0"/>
-                        </a:solidFill>
-                      </a:endParaRPr>
-                    </a:p>
-                  </a:txBody>
-                  <a:tcPr/>
-                </a:tc>
-              </a:tr>
-              <a:tr h="370840">
-                <a:tc>
-                  <a:txBody>
-                    <a:bodyPr/>
-                    <a:lstStyle/>
-                    <a:p>
-                      <a:r>
-                        <a:rPr lang="en-US" dirty="0" err="1" smtClean="0">
-                          <a:solidFill>
-                            <a:srgbClr val="0070C0"/>
-                          </a:solidFill>
-                        </a:rPr>
-                        <a:t>Paypal</a:t>
-                      </a:r>
-                      <a:r>
-                        <a:rPr lang="en-US" baseline="0" dirty="0" smtClean="0">
-                          <a:solidFill>
-                            <a:srgbClr val="0070C0"/>
-                          </a:solidFill>
-                        </a:rPr>
-                        <a:t> payments Pro</a:t>
-                      </a:r>
-                      <a:endParaRPr lang="en-US" dirty="0">
-                        <a:solidFill>
-                          <a:srgbClr val="0070C0"/>
-                        </a:solidFill>
-                      </a:endParaRPr>
-                    </a:p>
-                  </a:txBody>
-                  <a:tcPr/>
-                </a:tc>
-                <a:tc>
-                  <a:txBody>
-                    <a:bodyPr/>
-                    <a:lstStyle/>
-                    <a:p>
-                      <a:pPr algn="r"/>
-                      <a:r>
-                        <a:rPr lang="en-US" dirty="0" smtClean="0"/>
-                        <a:t>1</a:t>
-                      </a:r>
-                      <a:endParaRPr lang="en-US" dirty="0"/>
-                    </a:p>
-                  </a:txBody>
-                  <a:tcPr/>
-                </a:tc>
-                <a:tc>
-                  <a:txBody>
-                    <a:bodyPr/>
-                    <a:lstStyle/>
-                    <a:p>
-                      <a:pPr algn="r"/>
-                      <a:r>
-                        <a:rPr lang="en-US" dirty="0" smtClean="0"/>
-                        <a:t>6</a:t>
-                      </a:r>
-                      <a:endParaRPr lang="en-US" dirty="0"/>
-                    </a:p>
-                  </a:txBody>
-                  <a:tcPr/>
-                </a:tc>
-                <a:tc>
-                  <a:txBody>
-                    <a:bodyPr/>
-                    <a:lstStyle/>
-                    <a:p>
-                      <a:pPr algn="r"/>
-                      <a:r>
-                        <a:rPr lang="en-US" dirty="0" smtClean="0"/>
-                        <a:t>10</a:t>
-                      </a:r>
-                      <a:endParaRPr lang="en-US" dirty="0"/>
-                    </a:p>
-                  </a:txBody>
-                  <a:tcPr/>
-                </a:tc>
-                <a:tc>
-                  <a:txBody>
-                    <a:bodyPr/>
-                    <a:lstStyle/>
-                    <a:p>
-                      <a:pPr algn="r"/>
-                      <a:r>
-                        <a:rPr lang="en-US" dirty="0" smtClean="0"/>
-                        <a:t>8</a:t>
-                      </a:r>
-                      <a:endParaRPr lang="en-US" dirty="0"/>
-                    </a:p>
-                  </a:txBody>
-                  <a:tcPr/>
-                </a:tc>
-                <a:tc>
-                  <a:txBody>
-                    <a:bodyPr/>
-                    <a:lstStyle/>
-                    <a:p>
-                      <a:pPr algn="r"/>
-                      <a:r>
-                        <a:rPr lang="en-US" dirty="0" smtClean="0"/>
-                        <a:t>7</a:t>
-                      </a:r>
-                      <a:endParaRPr lang="en-US" dirty="0"/>
-                    </a:p>
-                  </a:txBody>
-                  <a:tcPr/>
-                </a:tc>
-                <a:tc>
-                  <a:txBody>
-                    <a:bodyPr/>
-                    <a:lstStyle/>
-                    <a:p>
-                      <a:pPr algn="ctr"/>
-                      <a:r>
-                        <a:rPr lang="en-US" dirty="0" smtClean="0">
-                          <a:solidFill>
-                            <a:srgbClr val="0070C0"/>
-                          </a:solidFill>
-                        </a:rPr>
-                        <a:t>5.9</a:t>
-                      </a:r>
-                      <a:endParaRPr lang="en-US" dirty="0">
-                        <a:solidFill>
-                          <a:srgbClr val="0070C0"/>
-                        </a:solidFill>
-                      </a:endParaRPr>
-                    </a:p>
-                  </a:txBody>
-                  <a:tcPr/>
-                </a:tc>
-              </a:tr>
-            </a:tbl>
-          </a:graphicData>
-        </a:graphic>
-      </p:graphicFrame>
+      <p:pic>
+        <p:nvPicPr>
+          <p:cNvPr id="5" name="Picture 4"/>
+          <p:cNvPicPr>
+            <a:picLocks noChangeAspect="1"/>
+          </p:cNvPicPr>
+          <p:nvPr/>
+        </p:nvPicPr>
+        <p:blipFill>
+          <a:blip r:embed="rId2"/>
+          <a:stretch>
+            <a:fillRect/>
+          </a:stretch>
+        </p:blipFill>
+        <p:spPr>
+          <a:xfrm>
+            <a:off x="1789723" y="1219200"/>
+            <a:ext cx="7932615" cy="5056554"/>
+          </a:xfrm>
+          <a:prstGeom prst="rect">
+            <a:avLst/>
+          </a:prstGeom>
+        </p:spPr>
+      </p:pic>
     </p:spTree>
     <p:extLst>
       <p:ext uri="{BB962C8B-B14F-4D97-AF65-F5344CB8AC3E}">
-        <p14:creationId xmlns:p14="http://schemas.microsoft.com/office/powerpoint/2010/main" val="3876213399"/>
+        <p14:creationId xmlns:p14="http://schemas.microsoft.com/office/powerpoint/2010/main" val="3569562750"/>
       </p:ext>
     </p:extLst>
   </p:cSld>
@@ -6757,8 +6013,8 @@
         </p:nvSpPr>
         <p:spPr>
           <a:xfrm>
-            <a:off x="2615549" y="359508"/>
-            <a:ext cx="5715651" cy="664308"/>
+            <a:off x="1497949" y="625231"/>
+            <a:ext cx="8596668" cy="789354"/>
           </a:xfrm>
         </p:spPr>
         <p:txBody>
@@ -6768,7 +6024,918 @@
             <a:pPr algn="ctr"/>
             <a:r>
               <a:rPr lang="en-US" dirty="0" smtClean="0"/>
-              <a:t>authorize.net</a:t>
+              <a:t>www.namecheap.com</a:t>
+            </a:r>
+            <a:endParaRPr lang="en-US" dirty="0"/>
+          </a:p>
+        </p:txBody>
+      </p:sp>
+      <p:pic>
+        <p:nvPicPr>
+          <p:cNvPr id="4" name="Picture 3"/>
+          <p:cNvPicPr>
+            <a:picLocks noChangeAspect="1"/>
+          </p:cNvPicPr>
+          <p:nvPr/>
+        </p:nvPicPr>
+        <p:blipFill>
+          <a:blip r:embed="rId2"/>
+          <a:stretch>
+            <a:fillRect/>
+          </a:stretch>
+        </p:blipFill>
+        <p:spPr>
+          <a:xfrm>
+            <a:off x="1570893" y="1539632"/>
+            <a:ext cx="8886092" cy="4822092"/>
+          </a:xfrm>
+          <a:prstGeom prst="rect">
+            <a:avLst/>
+          </a:prstGeom>
+        </p:spPr>
+      </p:pic>
+    </p:spTree>
+    <p:extLst>
+      <p:ext uri="{BB962C8B-B14F-4D97-AF65-F5344CB8AC3E}">
+        <p14:creationId xmlns:p14="http://schemas.microsoft.com/office/powerpoint/2010/main" val="3956792813"/>
+      </p:ext>
+    </p:extLst>
+  </p:cSld>
+  <p:clrMapOvr>
+    <a:masterClrMapping/>
+  </p:clrMapOvr>
+  <p:timing>
+    <p:tnLst>
+      <p:par>
+        <p:cTn id="1" dur="indefinite" restart="never" nodeType="tmRoot"/>
+      </p:par>
+    </p:tnLst>
+  </p:timing>
+</p:sld>
+</file>
+
+<file path=ppt/slides/slide12.xml><?xml version="1.0" encoding="utf-8"?>
+<p:sld xmlns:a="http://schemas.openxmlformats.org/drawingml/2006/main" xmlns:r="http://schemas.openxmlformats.org/officeDocument/2006/relationships" xmlns:p="http://schemas.openxmlformats.org/presentationml/2006/main">
+  <p:cSld>
+    <p:spTree>
+      <p:nvGrpSpPr>
+        <p:cNvPr id="1" name=""/>
+        <p:cNvGrpSpPr/>
+        <p:nvPr/>
+      </p:nvGrpSpPr>
+      <p:grpSpPr>
+        <a:xfrm>
+          <a:off x="0" y="0"/>
+          <a:ext cx="0" cy="0"/>
+          <a:chOff x="0" y="0"/>
+          <a:chExt cx="0" cy="0"/>
+        </a:xfrm>
+      </p:grpSpPr>
+      <p:sp>
+        <p:nvSpPr>
+          <p:cNvPr id="2" name="Title 1"/>
+          <p:cNvSpPr>
+            <a:spLocks noGrp="1"/>
+          </p:cNvSpPr>
+          <p:nvPr>
+            <p:ph type="title"/>
+          </p:nvPr>
+        </p:nvSpPr>
+        <p:spPr>
+          <a:xfrm>
+            <a:off x="1529211" y="398585"/>
+            <a:ext cx="8596668" cy="742462"/>
+          </a:xfrm>
+        </p:spPr>
+        <p:txBody>
+          <a:bodyPr/>
+          <a:lstStyle/>
+          <a:p>
+            <a:pPr algn="ctr"/>
+            <a:r>
+              <a:rPr lang="en-US" dirty="0" smtClean="0"/>
+              <a:t>Web Hosting</a:t>
+            </a:r>
+            <a:endParaRPr lang="en-US" dirty="0"/>
+          </a:p>
+        </p:txBody>
+      </p:sp>
+      <p:graphicFrame>
+        <p:nvGraphicFramePr>
+          <p:cNvPr id="4" name="Content Placeholder 3"/>
+          <p:cNvGraphicFramePr>
+            <a:graphicFrameLocks noGrp="1"/>
+          </p:cNvGraphicFramePr>
+          <p:nvPr>
+            <p:ph idx="1"/>
+            <p:extLst>
+              <p:ext uri="{D42A27DB-BD31-4B8C-83A1-F6EECF244321}">
+                <p14:modId xmlns:p14="http://schemas.microsoft.com/office/powerpoint/2010/main" val="2698091424"/>
+              </p:ext>
+            </p:extLst>
+          </p:nvPr>
+        </p:nvGraphicFramePr>
+        <p:xfrm>
+          <a:off x="849803" y="1617785"/>
+          <a:ext cx="10670072" cy="3894822"/>
+        </p:xfrm>
+        <a:graphic>
+          <a:graphicData uri="http://schemas.openxmlformats.org/drawingml/2006/table">
+            <a:tbl>
+              <a:tblPr firstRow="1" bandRow="1">
+                <a:tableStyleId>{5C22544A-7EE6-4342-B048-85BDC9FD1C3A}</a:tableStyleId>
+              </a:tblPr>
+              <a:tblGrid>
+                <a:gridCol w="1502627"/>
+                <a:gridCol w="1164891"/>
+                <a:gridCol w="1333759"/>
+                <a:gridCol w="1333759"/>
+                <a:gridCol w="1333759"/>
+                <a:gridCol w="1333759"/>
+                <a:gridCol w="1333759"/>
+                <a:gridCol w="1333759"/>
+              </a:tblGrid>
+              <a:tr h="825573">
+                <a:tc>
+                  <a:txBody>
+                    <a:bodyPr/>
+                    <a:lstStyle/>
+                    <a:p>
+                      <a:pPr marL="0" marR="0" indent="0" algn="ctr" defTabSz="457200" rtl="0" eaLnBrk="1" fontAlgn="auto" latinLnBrk="0" hangingPunct="1">
+                        <a:lnSpc>
+                          <a:spcPct val="100000"/>
+                        </a:lnSpc>
+                        <a:spcBef>
+                          <a:spcPts val="0"/>
+                        </a:spcBef>
+                        <a:spcAft>
+                          <a:spcPts val="0"/>
+                        </a:spcAft>
+                        <a:buClrTx/>
+                        <a:buSzTx/>
+                        <a:buFontTx/>
+                        <a:buNone/>
+                        <a:tabLst/>
+                        <a:defRPr/>
+                      </a:pPr>
+                      <a:r>
+                        <a:rPr lang="en-US" dirty="0" smtClean="0"/>
+                        <a:t>Providers/</a:t>
+                      </a:r>
+                    </a:p>
+                    <a:p>
+                      <a:pPr marL="0" marR="0" indent="0" algn="ctr" defTabSz="457200" rtl="0" eaLnBrk="1" fontAlgn="auto" latinLnBrk="0" hangingPunct="1">
+                        <a:lnSpc>
+                          <a:spcPct val="100000"/>
+                        </a:lnSpc>
+                        <a:spcBef>
+                          <a:spcPts val="0"/>
+                        </a:spcBef>
+                        <a:spcAft>
+                          <a:spcPts val="0"/>
+                        </a:spcAft>
+                        <a:buClrTx/>
+                        <a:buSzTx/>
+                        <a:buFontTx/>
+                        <a:buNone/>
+                        <a:tabLst/>
+                        <a:defRPr/>
+                      </a:pPr>
+                      <a:r>
+                        <a:rPr lang="en-US" dirty="0" smtClean="0"/>
+                        <a:t>Criteria</a:t>
+                      </a:r>
+                    </a:p>
+                  </a:txBody>
+                  <a:tcPr/>
+                </a:tc>
+                <a:tc>
+                  <a:txBody>
+                    <a:bodyPr/>
+                    <a:lstStyle/>
+                    <a:p>
+                      <a:pPr algn="ctr"/>
+                      <a:r>
+                        <a:rPr lang="en-US" dirty="0" smtClean="0"/>
+                        <a:t>Price</a:t>
+                      </a:r>
+                      <a:endParaRPr lang="en-US" dirty="0"/>
+                    </a:p>
+                  </a:txBody>
+                  <a:tcPr/>
+                </a:tc>
+                <a:tc>
+                  <a:txBody>
+                    <a:bodyPr/>
+                    <a:lstStyle/>
+                    <a:p>
+                      <a:pPr algn="ctr"/>
+                      <a:r>
+                        <a:rPr lang="en-US" dirty="0" smtClean="0"/>
+                        <a:t>Domain</a:t>
+                      </a:r>
+                      <a:endParaRPr lang="en-US" dirty="0"/>
+                    </a:p>
+                  </a:txBody>
+                  <a:tcPr/>
+                </a:tc>
+                <a:tc>
+                  <a:txBody>
+                    <a:bodyPr/>
+                    <a:lstStyle/>
+                    <a:p>
+                      <a:pPr algn="ctr"/>
+                      <a:r>
+                        <a:rPr lang="en-US" dirty="0" smtClean="0"/>
+                        <a:t>Storage</a:t>
+                      </a:r>
+                      <a:endParaRPr lang="en-US" dirty="0"/>
+                    </a:p>
+                  </a:txBody>
+                  <a:tcPr/>
+                </a:tc>
+                <a:tc>
+                  <a:txBody>
+                    <a:bodyPr/>
+                    <a:lstStyle/>
+                    <a:p>
+                      <a:pPr algn="ctr"/>
+                      <a:r>
+                        <a:rPr lang="en-US" dirty="0" smtClean="0"/>
+                        <a:t>Data Transfer</a:t>
+                      </a:r>
+                      <a:endParaRPr lang="en-US" dirty="0"/>
+                    </a:p>
+                  </a:txBody>
+                  <a:tcPr/>
+                </a:tc>
+                <a:tc>
+                  <a:txBody>
+                    <a:bodyPr/>
+                    <a:lstStyle/>
+                    <a:p>
+                      <a:pPr algn="ctr"/>
+                      <a:r>
+                        <a:rPr lang="en-US" dirty="0" smtClean="0"/>
+                        <a:t>Email addresses</a:t>
+                      </a:r>
+                      <a:endParaRPr lang="en-US" dirty="0"/>
+                    </a:p>
+                  </a:txBody>
+                  <a:tcPr/>
+                </a:tc>
+                <a:tc>
+                  <a:txBody>
+                    <a:bodyPr/>
+                    <a:lstStyle/>
+                    <a:p>
+                      <a:pPr algn="ctr"/>
+                      <a:r>
+                        <a:rPr lang="en-US" dirty="0" smtClean="0"/>
+                        <a:t>Bandwidth</a:t>
+                      </a:r>
+                      <a:endParaRPr lang="en-US" dirty="0"/>
+                    </a:p>
+                  </a:txBody>
+                  <a:tcPr/>
+                </a:tc>
+                <a:tc>
+                  <a:txBody>
+                    <a:bodyPr/>
+                    <a:lstStyle/>
+                    <a:p>
+                      <a:pPr algn="ctr"/>
+                      <a:r>
+                        <a:rPr lang="en-US" dirty="0" smtClean="0"/>
+                        <a:t>Websites</a:t>
+                      </a:r>
+                      <a:endParaRPr lang="en-US" dirty="0"/>
+                    </a:p>
+                  </a:txBody>
+                  <a:tcPr/>
+                </a:tc>
+              </a:tr>
+              <a:tr h="1330008">
+                <a:tc>
+                  <a:txBody>
+                    <a:bodyPr/>
+                    <a:lstStyle/>
+                    <a:p>
+                      <a:r>
+                        <a:rPr lang="en-US" dirty="0" err="1" smtClean="0">
+                          <a:solidFill>
+                            <a:srgbClr val="0070C0"/>
+                          </a:solidFill>
+                        </a:rPr>
+                        <a:t>aplus</a:t>
+                      </a:r>
+                      <a:endParaRPr lang="en-US" dirty="0">
+                        <a:solidFill>
+                          <a:srgbClr val="0070C0"/>
+                        </a:solidFill>
+                      </a:endParaRPr>
+                    </a:p>
+                  </a:txBody>
+                  <a:tcPr/>
+                </a:tc>
+                <a:tc>
+                  <a:txBody>
+                    <a:bodyPr/>
+                    <a:lstStyle/>
+                    <a:p>
+                      <a:r>
+                        <a:rPr lang="en-US" dirty="0" smtClean="0"/>
+                        <a:t>$ 29.99 /month</a:t>
+                      </a:r>
+                      <a:endParaRPr lang="en-US" dirty="0"/>
+                    </a:p>
+                  </a:txBody>
+                  <a:tcPr/>
+                </a:tc>
+                <a:tc>
+                  <a:txBody>
+                    <a:bodyPr/>
+                    <a:lstStyle/>
+                    <a:p>
+                      <a:r>
+                        <a:rPr lang="en-US" dirty="0" smtClean="0"/>
+                        <a:t>1 free</a:t>
+                      </a:r>
+                      <a:endParaRPr lang="en-US" dirty="0"/>
+                    </a:p>
+                  </a:txBody>
+                  <a:tcPr/>
+                </a:tc>
+                <a:tc>
+                  <a:txBody>
+                    <a:bodyPr/>
+                    <a:lstStyle/>
+                    <a:p>
+                      <a:r>
+                        <a:rPr lang="en-US" dirty="0" smtClean="0"/>
+                        <a:t>Unlimited + 5 GB email box storage</a:t>
+                      </a:r>
+                      <a:endParaRPr lang="en-US" dirty="0"/>
+                    </a:p>
+                  </a:txBody>
+                  <a:tcPr/>
+                </a:tc>
+                <a:tc>
+                  <a:txBody>
+                    <a:bodyPr/>
+                    <a:lstStyle/>
+                    <a:p>
+                      <a:r>
+                        <a:rPr lang="en-US" dirty="0" smtClean="0"/>
+                        <a:t>Unlimited</a:t>
+                      </a:r>
+                      <a:endParaRPr lang="en-US" dirty="0"/>
+                    </a:p>
+                  </a:txBody>
+                  <a:tcPr/>
+                </a:tc>
+                <a:tc>
+                  <a:txBody>
+                    <a:bodyPr/>
+                    <a:lstStyle/>
+                    <a:p>
+                      <a:r>
+                        <a:rPr lang="en-US" dirty="0" smtClean="0"/>
+                        <a:t>500</a:t>
+                      </a:r>
+                      <a:endParaRPr lang="en-US" dirty="0"/>
+                    </a:p>
+                  </a:txBody>
+                  <a:tcPr/>
+                </a:tc>
+                <a:tc>
+                  <a:txBody>
+                    <a:bodyPr/>
+                    <a:lstStyle/>
+                    <a:p>
+                      <a:r>
+                        <a:rPr lang="en-US" dirty="0" smtClean="0"/>
+                        <a:t>None</a:t>
+                      </a:r>
+                      <a:endParaRPr lang="en-US" dirty="0"/>
+                    </a:p>
+                  </a:txBody>
+                  <a:tcPr/>
+                </a:tc>
+                <a:tc>
+                  <a:txBody>
+                    <a:bodyPr/>
+                    <a:lstStyle/>
+                    <a:p>
+                      <a:r>
+                        <a:rPr lang="en-US" dirty="0" smtClean="0"/>
+                        <a:t>None</a:t>
+                      </a:r>
+                      <a:endParaRPr lang="en-US" dirty="0"/>
+                    </a:p>
+                  </a:txBody>
+                  <a:tcPr/>
+                </a:tc>
+              </a:tr>
+              <a:tr h="1023083">
+                <a:tc>
+                  <a:txBody>
+                    <a:bodyPr/>
+                    <a:lstStyle/>
+                    <a:p>
+                      <a:r>
+                        <a:rPr lang="en-US" dirty="0" err="1" smtClean="0">
+                          <a:solidFill>
+                            <a:srgbClr val="0070C0"/>
+                          </a:solidFill>
+                        </a:rPr>
+                        <a:t>godaddy</a:t>
+                      </a:r>
+                      <a:endParaRPr lang="en-US" dirty="0">
+                        <a:solidFill>
+                          <a:srgbClr val="0070C0"/>
+                        </a:solidFill>
+                      </a:endParaRPr>
+                    </a:p>
+                  </a:txBody>
+                  <a:tcPr/>
+                </a:tc>
+                <a:tc>
+                  <a:txBody>
+                    <a:bodyPr/>
+                    <a:lstStyle/>
+                    <a:p>
+                      <a:r>
+                        <a:rPr lang="en-US" dirty="0" smtClean="0"/>
+                        <a:t>$ 8.49 /month</a:t>
+                      </a:r>
+                      <a:endParaRPr lang="en-US" dirty="0"/>
+                    </a:p>
+                  </a:txBody>
+                  <a:tcPr/>
+                </a:tc>
+                <a:tc>
+                  <a:txBody>
+                    <a:bodyPr/>
+                    <a:lstStyle/>
+                    <a:p>
+                      <a:r>
+                        <a:rPr lang="en-US" dirty="0" smtClean="0"/>
+                        <a:t>1 free with annual plan</a:t>
+                      </a:r>
+                      <a:endParaRPr lang="en-US" dirty="0"/>
+                    </a:p>
+                  </a:txBody>
+                  <a:tcPr/>
+                </a:tc>
+                <a:tc>
+                  <a:txBody>
+                    <a:bodyPr/>
+                    <a:lstStyle/>
+                    <a:p>
+                      <a:pPr marL="0" marR="0" indent="0" algn="l" defTabSz="457200" rtl="0" eaLnBrk="1" fontAlgn="auto" latinLnBrk="0" hangingPunct="1">
+                        <a:lnSpc>
+                          <a:spcPct val="100000"/>
+                        </a:lnSpc>
+                        <a:spcBef>
+                          <a:spcPts val="0"/>
+                        </a:spcBef>
+                        <a:spcAft>
+                          <a:spcPts val="0"/>
+                        </a:spcAft>
+                        <a:buClrTx/>
+                        <a:buSzTx/>
+                        <a:buFontTx/>
+                        <a:buNone/>
+                        <a:tabLst/>
+                        <a:defRPr/>
+                      </a:pPr>
+                      <a:r>
+                        <a:rPr lang="en-US" dirty="0" smtClean="0"/>
+                        <a:t>Unlimited</a:t>
+                      </a:r>
+                    </a:p>
+                    <a:p>
+                      <a:endParaRPr lang="en-US" dirty="0"/>
+                    </a:p>
+                  </a:txBody>
+                  <a:tcPr/>
+                </a:tc>
+                <a:tc>
+                  <a:txBody>
+                    <a:bodyPr/>
+                    <a:lstStyle/>
+                    <a:p>
+                      <a:pPr marL="0" marR="0" indent="0" algn="l" defTabSz="457200" rtl="0" eaLnBrk="1" fontAlgn="auto" latinLnBrk="0" hangingPunct="1">
+                        <a:lnSpc>
+                          <a:spcPct val="100000"/>
+                        </a:lnSpc>
+                        <a:spcBef>
+                          <a:spcPts val="0"/>
+                        </a:spcBef>
+                        <a:spcAft>
+                          <a:spcPts val="0"/>
+                        </a:spcAft>
+                        <a:buClrTx/>
+                        <a:buSzTx/>
+                        <a:buFontTx/>
+                        <a:buNone/>
+                        <a:tabLst/>
+                        <a:defRPr/>
+                      </a:pPr>
+                      <a:r>
+                        <a:rPr lang="en-US" dirty="0" smtClean="0"/>
+                        <a:t>Unlimited</a:t>
+                      </a:r>
+                    </a:p>
+                    <a:p>
+                      <a:endParaRPr lang="en-US" dirty="0"/>
+                    </a:p>
+                  </a:txBody>
+                  <a:tcPr/>
+                </a:tc>
+                <a:tc>
+                  <a:txBody>
+                    <a:bodyPr/>
+                    <a:lstStyle/>
+                    <a:p>
+                      <a:r>
+                        <a:rPr lang="en-US" dirty="0" smtClean="0"/>
+                        <a:t>1000</a:t>
+                      </a:r>
+                      <a:endParaRPr lang="en-US" dirty="0"/>
+                    </a:p>
+                  </a:txBody>
+                  <a:tcPr/>
+                </a:tc>
+                <a:tc>
+                  <a:txBody>
+                    <a:bodyPr/>
+                    <a:lstStyle/>
+                    <a:p>
+                      <a:pPr marL="0" marR="0" indent="0" algn="l" defTabSz="457200" rtl="0" eaLnBrk="1" fontAlgn="auto" latinLnBrk="0" hangingPunct="1">
+                        <a:lnSpc>
+                          <a:spcPct val="100000"/>
+                        </a:lnSpc>
+                        <a:spcBef>
+                          <a:spcPts val="0"/>
+                        </a:spcBef>
+                        <a:spcAft>
+                          <a:spcPts val="0"/>
+                        </a:spcAft>
+                        <a:buClrTx/>
+                        <a:buSzTx/>
+                        <a:buFontTx/>
+                        <a:buNone/>
+                        <a:tabLst/>
+                        <a:defRPr/>
+                      </a:pPr>
+                      <a:r>
+                        <a:rPr lang="en-US" dirty="0" smtClean="0"/>
+                        <a:t>Unlimited</a:t>
+                      </a:r>
+                    </a:p>
+                    <a:p>
+                      <a:endParaRPr lang="en-US" dirty="0"/>
+                    </a:p>
+                  </a:txBody>
+                  <a:tcPr/>
+                </a:tc>
+                <a:tc>
+                  <a:txBody>
+                    <a:bodyPr/>
+                    <a:lstStyle/>
+                    <a:p>
+                      <a:pPr marL="0" marR="0" indent="0" algn="l" defTabSz="457200" rtl="0" eaLnBrk="1" fontAlgn="auto" latinLnBrk="0" hangingPunct="1">
+                        <a:lnSpc>
+                          <a:spcPct val="100000"/>
+                        </a:lnSpc>
+                        <a:spcBef>
+                          <a:spcPts val="0"/>
+                        </a:spcBef>
+                        <a:spcAft>
+                          <a:spcPts val="0"/>
+                        </a:spcAft>
+                        <a:buClrTx/>
+                        <a:buSzTx/>
+                        <a:buFontTx/>
+                        <a:buNone/>
+                        <a:tabLst/>
+                        <a:defRPr/>
+                      </a:pPr>
+                      <a:r>
+                        <a:rPr lang="en-US" dirty="0" smtClean="0"/>
+                        <a:t>Unlimited</a:t>
+                      </a:r>
+                    </a:p>
+                    <a:p>
+                      <a:endParaRPr lang="en-US" dirty="0"/>
+                    </a:p>
+                  </a:txBody>
+                  <a:tcPr/>
+                </a:tc>
+              </a:tr>
+              <a:tr h="716158">
+                <a:tc>
+                  <a:txBody>
+                    <a:bodyPr/>
+                    <a:lstStyle/>
+                    <a:p>
+                      <a:r>
+                        <a:rPr lang="en-US" dirty="0" err="1" smtClean="0">
+                          <a:solidFill>
+                            <a:srgbClr val="0070C0"/>
+                          </a:solidFill>
+                        </a:rPr>
+                        <a:t>namecheap</a:t>
+                      </a:r>
+                      <a:endParaRPr lang="en-US" dirty="0">
+                        <a:solidFill>
+                          <a:srgbClr val="0070C0"/>
+                        </a:solidFill>
+                      </a:endParaRPr>
+                    </a:p>
+                  </a:txBody>
+                  <a:tcPr/>
+                </a:tc>
+                <a:tc>
+                  <a:txBody>
+                    <a:bodyPr/>
+                    <a:lstStyle/>
+                    <a:p>
+                      <a:r>
+                        <a:rPr lang="en-US" dirty="0" smtClean="0"/>
+                        <a:t>$ 22.48 /year</a:t>
+                      </a:r>
+                      <a:endParaRPr lang="en-US" dirty="0"/>
+                    </a:p>
+                  </a:txBody>
+                  <a:tcPr/>
+                </a:tc>
+                <a:tc>
+                  <a:txBody>
+                    <a:bodyPr/>
+                    <a:lstStyle/>
+                    <a:p>
+                      <a:r>
+                        <a:rPr lang="en-US" dirty="0" smtClean="0"/>
+                        <a:t>1 free</a:t>
+                      </a:r>
+                      <a:endParaRPr lang="en-US" dirty="0"/>
+                    </a:p>
+                  </a:txBody>
+                  <a:tcPr/>
+                </a:tc>
+                <a:tc>
+                  <a:txBody>
+                    <a:bodyPr/>
+                    <a:lstStyle/>
+                    <a:p>
+                      <a:r>
+                        <a:rPr lang="en-US" dirty="0" smtClean="0"/>
+                        <a:t>50 GB RAID protected</a:t>
+                      </a:r>
+                      <a:endParaRPr lang="en-US" dirty="0"/>
+                    </a:p>
+                  </a:txBody>
+                  <a:tcPr/>
+                </a:tc>
+                <a:tc>
+                  <a:txBody>
+                    <a:bodyPr/>
+                    <a:lstStyle/>
+                    <a:p>
+                      <a:pPr marL="0" marR="0" indent="0" algn="l" defTabSz="457200" rtl="0" eaLnBrk="1" fontAlgn="auto" latinLnBrk="0" hangingPunct="1">
+                        <a:lnSpc>
+                          <a:spcPct val="100000"/>
+                        </a:lnSpc>
+                        <a:spcBef>
+                          <a:spcPts val="0"/>
+                        </a:spcBef>
+                        <a:spcAft>
+                          <a:spcPts val="0"/>
+                        </a:spcAft>
+                        <a:buClrTx/>
+                        <a:buSzTx/>
+                        <a:buFontTx/>
+                        <a:buNone/>
+                        <a:tabLst/>
+                        <a:defRPr/>
+                      </a:pPr>
+                      <a:r>
+                        <a:rPr lang="en-US" dirty="0" smtClean="0"/>
+                        <a:t>Unlimited</a:t>
+                      </a:r>
+                    </a:p>
+                    <a:p>
+                      <a:endParaRPr lang="en-US" dirty="0"/>
+                    </a:p>
+                  </a:txBody>
+                  <a:tcPr/>
+                </a:tc>
+                <a:tc>
+                  <a:txBody>
+                    <a:bodyPr/>
+                    <a:lstStyle/>
+                    <a:p>
+                      <a:r>
+                        <a:rPr lang="en-US" dirty="0" smtClean="0"/>
+                        <a:t>N</a:t>
+                      </a:r>
+                      <a:r>
+                        <a:rPr lang="en-US" baseline="0" dirty="0" smtClean="0"/>
+                        <a:t> /A</a:t>
+                      </a:r>
+                      <a:endParaRPr lang="en-US" dirty="0"/>
+                    </a:p>
+                  </a:txBody>
+                  <a:tcPr/>
+                </a:tc>
+                <a:tc>
+                  <a:txBody>
+                    <a:bodyPr/>
+                    <a:lstStyle/>
+                    <a:p>
+                      <a:pPr marL="0" marR="0" indent="0" algn="l" defTabSz="457200" rtl="0" eaLnBrk="1" fontAlgn="auto" latinLnBrk="0" hangingPunct="1">
+                        <a:lnSpc>
+                          <a:spcPct val="100000"/>
+                        </a:lnSpc>
+                        <a:spcBef>
+                          <a:spcPts val="0"/>
+                        </a:spcBef>
+                        <a:spcAft>
+                          <a:spcPts val="0"/>
+                        </a:spcAft>
+                        <a:buClrTx/>
+                        <a:buSzTx/>
+                        <a:buFontTx/>
+                        <a:buNone/>
+                        <a:tabLst/>
+                        <a:defRPr/>
+                      </a:pPr>
+                      <a:r>
+                        <a:rPr lang="en-US" dirty="0" smtClean="0"/>
+                        <a:t>Unlimited</a:t>
+                      </a:r>
+                    </a:p>
+                    <a:p>
+                      <a:endParaRPr lang="en-US" dirty="0"/>
+                    </a:p>
+                  </a:txBody>
+                  <a:tcPr/>
+                </a:tc>
+                <a:tc>
+                  <a:txBody>
+                    <a:bodyPr/>
+                    <a:lstStyle/>
+                    <a:p>
+                      <a:r>
+                        <a:rPr lang="en-US" dirty="0" smtClean="0"/>
+                        <a:t>Up to </a:t>
+                      </a:r>
+                      <a:r>
+                        <a:rPr lang="en-US" dirty="0" smtClean="0"/>
+                        <a:t>10</a:t>
+                      </a:r>
+                      <a:endParaRPr lang="en-US" dirty="0"/>
+                    </a:p>
+                  </a:txBody>
+                  <a:tcPr/>
+                </a:tc>
+              </a:tr>
+            </a:tbl>
+          </a:graphicData>
+        </a:graphic>
+      </p:graphicFrame>
+    </p:spTree>
+    <p:extLst>
+      <p:ext uri="{BB962C8B-B14F-4D97-AF65-F5344CB8AC3E}">
+        <p14:creationId xmlns:p14="http://schemas.microsoft.com/office/powerpoint/2010/main" val="2954047360"/>
+      </p:ext>
+    </p:extLst>
+  </p:cSld>
+  <p:clrMapOvr>
+    <a:masterClrMapping/>
+  </p:clrMapOvr>
+  <p:timing>
+    <p:tnLst>
+      <p:par>
+        <p:cTn id="1" dur="indefinite" restart="never" nodeType="tmRoot"/>
+      </p:par>
+    </p:tnLst>
+  </p:timing>
+</p:sld>
+</file>
+
+<file path=ppt/slides/slide13.xml><?xml version="1.0" encoding="utf-8"?>
+<p:sld xmlns:a="http://schemas.openxmlformats.org/drawingml/2006/main" xmlns:r="http://schemas.openxmlformats.org/officeDocument/2006/relationships" xmlns:p="http://schemas.openxmlformats.org/presentationml/2006/main">
+  <p:cSld>
+    <p:spTree>
+      <p:nvGrpSpPr>
+        <p:cNvPr id="1" name=""/>
+        <p:cNvGrpSpPr/>
+        <p:nvPr/>
+      </p:nvGrpSpPr>
+      <p:grpSpPr>
+        <a:xfrm>
+          <a:off x="0" y="0"/>
+          <a:ext cx="0" cy="0"/>
+          <a:chOff x="0" y="0"/>
+          <a:chExt cx="0" cy="0"/>
+        </a:xfrm>
+      </p:grpSpPr>
+      <p:sp>
+        <p:nvSpPr>
+          <p:cNvPr id="2" name="Title 1"/>
+          <p:cNvSpPr>
+            <a:spLocks noGrp="1"/>
+          </p:cNvSpPr>
+          <p:nvPr>
+            <p:ph type="title"/>
+          </p:nvPr>
+        </p:nvSpPr>
+        <p:spPr>
+          <a:xfrm>
+            <a:off x="1396350" y="2485292"/>
+            <a:ext cx="8596668" cy="1141046"/>
+          </a:xfrm>
+        </p:spPr>
+        <p:txBody>
+          <a:bodyPr/>
+          <a:lstStyle/>
+          <a:p>
+            <a:pPr algn="ctr"/>
+            <a:r>
+              <a:rPr lang="en-US" dirty="0" smtClean="0"/>
+              <a:t>PAYMENT SERVICES</a:t>
+            </a:r>
+            <a:endParaRPr lang="en-US" dirty="0"/>
+          </a:p>
+        </p:txBody>
+      </p:sp>
+    </p:spTree>
+    <p:extLst>
+      <p:ext uri="{BB962C8B-B14F-4D97-AF65-F5344CB8AC3E}">
+        <p14:creationId xmlns:p14="http://schemas.microsoft.com/office/powerpoint/2010/main" val="3249824462"/>
+      </p:ext>
+    </p:extLst>
+  </p:cSld>
+  <p:clrMapOvr>
+    <a:masterClrMapping/>
+  </p:clrMapOvr>
+  <p:timing>
+    <p:tnLst>
+      <p:par>
+        <p:cTn id="1" dur="indefinite" restart="never" nodeType="tmRoot"/>
+      </p:par>
+    </p:tnLst>
+  </p:timing>
+</p:sld>
+</file>
+
+<file path=ppt/slides/slide14.xml><?xml version="1.0" encoding="utf-8"?>
+<p:sld xmlns:a="http://schemas.openxmlformats.org/drawingml/2006/main" xmlns:r="http://schemas.openxmlformats.org/officeDocument/2006/relationships" xmlns:p="http://schemas.openxmlformats.org/presentationml/2006/main">
+  <p:cSld>
+    <p:spTree>
+      <p:nvGrpSpPr>
+        <p:cNvPr id="1" name=""/>
+        <p:cNvGrpSpPr/>
+        <p:nvPr/>
+      </p:nvGrpSpPr>
+      <p:grpSpPr>
+        <a:xfrm>
+          <a:off x="0" y="0"/>
+          <a:ext cx="0" cy="0"/>
+          <a:chOff x="0" y="0"/>
+          <a:chExt cx="0" cy="0"/>
+        </a:xfrm>
+      </p:grpSpPr>
+      <p:sp>
+        <p:nvSpPr>
+          <p:cNvPr id="2" name="Title 1"/>
+          <p:cNvSpPr>
+            <a:spLocks noGrp="1"/>
+          </p:cNvSpPr>
+          <p:nvPr>
+            <p:ph type="title"/>
+          </p:nvPr>
+        </p:nvSpPr>
+        <p:spPr>
+          <a:xfrm>
+            <a:off x="2615549" y="359508"/>
+            <a:ext cx="6614420" cy="664308"/>
+          </a:xfrm>
+        </p:spPr>
+        <p:txBody>
+          <a:bodyPr>
+            <a:normAutofit/>
+          </a:bodyPr>
+          <a:lstStyle/>
+          <a:p>
+            <a:pPr algn="ctr"/>
+            <a:r>
+              <a:rPr lang="en-US" dirty="0" smtClean="0"/>
+              <a:t>www.authorize.net</a:t>
             </a:r>
             <a:endParaRPr lang="en-US" dirty="0"/>
           </a:p>
@@ -6824,7 +6991,7 @@
 </p:sld>
 </file>
 
-<file path=ppt/slides/slide12.xml><?xml version="1.0" encoding="utf-8"?>
+<file path=ppt/slides/slide15.xml><?xml version="1.0" encoding="utf-8"?>
 <p:sld xmlns:a="http://schemas.openxmlformats.org/drawingml/2006/main" xmlns:r="http://schemas.openxmlformats.org/officeDocument/2006/relationships" xmlns:p="http://schemas.openxmlformats.org/presentationml/2006/main">
   <p:cSld>
     <p:spTree>
@@ -6920,7 +7087,7 @@
 </p:sld>
 </file>
 
-<file path=ppt/slides/slide13.xml><?xml version="1.0" encoding="utf-8"?>
+<file path=ppt/slides/slide16.xml><?xml version="1.0" encoding="utf-8"?>
 <p:sld xmlns:a="http://schemas.openxmlformats.org/drawingml/2006/main" xmlns:r="http://schemas.openxmlformats.org/officeDocument/2006/relationships" xmlns:p="http://schemas.openxmlformats.org/presentationml/2006/main">
   <p:cSld>
     <p:spTree>
@@ -6959,7 +7126,7 @@
         </p:blipFill>
         <p:spPr>
           <a:xfrm>
-            <a:off x="2641600" y="679938"/>
+            <a:off x="2641600" y="656492"/>
             <a:ext cx="7260492" cy="5025293"/>
           </a:xfrm>
           <a:prstGeom prst="rect">
@@ -6987,7 +7154,7 @@
 </p:sld>
 </file>
 
-<file path=ppt/slides/slide14.xml><?xml version="1.0" encoding="utf-8"?>
+<file path=ppt/slides/slide17.xml><?xml version="1.0" encoding="utf-8"?>
 <p:sld xmlns:a="http://schemas.openxmlformats.org/drawingml/2006/main" xmlns:r="http://schemas.openxmlformats.org/officeDocument/2006/relationships" xmlns:p="http://schemas.openxmlformats.org/presentationml/2006/main">
   <p:cSld>
     <p:spTree>
@@ -7016,8 +7183,8 @@
         </p:nvSpPr>
         <p:spPr>
           <a:xfrm>
-            <a:off x="1326011" y="758093"/>
-            <a:ext cx="8596668" cy="914400"/>
+            <a:off x="2005949" y="593969"/>
+            <a:ext cx="8596668" cy="687754"/>
           </a:xfrm>
         </p:spPr>
         <p:txBody>
@@ -7027,7 +7194,11 @@
             <a:pPr algn="ctr"/>
             <a:r>
               <a:rPr lang="en-US" dirty="0" smtClean="0"/>
-              <a:t>Merchant Account</a:t>
+              <a:t>Payment </a:t>
+            </a:r>
+            <a:r>
+              <a:rPr lang="en-US" dirty="0" smtClean="0"/>
+              <a:t>Services</a:t>
             </a:r>
             <a:endParaRPr lang="en-US" dirty="0"/>
           </a:p>
@@ -7035,22 +7206,21 @@
       </p:sp>
       <p:graphicFrame>
         <p:nvGraphicFramePr>
-          <p:cNvPr id="6" name="Content Placeholder 5"/>
+          <p:cNvPr id="4" name="Table 3"/>
           <p:cNvGraphicFramePr>
             <a:graphicFrameLocks noGrp="1"/>
           </p:cNvGraphicFramePr>
           <p:nvPr>
-            <p:ph idx="1"/>
             <p:extLst>
               <p:ext uri="{D42A27DB-BD31-4B8C-83A1-F6EECF244321}">
-                <p14:modId xmlns:p14="http://schemas.microsoft.com/office/powerpoint/2010/main" val="1219352143"/>
+                <p14:modId xmlns:p14="http://schemas.microsoft.com/office/powerpoint/2010/main" val="3906982441"/>
               </p:ext>
             </p:extLst>
           </p:nvPr>
         </p:nvGraphicFramePr>
         <p:xfrm>
-          <a:off x="1990846" y="1961663"/>
-          <a:ext cx="7785784" cy="3233259"/>
+          <a:off x="1813173" y="1962312"/>
+          <a:ext cx="9315936" cy="2952783"/>
         </p:xfrm>
         <a:graphic>
           <a:graphicData uri="http://schemas.openxmlformats.org/drawingml/2006/table">
@@ -7059,12 +7229,15 @@
                 <a:tableStyleId>{5C22544A-7EE6-4342-B048-85BDC9FD1C3A}</a:tableStyleId>
               </a:tblPr>
               <a:tblGrid>
-                <a:gridCol w="2487370"/>
-                <a:gridCol w="1405522"/>
-                <a:gridCol w="1946446"/>
-                <a:gridCol w="1946446"/>
+                <a:gridCol w="1797535"/>
+                <a:gridCol w="864161"/>
+                <a:gridCol w="1464824"/>
+                <a:gridCol w="1196872"/>
+                <a:gridCol w="1475989"/>
+                <a:gridCol w="1438031"/>
+                <a:gridCol w="1078524"/>
               </a:tblGrid>
-              <a:tr h="773722">
+              <a:tr h="370840">
                 <a:tc>
                   <a:txBody>
                     <a:bodyPr/>
@@ -7082,6 +7255,43 @@
                         <a:rPr lang="en-US" dirty="0" smtClean="0"/>
                         <a:t>Providers</a:t>
                       </a:r>
+                    </a:p>
+                  </a:txBody>
+                  <a:tcPr/>
+                </a:tc>
+                <a:tc>
+                  <a:txBody>
+                    <a:bodyPr/>
+                    <a:lstStyle/>
+                    <a:p>
+                      <a:pPr algn="ctr"/>
+                      <a:r>
+                        <a:rPr lang="en-US" sz="1800" b="1" kern="1200" dirty="0" smtClean="0">
+                          <a:solidFill>
+                            <a:schemeClr val="lt1"/>
+                          </a:solidFill>
+                          <a:effectLst/>
+                          <a:latin typeface="+mn-lt"/>
+                          <a:ea typeface="+mn-ea"/>
+                          <a:cs typeface="+mn-cs"/>
+                        </a:rPr>
+                        <a:t>Cost</a:t>
+                      </a:r>
+                    </a:p>
+                    <a:p>
+                      <a:pPr algn="ctr"/>
+                      <a:r>
+                        <a:rPr lang="en-US" sz="1800" b="1" kern="1200" dirty="0" smtClean="0">
+                          <a:solidFill>
+                            <a:schemeClr val="lt1"/>
+                          </a:solidFill>
+                          <a:effectLst/>
+                          <a:latin typeface="+mn-lt"/>
+                          <a:ea typeface="+mn-ea"/>
+                          <a:cs typeface="+mn-cs"/>
+                        </a:rPr>
+                        <a:t>(30%)</a:t>
+                      </a:r>
                       <a:endParaRPr lang="en-US" dirty="0"/>
                     </a:p>
                   </a:txBody>
@@ -7094,8 +7304,31 @@
                     <a:p>
                       <a:pPr algn="ctr"/>
                       <a:r>
-                        <a:rPr lang="en-US" dirty="0" smtClean="0"/>
-                        <a:t>Setup fee</a:t>
+                        <a:rPr lang="en-US" sz="1800" b="1" kern="1200" dirty="0" smtClean="0">
+                          <a:solidFill>
+                            <a:schemeClr val="lt1"/>
+                          </a:solidFill>
+                          <a:effectLst/>
+                          <a:latin typeface="+mn-lt"/>
+                          <a:ea typeface="+mn-ea"/>
+                          <a:cs typeface="+mn-cs"/>
+                        </a:rPr>
+                        <a:t>Integration</a:t>
+                      </a:r>
+                    </a:p>
+                    <a:p>
+                      <a:pPr algn="ctr"/>
+                      <a:r>
+                        <a:rPr lang="en-US" sz="1800" b="1" kern="1200" dirty="0" smtClean="0">
+                          <a:solidFill>
+                            <a:schemeClr val="lt1"/>
+                          </a:solidFill>
+                          <a:effectLst/>
+                          <a:latin typeface="+mn-lt"/>
+                          <a:ea typeface="+mn-ea"/>
+                          <a:cs typeface="+mn-cs"/>
+                        </a:rPr>
+                        <a:t>(20%)</a:t>
                       </a:r>
                       <a:endParaRPr lang="en-US" dirty="0"/>
                     </a:p>
@@ -7109,8 +7342,31 @@
                     <a:p>
                       <a:pPr algn="ctr"/>
                       <a:r>
-                        <a:rPr lang="en-US" dirty="0" smtClean="0"/>
-                        <a:t>Monthly fee</a:t>
+                        <a:rPr lang="en-US" sz="1800" b="1" kern="1200" dirty="0" smtClean="0">
+                          <a:solidFill>
+                            <a:schemeClr val="lt1"/>
+                          </a:solidFill>
+                          <a:effectLst/>
+                          <a:latin typeface="+mn-lt"/>
+                          <a:ea typeface="+mn-ea"/>
+                          <a:cs typeface="+mn-cs"/>
+                        </a:rPr>
+                        <a:t>Security</a:t>
+                      </a:r>
+                    </a:p>
+                    <a:p>
+                      <a:pPr algn="ctr"/>
+                      <a:r>
+                        <a:rPr lang="en-US" sz="1800" b="1" kern="1200" dirty="0" smtClean="0">
+                          <a:solidFill>
+                            <a:schemeClr val="lt1"/>
+                          </a:solidFill>
+                          <a:effectLst/>
+                          <a:latin typeface="+mn-lt"/>
+                          <a:ea typeface="+mn-ea"/>
+                          <a:cs typeface="+mn-cs"/>
+                        </a:rPr>
+                        <a:t>(25%)</a:t>
                       </a:r>
                       <a:endParaRPr lang="en-US" dirty="0"/>
                     </a:p>
@@ -7124,16 +7380,100 @@
                     <a:p>
                       <a:pPr algn="ctr"/>
                       <a:r>
-                        <a:rPr lang="en-US" dirty="0" smtClean="0"/>
-                        <a:t>Per transaction</a:t>
+                        <a:rPr lang="en-US" sz="1800" b="1" kern="1200" dirty="0" smtClean="0">
+                          <a:solidFill>
+                            <a:schemeClr val="lt1"/>
+                          </a:solidFill>
+                          <a:effectLst/>
+                          <a:latin typeface="+mn-lt"/>
+                          <a:ea typeface="+mn-ea"/>
+                          <a:cs typeface="+mn-cs"/>
+                        </a:rPr>
+                        <a:t>Ease of Use</a:t>
+                      </a:r>
+                    </a:p>
+                    <a:p>
+                      <a:pPr algn="ctr"/>
+                      <a:r>
+                        <a:rPr lang="en-US" sz="1800" b="1" kern="1200" dirty="0" smtClean="0">
+                          <a:solidFill>
+                            <a:schemeClr val="lt1"/>
+                          </a:solidFill>
+                          <a:effectLst/>
+                          <a:latin typeface="+mn-lt"/>
+                          <a:ea typeface="+mn-ea"/>
+                          <a:cs typeface="+mn-cs"/>
+                        </a:rPr>
+                        <a:t>(15%)</a:t>
                       </a:r>
                       <a:endParaRPr lang="en-US" dirty="0"/>
                     </a:p>
                   </a:txBody>
                   <a:tcPr/>
                 </a:tc>
+                <a:tc>
+                  <a:txBody>
+                    <a:bodyPr/>
+                    <a:lstStyle/>
+                    <a:p>
+                      <a:pPr algn="ctr"/>
+                      <a:r>
+                        <a:rPr lang="en-US" sz="1800" b="1" kern="1200" dirty="0" smtClean="0">
+                          <a:solidFill>
+                            <a:schemeClr val="lt1"/>
+                          </a:solidFill>
+                          <a:effectLst/>
+                          <a:latin typeface="+mn-lt"/>
+                          <a:ea typeface="+mn-ea"/>
+                          <a:cs typeface="+mn-cs"/>
+                        </a:rPr>
+                        <a:t>Customer Support</a:t>
+                      </a:r>
+                    </a:p>
+                    <a:p>
+                      <a:pPr algn="ctr"/>
+                      <a:r>
+                        <a:rPr lang="en-US" sz="1800" b="1" kern="1200" dirty="0" smtClean="0">
+                          <a:solidFill>
+                            <a:schemeClr val="lt1"/>
+                          </a:solidFill>
+                          <a:effectLst/>
+                          <a:latin typeface="+mn-lt"/>
+                          <a:ea typeface="+mn-ea"/>
+                          <a:cs typeface="+mn-cs"/>
+                        </a:rPr>
+                        <a:t>(10%)</a:t>
+                      </a:r>
+                      <a:endParaRPr lang="en-US" dirty="0"/>
+                    </a:p>
+                  </a:txBody>
+                  <a:tcPr/>
+                </a:tc>
+                <a:tc>
+                  <a:txBody>
+                    <a:bodyPr/>
+                    <a:lstStyle/>
+                    <a:p>
+                      <a:pPr algn="ctr"/>
+                      <a:r>
+                        <a:rPr lang="en-US" sz="1800" b="1" kern="1200" dirty="0" smtClean="0">
+                          <a:solidFill>
+                            <a:schemeClr val="lt1"/>
+                          </a:solidFill>
+                          <a:effectLst/>
+                          <a:latin typeface="+mn-lt"/>
+                          <a:ea typeface="+mn-ea"/>
+                          <a:cs typeface="+mn-cs"/>
+                        </a:rPr>
+                        <a:t>Score</a:t>
+                      </a:r>
+                      <a:endParaRPr lang="en-US" dirty="0"/>
+                    </a:p>
+                  </a:txBody>
+                  <a:tcPr/>
+                </a:tc>
               </a:tr>
-              <a:tr h="600257">
+              <a:tr h="515165">
                 <a:tc>
                   <a:txBody>
                     <a:bodyPr/>
@@ -7145,7 +7485,7 @@
                             <a:srgbClr val="0070C0"/>
                           </a:solidFill>
                         </a:rPr>
-                        <a:t>TD</a:t>
+                        <a:t>Authorize.net</a:t>
                       </a:r>
                       <a:endParaRPr lang="en-US" dirty="0">
                         <a:solidFill>
@@ -7161,32 +7501,27 @@
                     <a:bodyPr/>
                     <a:lstStyle/>
                     <a:p>
-                      <a:pPr marL="0" marR="0" indent="0" algn="r" defTabSz="457200" rtl="0" eaLnBrk="1" fontAlgn="auto" latinLnBrk="0" hangingPunct="1">
-                        <a:lnSpc>
-                          <a:spcPct val="100000"/>
-                        </a:lnSpc>
-                        <a:spcBef>
-                          <a:spcPts val="0"/>
-                        </a:spcBef>
-                        <a:spcAft>
-                          <a:spcPts val="0"/>
-                        </a:spcAft>
-                        <a:buClrTx/>
-                        <a:buSzTx/>
-                        <a:buFontTx/>
-                        <a:buNone/>
-                        <a:tabLst/>
-                        <a:defRPr/>
-                      </a:pPr>
+                      <a:pPr algn="r"/>
                       <a:r>
                         <a:rPr lang="en-US" dirty="0" smtClean="0"/>
-                        <a:t>$ </a:t>
-                      </a:r>
+                        <a:t>7</a:t>
+                      </a:r>
+                      <a:endParaRPr lang="en-US" dirty="0"/>
+                    </a:p>
+                  </a:txBody>
+                  <a:tcPr/>
+                </a:tc>
+                <a:tc>
+                  <a:txBody>
+                    <a:bodyPr/>
+                    <a:lstStyle/>
+                    <a:p>
+                      <a:pPr algn="r"/>
                       <a:r>
                         <a:rPr lang="en-US" dirty="0" smtClean="0"/>
-                        <a:t>199</a:t>
-                      </a:r>
-                      <a:endParaRPr lang="en-US" dirty="0" smtClean="0"/>
+                        <a:t>8</a:t>
+                      </a:r>
+                      <a:endParaRPr lang="en-US" dirty="0"/>
                     </a:p>
                   </a:txBody>
                   <a:tcPr/>
@@ -7199,7 +7534,7 @@
                       <a:pPr algn="r"/>
                       <a:r>
                         <a:rPr lang="en-US" dirty="0" smtClean="0"/>
-                        <a:t>$ 35</a:t>
+                        <a:t>10</a:t>
                       </a:r>
                       <a:endParaRPr lang="en-US" dirty="0"/>
                     </a:p>
@@ -7214,27 +7549,41 @@
                       <a:pPr algn="r"/>
                       <a:r>
                         <a:rPr lang="en-US" dirty="0" smtClean="0"/>
-                        <a:t>10 c</a:t>
+                        <a:t>9</a:t>
                       </a:r>
                       <a:endParaRPr lang="en-US" dirty="0"/>
                     </a:p>
                   </a:txBody>
                   <a:tcPr/>
                 </a:tc>
-              </a:tr>
-              <a:tr h="618943">
-                <a:tc>
-                  <a:txBody>
-                    <a:bodyPr/>
-                    <a:lstStyle/>
-                    <a:p>
+                <a:tc>
+                  <a:txBody>
+                    <a:bodyPr/>
+                    <a:lstStyle/>
+                    <a:p>
+                      <a:pPr algn="r"/>
+                      <a:r>
+                        <a:rPr lang="en-US" dirty="0" smtClean="0"/>
+                        <a:t>9</a:t>
+                      </a:r>
+                      <a:endParaRPr lang="en-US" dirty="0"/>
+                    </a:p>
+                  </a:txBody>
+                  <a:tcPr/>
+                </a:tc>
+                <a:tc>
+                  <a:txBody>
+                    <a:bodyPr/>
+                    <a:lstStyle/>
+                    <a:p>
+                      <a:pPr algn="ctr"/>
                       <a:r>
                         <a:rPr lang="en-US" dirty="0" smtClean="0">
                           <a:solidFill>
                             <a:srgbClr val="0070C0"/>
                           </a:solidFill>
                         </a:rPr>
-                        <a:t>Merchantaccounts.ca</a:t>
+                        <a:t>8.5</a:t>
                       </a:r>
                       <a:endParaRPr lang="en-US" dirty="0">
                         <a:solidFill>
@@ -7245,6 +7594,30 @@
                   </a:txBody>
                   <a:tcPr/>
                 </a:tc>
+              </a:tr>
+              <a:tr h="437662">
+                <a:tc>
+                  <a:txBody>
+                    <a:bodyPr/>
+                    <a:lstStyle/>
+                    <a:p>
+                      <a:r>
+                        <a:rPr lang="en-US" dirty="0" err="1" smtClean="0">
+                          <a:solidFill>
+                            <a:srgbClr val="0070C0"/>
+                          </a:solidFill>
+                        </a:rPr>
+                        <a:t>Dwolla</a:t>
+                      </a:r>
+                      <a:endParaRPr lang="en-US" dirty="0">
+                        <a:solidFill>
+                          <a:srgbClr val="0070C0"/>
+                        </a:solidFill>
+                      </a:endParaRPr>
+                    </a:p>
+                  </a:txBody>
+                  <a:tcPr/>
+                </a:tc>
                 <a:tc>
                   <a:txBody>
                     <a:bodyPr/>
@@ -7253,7 +7626,7 @@
                       <a:pPr algn="r"/>
                       <a:r>
                         <a:rPr lang="en-US" dirty="0" smtClean="0"/>
-                        <a:t>$ 99</a:t>
+                        <a:t>10</a:t>
                       </a:r>
                       <a:endParaRPr lang="en-US" dirty="0"/>
                     </a:p>
@@ -7268,7 +7641,7 @@
                       <a:pPr algn="r"/>
                       <a:r>
                         <a:rPr lang="en-US" dirty="0" smtClean="0"/>
-                        <a:t>$ 39</a:t>
+                        <a:t>4</a:t>
                       </a:r>
                       <a:endParaRPr lang="en-US" dirty="0"/>
                     </a:p>
@@ -7283,15 +7656,190 @@
                       <a:pPr algn="r"/>
                       <a:r>
                         <a:rPr lang="en-US" dirty="0" smtClean="0"/>
-                        <a:t>20 c</a:t>
+                        <a:t>8</a:t>
                       </a:r>
                       <a:endParaRPr lang="en-US" dirty="0"/>
                     </a:p>
                   </a:txBody>
                   <a:tcPr/>
                 </a:tc>
+                <a:tc>
+                  <a:txBody>
+                    <a:bodyPr/>
+                    <a:lstStyle/>
+                    <a:p>
+                      <a:pPr algn="r"/>
+                      <a:r>
+                        <a:rPr lang="en-US" dirty="0" smtClean="0"/>
+                        <a:t>4</a:t>
+                      </a:r>
+                      <a:endParaRPr lang="en-US" dirty="0"/>
+                    </a:p>
+                  </a:txBody>
+                  <a:tcPr/>
+                </a:tc>
+                <a:tc>
+                  <a:txBody>
+                    <a:bodyPr/>
+                    <a:lstStyle/>
+                    <a:p>
+                      <a:pPr algn="r"/>
+                      <a:r>
+                        <a:rPr lang="en-US" dirty="0" smtClean="0"/>
+                        <a:t>7</a:t>
+                      </a:r>
+                      <a:endParaRPr lang="en-US" dirty="0"/>
+                    </a:p>
+                  </a:txBody>
+                  <a:tcPr/>
+                </a:tc>
+                <a:tc>
+                  <a:txBody>
+                    <a:bodyPr/>
+                    <a:lstStyle/>
+                    <a:p>
+                      <a:pPr algn="ctr"/>
+                      <a:r>
+                        <a:rPr lang="en-US" dirty="0" smtClean="0">
+                          <a:solidFill>
+                            <a:srgbClr val="0070C0"/>
+                          </a:solidFill>
+                        </a:rPr>
+                        <a:t>7.1</a:t>
+                      </a:r>
+                      <a:endParaRPr lang="en-US" dirty="0">
+                        <a:solidFill>
+                          <a:srgbClr val="0070C0"/>
+                        </a:solidFill>
+                      </a:endParaRPr>
+                    </a:p>
+                  </a:txBody>
+                  <a:tcPr/>
+                </a:tc>
               </a:tr>
-              <a:tr h="600257">
+              <a:tr h="445476">
+                <a:tc>
+                  <a:txBody>
+                    <a:bodyPr/>
+                    <a:lstStyle/>
+                    <a:p>
+                      <a:r>
+                        <a:rPr lang="en-US" dirty="0" smtClean="0">
+                          <a:solidFill>
+                            <a:srgbClr val="0070C0"/>
+                          </a:solidFill>
+                        </a:rPr>
+                        <a:t>Sage pay</a:t>
+                      </a:r>
+                      <a:endParaRPr lang="en-US" dirty="0">
+                        <a:solidFill>
+                          <a:srgbClr val="0070C0"/>
+                        </a:solidFill>
+                      </a:endParaRPr>
+                    </a:p>
+                  </a:txBody>
+                  <a:tcPr/>
+                </a:tc>
+                <a:tc>
+                  <a:txBody>
+                    <a:bodyPr/>
+                    <a:lstStyle/>
+                    <a:p>
+                      <a:pPr algn="r"/>
+                      <a:r>
+                        <a:rPr lang="en-US" dirty="0" smtClean="0"/>
+                        <a:t>5</a:t>
+                      </a:r>
+                      <a:endParaRPr lang="en-US" dirty="0"/>
+                    </a:p>
+                  </a:txBody>
+                  <a:tcPr/>
+                </a:tc>
+                <a:tc>
+                  <a:txBody>
+                    <a:bodyPr/>
+                    <a:lstStyle/>
+                    <a:p>
+                      <a:pPr algn="r"/>
+                      <a:r>
+                        <a:rPr lang="en-US" dirty="0" smtClean="0"/>
+                        <a:t>10</a:t>
+                      </a:r>
+                      <a:endParaRPr lang="en-US" dirty="0"/>
+                    </a:p>
+                  </a:txBody>
+                  <a:tcPr/>
+                </a:tc>
+                <a:tc>
+                  <a:txBody>
+                    <a:bodyPr/>
+                    <a:lstStyle/>
+                    <a:p>
+                      <a:pPr algn="r"/>
+                      <a:r>
+                        <a:rPr lang="en-US" dirty="0" smtClean="0"/>
+                        <a:t>9</a:t>
+                      </a:r>
+                      <a:endParaRPr lang="en-US" dirty="0"/>
+                    </a:p>
+                  </a:txBody>
+                  <a:tcPr/>
+                </a:tc>
+                <a:tc>
+                  <a:txBody>
+                    <a:bodyPr/>
+                    <a:lstStyle/>
+                    <a:p>
+                      <a:pPr algn="r"/>
+                      <a:r>
+                        <a:rPr lang="en-US" dirty="0" smtClean="0"/>
+                        <a:t>9</a:t>
+                      </a:r>
+                      <a:endParaRPr lang="en-US" dirty="0"/>
+                    </a:p>
+                  </a:txBody>
+                  <a:tcPr/>
+                </a:tc>
+                <a:tc>
+                  <a:txBody>
+                    <a:bodyPr/>
+                    <a:lstStyle/>
+                    <a:p>
+                      <a:pPr algn="r"/>
+                      <a:r>
+                        <a:rPr lang="en-US" dirty="0" smtClean="0"/>
+                        <a:t>8</a:t>
+                      </a:r>
+                      <a:endParaRPr lang="en-US" dirty="0"/>
+                    </a:p>
+                  </a:txBody>
+                  <a:tcPr/>
+                </a:tc>
+                <a:tc>
+                  <a:txBody>
+                    <a:bodyPr/>
+                    <a:lstStyle/>
+                    <a:p>
+                      <a:pPr algn="ctr"/>
+                      <a:r>
+                        <a:rPr lang="en-US" dirty="0" smtClean="0">
+                          <a:solidFill>
+                            <a:srgbClr val="0070C0"/>
+                          </a:solidFill>
+                        </a:rPr>
+                        <a:t>7.9</a:t>
+                      </a:r>
+                      <a:endParaRPr lang="en-US" dirty="0">
+                        <a:solidFill>
+                          <a:srgbClr val="0070C0"/>
+                        </a:solidFill>
+                      </a:endParaRPr>
+                    </a:p>
+                  </a:txBody>
+                  <a:tcPr/>
+                </a:tc>
+              </a:tr>
+              <a:tr h="370840">
                 <a:tc>
                   <a:txBody>
                     <a:bodyPr/>
@@ -7305,6 +7853,30 @@
                         </a:rPr>
                         <a:t>Paypal</a:t>
                       </a:r>
+                      <a:r>
+                        <a:rPr lang="en-US" baseline="0" dirty="0" smtClean="0">
+                          <a:solidFill>
+                            <a:srgbClr val="0070C0"/>
+                          </a:solidFill>
+                        </a:rPr>
+                        <a:t> </a:t>
+                      </a:r>
+                      <a:r>
+                        <a:rPr lang="en-US" baseline="0" dirty="0" smtClean="0">
+                          <a:solidFill>
+                            <a:srgbClr val="0070C0"/>
+                          </a:solidFill>
+                        </a:rPr>
+                        <a:t>Payments </a:t>
+                      </a:r>
+                      <a:r>
+                        <a:rPr lang="en-US" baseline="0" dirty="0" smtClean="0">
+                          <a:solidFill>
+                            <a:srgbClr val="0070C0"/>
+                          </a:solidFill>
+                        </a:rPr>
+                        <a:t>Pro</a:t>
+                      </a:r>
                       <a:endParaRPr lang="en-US" dirty="0">
                         <a:solidFill>
                           <a:srgbClr val="0070C0"/>
@@ -7319,133 +7891,95 @@
                     <a:bodyPr/>
                     <a:lstStyle/>
                     <a:p>
+                      <a:pPr algn="r"/>
+                      <a:r>
+                        <a:rPr lang="en-US" dirty="0" smtClean="0"/>
+                        <a:t>1</a:t>
+                      </a:r>
+                      <a:endParaRPr lang="en-US" dirty="0"/>
+                    </a:p>
+                  </a:txBody>
+                  <a:tcPr/>
+                </a:tc>
+                <a:tc>
+                  <a:txBody>
+                    <a:bodyPr/>
+                    <a:lstStyle/>
+                    <a:p>
+                      <a:pPr algn="r"/>
+                      <a:r>
+                        <a:rPr lang="en-US" dirty="0" smtClean="0"/>
+                        <a:t>6</a:t>
+                      </a:r>
+                      <a:endParaRPr lang="en-US" dirty="0"/>
+                    </a:p>
+                  </a:txBody>
+                  <a:tcPr/>
+                </a:tc>
+                <a:tc>
+                  <a:txBody>
+                    <a:bodyPr/>
+                    <a:lstStyle/>
+                    <a:p>
+                      <a:pPr algn="r"/>
+                      <a:r>
+                        <a:rPr lang="en-US" dirty="0" smtClean="0"/>
+                        <a:t>10</a:t>
+                      </a:r>
+                      <a:endParaRPr lang="en-US" dirty="0"/>
+                    </a:p>
+                  </a:txBody>
+                  <a:tcPr/>
+                </a:tc>
+                <a:tc>
+                  <a:txBody>
+                    <a:bodyPr/>
+                    <a:lstStyle/>
+                    <a:p>
+                      <a:pPr algn="r"/>
+                      <a:r>
+                        <a:rPr lang="en-US" dirty="0" smtClean="0"/>
+                        <a:t>8</a:t>
+                      </a:r>
+                      <a:endParaRPr lang="en-US" dirty="0"/>
+                    </a:p>
+                  </a:txBody>
+                  <a:tcPr/>
+                </a:tc>
+                <a:tc>
+                  <a:txBody>
+                    <a:bodyPr/>
+                    <a:lstStyle/>
+                    <a:p>
+                      <a:pPr algn="r"/>
+                      <a:r>
+                        <a:rPr lang="en-US" dirty="0" smtClean="0"/>
+                        <a:t>7</a:t>
+                      </a:r>
+                      <a:endParaRPr lang="en-US" dirty="0"/>
+                    </a:p>
+                  </a:txBody>
+                  <a:tcPr/>
+                </a:tc>
+                <a:tc>
+                  <a:txBody>
+                    <a:bodyPr/>
+                    <a:lstStyle/>
+                    <a:p>
                       <a:pPr algn="ctr"/>
-                      <a:r>
-                        <a:rPr lang="en-US" dirty="0" smtClean="0"/>
-                        <a:t>None</a:t>
-                      </a:r>
-                      <a:endParaRPr lang="en-US" dirty="0"/>
-                    </a:p>
-                  </a:txBody>
-                  <a:tcPr/>
-                </a:tc>
-                <a:tc>
-                  <a:txBody>
-                    <a:bodyPr/>
-                    <a:lstStyle/>
-                    <a:p>
-                      <a:pPr algn="r"/>
-                      <a:r>
-                        <a:rPr lang="en-US" dirty="0" smtClean="0"/>
-                        <a:t>$</a:t>
-                      </a:r>
-                      <a:r>
-                        <a:rPr lang="en-US" baseline="0" dirty="0" smtClean="0"/>
-                        <a:t> 10</a:t>
-                      </a:r>
-                      <a:endParaRPr lang="en-US" dirty="0"/>
-                    </a:p>
-                  </a:txBody>
-                  <a:tcPr/>
-                </a:tc>
-                <a:tc>
-                  <a:txBody>
-                    <a:bodyPr/>
-                    <a:lstStyle/>
-                    <a:p>
-                      <a:pPr algn="r"/>
-                      <a:r>
-                        <a:rPr lang="en-US" dirty="0" smtClean="0"/>
-                        <a:t>2.9% + 30 c</a:t>
-                      </a:r>
-                      <a:endParaRPr lang="en-US" dirty="0"/>
-                    </a:p>
-                  </a:txBody>
-                  <a:tcPr/>
-                </a:tc>
-              </a:tr>
-              <a:tr h="600257">
-                <a:tc>
-                  <a:txBody>
-                    <a:bodyPr/>
-                    <a:lstStyle/>
-                    <a:p>
                       <a:r>
                         <a:rPr lang="en-US" dirty="0" smtClean="0">
                           <a:solidFill>
                             <a:srgbClr val="0070C0"/>
                           </a:solidFill>
                         </a:rPr>
-                        <a:t>2checkout</a:t>
+                        <a:t>5.9</a:t>
                       </a:r>
                       <a:endParaRPr lang="en-US" dirty="0">
                         <a:solidFill>
                           <a:srgbClr val="0070C0"/>
                         </a:solidFill>
                       </a:endParaRPr>
-                    </a:p>
-                  </a:txBody>
-                  <a:tcPr/>
-                </a:tc>
-                <a:tc>
-                  <a:txBody>
-                    <a:bodyPr/>
-                    <a:lstStyle/>
-                    <a:p>
-                      <a:pPr algn="ctr"/>
-                      <a:r>
-                        <a:rPr lang="en-US" dirty="0" smtClean="0"/>
-                        <a:t>None</a:t>
-                      </a:r>
-                      <a:endParaRPr lang="en-US" dirty="0"/>
-                    </a:p>
-                  </a:txBody>
-                  <a:tcPr/>
-                </a:tc>
-                <a:tc>
-                  <a:txBody>
-                    <a:bodyPr/>
-                    <a:lstStyle/>
-                    <a:p>
-                      <a:pPr algn="ctr"/>
-                      <a:r>
-                        <a:rPr lang="en-US" dirty="0" smtClean="0"/>
-                        <a:t>None</a:t>
-                      </a:r>
-                      <a:endParaRPr lang="en-US" dirty="0"/>
-                    </a:p>
-                  </a:txBody>
-                  <a:tcPr/>
-                </a:tc>
-                <a:tc>
-                  <a:txBody>
-                    <a:bodyPr/>
-                    <a:lstStyle/>
-                    <a:p>
-                      <a:pPr marL="0" marR="0" indent="0" algn="r" defTabSz="457200" rtl="0" eaLnBrk="1" fontAlgn="auto" latinLnBrk="0" hangingPunct="1">
-                        <a:lnSpc>
-                          <a:spcPct val="100000"/>
-                        </a:lnSpc>
-                        <a:spcBef>
-                          <a:spcPts val="0"/>
-                        </a:spcBef>
-                        <a:spcAft>
-                          <a:spcPts val="0"/>
-                        </a:spcAft>
-                        <a:buClrTx/>
-                        <a:buSzTx/>
-                        <a:buFontTx/>
-                        <a:buNone/>
-                        <a:tabLst/>
-                        <a:defRPr/>
-                      </a:pPr>
-                      <a:r>
-                        <a:rPr lang="en-US" dirty="0" smtClean="0"/>
-                        <a:t>5.5% + 45 c</a:t>
-                      </a:r>
-                    </a:p>
-                    <a:p>
-                      <a:endParaRPr lang="en-US" dirty="0"/>
                     </a:p>
                   </a:txBody>
                   <a:tcPr/>
@@ -7458,7 +7992,7 @@
     </p:spTree>
     <p:extLst>
       <p:ext uri="{BB962C8B-B14F-4D97-AF65-F5344CB8AC3E}">
-        <p14:creationId xmlns:p14="http://schemas.microsoft.com/office/powerpoint/2010/main" val="2479525487"/>
+        <p14:creationId xmlns:p14="http://schemas.microsoft.com/office/powerpoint/2010/main" val="2982968277"/>
       </p:ext>
     </p:extLst>
   </p:cSld>
@@ -7475,7 +8009,66 @@
 </p:sld>
 </file>
 
-<file path=ppt/slides/slide15.xml><?xml version="1.0" encoding="utf-8"?>
+<file path=ppt/slides/slide18.xml><?xml version="1.0" encoding="utf-8"?>
+<p:sld xmlns:a="http://schemas.openxmlformats.org/drawingml/2006/main" xmlns:r="http://schemas.openxmlformats.org/officeDocument/2006/relationships" xmlns:p="http://schemas.openxmlformats.org/presentationml/2006/main">
+  <p:cSld>
+    <p:spTree>
+      <p:nvGrpSpPr>
+        <p:cNvPr id="1" name=""/>
+        <p:cNvGrpSpPr/>
+        <p:nvPr/>
+      </p:nvGrpSpPr>
+      <p:grpSpPr>
+        <a:xfrm>
+          <a:off x="0" y="0"/>
+          <a:ext cx="0" cy="0"/>
+          <a:chOff x="0" y="0"/>
+          <a:chExt cx="0" cy="0"/>
+        </a:xfrm>
+      </p:grpSpPr>
+      <p:sp>
+        <p:nvSpPr>
+          <p:cNvPr id="2" name="Title 1"/>
+          <p:cNvSpPr>
+            <a:spLocks noGrp="1"/>
+          </p:cNvSpPr>
+          <p:nvPr>
+            <p:ph type="title"/>
+          </p:nvPr>
+        </p:nvSpPr>
+        <p:spPr>
+          <a:xfrm>
+            <a:off x="1396350" y="2485292"/>
+            <a:ext cx="8596668" cy="1141046"/>
+          </a:xfrm>
+        </p:spPr>
+        <p:txBody>
+          <a:bodyPr/>
+          <a:lstStyle/>
+          <a:p>
+            <a:pPr algn="ctr"/>
+            <a:r>
+              <a:rPr lang="en-US" dirty="0" smtClean="0"/>
+              <a:t>MERCHANT ACCOUNTS</a:t>
+            </a:r>
+            <a:endParaRPr lang="en-US" dirty="0"/>
+          </a:p>
+        </p:txBody>
+      </p:sp>
+    </p:spTree>
+    <p:extLst>
+      <p:ext uri="{BB962C8B-B14F-4D97-AF65-F5344CB8AC3E}">
+        <p14:creationId xmlns:p14="http://schemas.microsoft.com/office/powerpoint/2010/main" val="3640002858"/>
+      </p:ext>
+    </p:extLst>
+  </p:cSld>
+  <p:clrMapOvr>
+    <a:masterClrMapping/>
+  </p:clrMapOvr>
+</p:sld>
+</file>
+
+<file path=ppt/slides/slide19.xml><?xml version="1.0" encoding="utf-8"?>
 <p:sld xmlns:a="http://schemas.openxmlformats.org/drawingml/2006/main" xmlns:r="http://schemas.openxmlformats.org/officeDocument/2006/relationships" xmlns:p="http://schemas.openxmlformats.org/presentationml/2006/main">
   <p:cSld>
     <p:spTree>
@@ -7510,7 +8103,7 @@
         </p:blipFill>
         <p:spPr>
           <a:xfrm>
-            <a:off x="1177518" y="1860062"/>
+            <a:off x="1161888" y="2336800"/>
             <a:ext cx="8169682" cy="3872524"/>
           </a:xfrm>
           <a:prstGeom prst="rect">
@@ -7541,7 +8134,7 @@
         </p:blipFill>
         <p:spPr bwMode="auto">
           <a:xfrm>
-            <a:off x="1232226" y="999160"/>
+            <a:off x="1161888" y="1585314"/>
             <a:ext cx="1933575" cy="419101"/>
           </a:xfrm>
           <a:prstGeom prst="rect">
@@ -7579,7 +8172,111 @@
 </p:sld>
 </file>
 
-<file path=ppt/slides/slide16.xml><?xml version="1.0" encoding="utf-8"?>
+<file path=ppt/slides/slide2.xml><?xml version="1.0" encoding="utf-8"?>
+<p:sld xmlns:a="http://schemas.openxmlformats.org/drawingml/2006/main" xmlns:r="http://schemas.openxmlformats.org/officeDocument/2006/relationships" xmlns:p="http://schemas.openxmlformats.org/presentationml/2006/main">
+  <p:cSld>
+    <p:spTree>
+      <p:nvGrpSpPr>
+        <p:cNvPr id="1" name=""/>
+        <p:cNvGrpSpPr/>
+        <p:nvPr/>
+      </p:nvGrpSpPr>
+      <p:grpSpPr>
+        <a:xfrm>
+          <a:off x="0" y="0"/>
+          <a:ext cx="0" cy="0"/>
+          <a:chOff x="0" y="0"/>
+          <a:chExt cx="0" cy="0"/>
+        </a:xfrm>
+      </p:grpSpPr>
+      <p:sp>
+        <p:nvSpPr>
+          <p:cNvPr id="2" name="Title 1"/>
+          <p:cNvSpPr>
+            <a:spLocks noGrp="1"/>
+          </p:cNvSpPr>
+          <p:nvPr>
+            <p:ph type="title"/>
+          </p:nvPr>
+        </p:nvSpPr>
+        <p:spPr/>
+        <p:txBody>
+          <a:bodyPr/>
+          <a:lstStyle/>
+          <a:p>
+            <a:pPr algn="ctr"/>
+            <a:r>
+              <a:rPr lang="en-US" dirty="0" smtClean="0"/>
+              <a:t>Points to Discuss</a:t>
+            </a:r>
+            <a:endParaRPr lang="en-US" dirty="0"/>
+          </a:p>
+        </p:txBody>
+      </p:sp>
+      <p:sp>
+        <p:nvSpPr>
+          <p:cNvPr id="3" name="Content Placeholder 2"/>
+          <p:cNvSpPr>
+            <a:spLocks noGrp="1"/>
+          </p:cNvSpPr>
+          <p:nvPr>
+            <p:ph idx="1"/>
+          </p:nvPr>
+        </p:nvSpPr>
+        <p:spPr/>
+        <p:txBody>
+          <a:bodyPr>
+            <a:normAutofit/>
+          </a:bodyPr>
+          <a:lstStyle/>
+          <a:p>
+            <a:r>
+              <a:rPr lang="en-US" sz="2400" dirty="0" smtClean="0"/>
+              <a:t>Web Site Development</a:t>
+            </a:r>
+          </a:p>
+          <a:p>
+            <a:r>
+              <a:rPr lang="en-US" sz="2400" dirty="0" smtClean="0"/>
+              <a:t>Web Hosting Services</a:t>
+            </a:r>
+          </a:p>
+          <a:p>
+            <a:r>
+              <a:rPr lang="en-US" sz="2400" dirty="0" smtClean="0"/>
+              <a:t>Payment Systems</a:t>
+            </a:r>
+          </a:p>
+          <a:p>
+            <a:r>
+              <a:rPr lang="en-US" sz="2400" dirty="0" smtClean="0"/>
+              <a:t>Merchant Accounts</a:t>
+            </a:r>
+            <a:endParaRPr lang="en-US" sz="2400" dirty="0"/>
+          </a:p>
+        </p:txBody>
+      </p:sp>
+    </p:spTree>
+    <p:extLst>
+      <p:ext uri="{BB962C8B-B14F-4D97-AF65-F5344CB8AC3E}">
+        <p14:creationId xmlns:p14="http://schemas.microsoft.com/office/powerpoint/2010/main" val="66931069"/>
+      </p:ext>
+    </p:extLst>
+  </p:cSld>
+  <p:clrMapOvr>
+    <a:masterClrMapping/>
+  </p:clrMapOvr>
+  <p:timing>
+    <p:tnLst>
+      <p:par>
+        <p:cTn id="1" dur="indefinite" restart="never" nodeType="tmRoot"/>
+      </p:par>
+    </p:tnLst>
+  </p:timing>
+</p:sld>
+</file>
+
+<file path=ppt/slides/slide20.xml><?xml version="1.0" encoding="utf-8"?>
 <p:sld xmlns:a="http://schemas.openxmlformats.org/drawingml/2006/main" xmlns:r="http://schemas.openxmlformats.org/officeDocument/2006/relationships" xmlns:p="http://schemas.openxmlformats.org/presentationml/2006/main">
   <p:cSld>
     <p:spTree>
@@ -7683,7 +8380,7 @@
 </p:sld>
 </file>
 
-<file path=ppt/slides/slide17.xml><?xml version="1.0" encoding="utf-8"?>
+<file path=ppt/slides/slide21.xml><?xml version="1.0" encoding="utf-8"?>
 <p:sld xmlns:a="http://schemas.openxmlformats.org/drawingml/2006/main" xmlns:r="http://schemas.openxmlformats.org/officeDocument/2006/relationships" xmlns:p="http://schemas.openxmlformats.org/presentationml/2006/main">
   <p:cSld>
     <p:spTree>
@@ -7744,7 +8441,7 @@
 </p:sld>
 </file>
 
-<file path=ppt/slides/slide18.xml><?xml version="1.0" encoding="utf-8"?>
+<file path=ppt/slides/slide22.xml><?xml version="1.0" encoding="utf-8"?>
 <p:sld xmlns:a="http://schemas.openxmlformats.org/drawingml/2006/main" xmlns:r="http://schemas.openxmlformats.org/officeDocument/2006/relationships" xmlns:p="http://schemas.openxmlformats.org/presentationml/2006/main">
   <p:cSld>
     <p:spTree>
@@ -7839,7 +8536,486 @@
 </p:sld>
 </file>
 
-<file path=ppt/slides/slide19.xml><?xml version="1.0" encoding="utf-8"?>
+<file path=ppt/slides/slide23.xml><?xml version="1.0" encoding="utf-8"?>
+<p:sld xmlns:a="http://schemas.openxmlformats.org/drawingml/2006/main" xmlns:r="http://schemas.openxmlformats.org/officeDocument/2006/relationships" xmlns:p="http://schemas.openxmlformats.org/presentationml/2006/main">
+  <p:cSld>
+    <p:spTree>
+      <p:nvGrpSpPr>
+        <p:cNvPr id="1" name=""/>
+        <p:cNvGrpSpPr/>
+        <p:nvPr/>
+      </p:nvGrpSpPr>
+      <p:grpSpPr>
+        <a:xfrm>
+          <a:off x="0" y="0"/>
+          <a:ext cx="0" cy="0"/>
+          <a:chOff x="0" y="0"/>
+          <a:chExt cx="0" cy="0"/>
+        </a:xfrm>
+      </p:grpSpPr>
+      <p:sp>
+        <p:nvSpPr>
+          <p:cNvPr id="2" name="Title 1"/>
+          <p:cNvSpPr>
+            <a:spLocks noGrp="1"/>
+          </p:cNvSpPr>
+          <p:nvPr>
+            <p:ph type="title"/>
+          </p:nvPr>
+        </p:nvSpPr>
+        <p:spPr>
+          <a:xfrm>
+            <a:off x="1326011" y="758093"/>
+            <a:ext cx="8596668" cy="914400"/>
+          </a:xfrm>
+        </p:spPr>
+        <p:txBody>
+          <a:bodyPr/>
+          <a:lstStyle/>
+          <a:p>
+            <a:pPr algn="ctr"/>
+            <a:r>
+              <a:rPr lang="en-US" dirty="0" smtClean="0"/>
+              <a:t>Merchant Account</a:t>
+            </a:r>
+            <a:endParaRPr lang="en-US" dirty="0"/>
+          </a:p>
+        </p:txBody>
+      </p:sp>
+      <p:graphicFrame>
+        <p:nvGraphicFramePr>
+          <p:cNvPr id="6" name="Content Placeholder 5"/>
+          <p:cNvGraphicFramePr>
+            <a:graphicFrameLocks noGrp="1"/>
+          </p:cNvGraphicFramePr>
+          <p:nvPr>
+            <p:ph idx="1"/>
+            <p:extLst/>
+          </p:nvPr>
+        </p:nvGraphicFramePr>
+        <p:xfrm>
+          <a:off x="1990846" y="1961663"/>
+          <a:ext cx="7785784" cy="3233259"/>
+        </p:xfrm>
+        <a:graphic>
+          <a:graphicData uri="http://schemas.openxmlformats.org/drawingml/2006/table">
+            <a:tbl>
+              <a:tblPr firstRow="1" bandRow="1">
+                <a:tableStyleId>{5C22544A-7EE6-4342-B048-85BDC9FD1C3A}</a:tableStyleId>
+              </a:tblPr>
+              <a:tblGrid>
+                <a:gridCol w="2487370"/>
+                <a:gridCol w="1405522"/>
+                <a:gridCol w="1946446"/>
+                <a:gridCol w="1946446"/>
+              </a:tblGrid>
+              <a:tr h="773722">
+                <a:tc>
+                  <a:txBody>
+                    <a:bodyPr/>
+                    <a:lstStyle/>
+                    <a:p>
+                      <a:pPr algn="ctr"/>
+                      <a:r>
+                        <a:rPr lang="en-US" dirty="0" smtClean="0"/>
+                        <a:t>Criteria/</a:t>
+                      </a:r>
+                    </a:p>
+                    <a:p>
+                      <a:pPr algn="ctr"/>
+                      <a:r>
+                        <a:rPr lang="en-US" dirty="0" smtClean="0"/>
+                        <a:t>Providers</a:t>
+                      </a:r>
+                      <a:endParaRPr lang="en-US" dirty="0"/>
+                    </a:p>
+                  </a:txBody>
+                  <a:tcPr/>
+                </a:tc>
+                <a:tc>
+                  <a:txBody>
+                    <a:bodyPr/>
+                    <a:lstStyle/>
+                    <a:p>
+                      <a:pPr algn="ctr"/>
+                      <a:r>
+                        <a:rPr lang="en-US" dirty="0" smtClean="0"/>
+                        <a:t>Setup fee</a:t>
+                      </a:r>
+                      <a:endParaRPr lang="en-US" dirty="0"/>
+                    </a:p>
+                  </a:txBody>
+                  <a:tcPr/>
+                </a:tc>
+                <a:tc>
+                  <a:txBody>
+                    <a:bodyPr/>
+                    <a:lstStyle/>
+                    <a:p>
+                      <a:pPr algn="ctr"/>
+                      <a:r>
+                        <a:rPr lang="en-US" dirty="0" smtClean="0"/>
+                        <a:t>Monthly fee</a:t>
+                      </a:r>
+                      <a:endParaRPr lang="en-US" dirty="0"/>
+                    </a:p>
+                  </a:txBody>
+                  <a:tcPr/>
+                </a:tc>
+                <a:tc>
+                  <a:txBody>
+                    <a:bodyPr/>
+                    <a:lstStyle/>
+                    <a:p>
+                      <a:pPr algn="ctr"/>
+                      <a:r>
+                        <a:rPr lang="en-US" dirty="0" smtClean="0"/>
+                        <a:t>Per transaction</a:t>
+                      </a:r>
+                      <a:endParaRPr lang="en-US" dirty="0"/>
+                    </a:p>
+                  </a:txBody>
+                  <a:tcPr/>
+                </a:tc>
+              </a:tr>
+              <a:tr h="600257">
+                <a:tc>
+                  <a:txBody>
+                    <a:bodyPr/>
+                    <a:lstStyle/>
+                    <a:p>
+                      <a:r>
+                        <a:rPr lang="en-US" dirty="0" smtClean="0">
+                          <a:solidFill>
+                            <a:srgbClr val="0070C0"/>
+                          </a:solidFill>
+                        </a:rPr>
+                        <a:t>TD</a:t>
+                      </a:r>
+                      <a:endParaRPr lang="en-US" dirty="0">
+                        <a:solidFill>
+                          <a:srgbClr val="0070C0"/>
+                        </a:solidFill>
+                      </a:endParaRPr>
+                    </a:p>
+                  </a:txBody>
+                  <a:tcPr/>
+                </a:tc>
+                <a:tc>
+                  <a:txBody>
+                    <a:bodyPr/>
+                    <a:lstStyle/>
+                    <a:p>
+                      <a:pPr marL="0" marR="0" indent="0" algn="r" defTabSz="457200" rtl="0" eaLnBrk="1" fontAlgn="auto" latinLnBrk="0" hangingPunct="1">
+                        <a:lnSpc>
+                          <a:spcPct val="100000"/>
+                        </a:lnSpc>
+                        <a:spcBef>
+                          <a:spcPts val="0"/>
+                        </a:spcBef>
+                        <a:spcAft>
+                          <a:spcPts val="0"/>
+                        </a:spcAft>
+                        <a:buClrTx/>
+                        <a:buSzTx/>
+                        <a:buFontTx/>
+                        <a:buNone/>
+                        <a:tabLst/>
+                        <a:defRPr/>
+                      </a:pPr>
+                      <a:r>
+                        <a:rPr lang="en-US" dirty="0" smtClean="0"/>
+                        <a:t>$ 199</a:t>
+                      </a:r>
+                    </a:p>
+                  </a:txBody>
+                  <a:tcPr/>
+                </a:tc>
+                <a:tc>
+                  <a:txBody>
+                    <a:bodyPr/>
+                    <a:lstStyle/>
+                    <a:p>
+                      <a:pPr algn="r"/>
+                      <a:r>
+                        <a:rPr lang="en-US" dirty="0" smtClean="0"/>
+                        <a:t>$ 35</a:t>
+                      </a:r>
+                      <a:endParaRPr lang="en-US" dirty="0"/>
+                    </a:p>
+                  </a:txBody>
+                  <a:tcPr/>
+                </a:tc>
+                <a:tc>
+                  <a:txBody>
+                    <a:bodyPr/>
+                    <a:lstStyle/>
+                    <a:p>
+                      <a:pPr algn="r"/>
+                      <a:r>
+                        <a:rPr lang="en-US" dirty="0" smtClean="0"/>
+                        <a:t>10 c</a:t>
+                      </a:r>
+                      <a:endParaRPr lang="en-US" dirty="0"/>
+                    </a:p>
+                  </a:txBody>
+                  <a:tcPr/>
+                </a:tc>
+              </a:tr>
+              <a:tr h="618943">
+                <a:tc>
+                  <a:txBody>
+                    <a:bodyPr/>
+                    <a:lstStyle/>
+                    <a:p>
+                      <a:r>
+                        <a:rPr lang="en-US" dirty="0" smtClean="0">
+                          <a:solidFill>
+                            <a:srgbClr val="0070C0"/>
+                          </a:solidFill>
+                        </a:rPr>
+                        <a:t>Merchantaccounts.ca</a:t>
+                      </a:r>
+                      <a:endParaRPr lang="en-US" dirty="0">
+                        <a:solidFill>
+                          <a:srgbClr val="0070C0"/>
+                        </a:solidFill>
+                      </a:endParaRPr>
+                    </a:p>
+                  </a:txBody>
+                  <a:tcPr/>
+                </a:tc>
+                <a:tc>
+                  <a:txBody>
+                    <a:bodyPr/>
+                    <a:lstStyle/>
+                    <a:p>
+                      <a:pPr algn="r"/>
+                      <a:r>
+                        <a:rPr lang="en-US" dirty="0" smtClean="0"/>
+                        <a:t>$ 99</a:t>
+                      </a:r>
+                      <a:endParaRPr lang="en-US" dirty="0"/>
+                    </a:p>
+                  </a:txBody>
+                  <a:tcPr/>
+                </a:tc>
+                <a:tc>
+                  <a:txBody>
+                    <a:bodyPr/>
+                    <a:lstStyle/>
+                    <a:p>
+                      <a:pPr algn="r"/>
+                      <a:r>
+                        <a:rPr lang="en-US" dirty="0" smtClean="0"/>
+                        <a:t>$ 39</a:t>
+                      </a:r>
+                      <a:endParaRPr lang="en-US" dirty="0"/>
+                    </a:p>
+                  </a:txBody>
+                  <a:tcPr/>
+                </a:tc>
+                <a:tc>
+                  <a:txBody>
+                    <a:bodyPr/>
+                    <a:lstStyle/>
+                    <a:p>
+                      <a:pPr algn="r"/>
+                      <a:r>
+                        <a:rPr lang="en-US" dirty="0" smtClean="0"/>
+                        <a:t>20 c</a:t>
+                      </a:r>
+                      <a:endParaRPr lang="en-US" dirty="0"/>
+                    </a:p>
+                  </a:txBody>
+                  <a:tcPr/>
+                </a:tc>
+              </a:tr>
+              <a:tr h="600257">
+                <a:tc>
+                  <a:txBody>
+                    <a:bodyPr/>
+                    <a:lstStyle/>
+                    <a:p>
+                      <a:r>
+                        <a:rPr lang="en-US" dirty="0" err="1" smtClean="0">
+                          <a:solidFill>
+                            <a:srgbClr val="0070C0"/>
+                          </a:solidFill>
+                        </a:rPr>
+                        <a:t>Paypal</a:t>
+                      </a:r>
+                      <a:endParaRPr lang="en-US" dirty="0">
+                        <a:solidFill>
+                          <a:srgbClr val="0070C0"/>
+                        </a:solidFill>
+                      </a:endParaRPr>
+                    </a:p>
+                  </a:txBody>
+                  <a:tcPr/>
+                </a:tc>
+                <a:tc>
+                  <a:txBody>
+                    <a:bodyPr/>
+                    <a:lstStyle/>
+                    <a:p>
+                      <a:pPr algn="ctr"/>
+                      <a:r>
+                        <a:rPr lang="en-US" dirty="0" smtClean="0"/>
+                        <a:t>None</a:t>
+                      </a:r>
+                      <a:endParaRPr lang="en-US" dirty="0"/>
+                    </a:p>
+                  </a:txBody>
+                  <a:tcPr/>
+                </a:tc>
+                <a:tc>
+                  <a:txBody>
+                    <a:bodyPr/>
+                    <a:lstStyle/>
+                    <a:p>
+                      <a:pPr algn="r"/>
+                      <a:r>
+                        <a:rPr lang="en-US" dirty="0" smtClean="0"/>
+                        <a:t>$</a:t>
+                      </a:r>
+                      <a:r>
+                        <a:rPr lang="en-US" baseline="0" dirty="0" smtClean="0"/>
+                        <a:t> 10</a:t>
+                      </a:r>
+                      <a:endParaRPr lang="en-US" dirty="0"/>
+                    </a:p>
+                  </a:txBody>
+                  <a:tcPr/>
+                </a:tc>
+                <a:tc>
+                  <a:txBody>
+                    <a:bodyPr/>
+                    <a:lstStyle/>
+                    <a:p>
+                      <a:pPr algn="r"/>
+                      <a:r>
+                        <a:rPr lang="en-US" dirty="0" smtClean="0"/>
+                        <a:t>2.9% + 30 c</a:t>
+                      </a:r>
+                      <a:endParaRPr lang="en-US" dirty="0"/>
+                    </a:p>
+                  </a:txBody>
+                  <a:tcPr/>
+                </a:tc>
+              </a:tr>
+              <a:tr h="600257">
+                <a:tc>
+                  <a:txBody>
+                    <a:bodyPr/>
+                    <a:lstStyle/>
+                    <a:p>
+                      <a:r>
+                        <a:rPr lang="en-US" dirty="0" smtClean="0">
+                          <a:solidFill>
+                            <a:srgbClr val="0070C0"/>
+                          </a:solidFill>
+                        </a:rPr>
+                        <a:t>2checkout</a:t>
+                      </a:r>
+                      <a:endParaRPr lang="en-US" dirty="0">
+                        <a:solidFill>
+                          <a:srgbClr val="0070C0"/>
+                        </a:solidFill>
+                      </a:endParaRPr>
+                    </a:p>
+                  </a:txBody>
+                  <a:tcPr/>
+                </a:tc>
+                <a:tc>
+                  <a:txBody>
+                    <a:bodyPr/>
+                    <a:lstStyle/>
+                    <a:p>
+                      <a:pPr algn="ctr"/>
+                      <a:r>
+                        <a:rPr lang="en-US" dirty="0" smtClean="0"/>
+                        <a:t>None</a:t>
+                      </a:r>
+                      <a:endParaRPr lang="en-US" dirty="0"/>
+                    </a:p>
+                  </a:txBody>
+                  <a:tcPr/>
+                </a:tc>
+                <a:tc>
+                  <a:txBody>
+                    <a:bodyPr/>
+                    <a:lstStyle/>
+                    <a:p>
+                      <a:pPr algn="ctr"/>
+                      <a:r>
+                        <a:rPr lang="en-US" dirty="0" smtClean="0"/>
+                        <a:t>None</a:t>
+                      </a:r>
+                      <a:endParaRPr lang="en-US" dirty="0"/>
+                    </a:p>
+                  </a:txBody>
+                  <a:tcPr/>
+                </a:tc>
+                <a:tc>
+                  <a:txBody>
+                    <a:bodyPr/>
+                    <a:lstStyle/>
+                    <a:p>
+                      <a:pPr marL="0" marR="0" indent="0" algn="r" defTabSz="457200" rtl="0" eaLnBrk="1" fontAlgn="auto" latinLnBrk="0" hangingPunct="1">
+                        <a:lnSpc>
+                          <a:spcPct val="100000"/>
+                        </a:lnSpc>
+                        <a:spcBef>
+                          <a:spcPts val="0"/>
+                        </a:spcBef>
+                        <a:spcAft>
+                          <a:spcPts val="0"/>
+                        </a:spcAft>
+                        <a:buClrTx/>
+                        <a:buSzTx/>
+                        <a:buFontTx/>
+                        <a:buNone/>
+                        <a:tabLst/>
+                        <a:defRPr/>
+                      </a:pPr>
+                      <a:r>
+                        <a:rPr lang="en-US" dirty="0" smtClean="0"/>
+                        <a:t>5.5% + 45 c</a:t>
+                      </a:r>
+                    </a:p>
+                    <a:p>
+                      <a:endParaRPr lang="en-US" dirty="0"/>
+                    </a:p>
+                  </a:txBody>
+                  <a:tcPr/>
+                </a:tc>
+              </a:tr>
+            </a:tbl>
+          </a:graphicData>
+        </a:graphic>
+      </p:graphicFrame>
+    </p:spTree>
+    <p:extLst>
+      <p:ext uri="{BB962C8B-B14F-4D97-AF65-F5344CB8AC3E}">
+        <p14:creationId xmlns:p14="http://schemas.microsoft.com/office/powerpoint/2010/main" val="4093769049"/>
+      </p:ext>
+    </p:extLst>
+  </p:cSld>
+  <p:clrMapOvr>
+    <a:masterClrMapping/>
+  </p:clrMapOvr>
+  <p:timing>
+    <p:tnLst>
+      <p:par>
+        <p:cTn id="1" dur="indefinite" restart="never" nodeType="tmRoot"/>
+      </p:par>
+    </p:tnLst>
+  </p:timing>
+</p:sld>
+</file>
+
+<file path=ppt/slides/slide24.xml><?xml version="1.0" encoding="utf-8"?>
 <p:sld xmlns:a="http://schemas.openxmlformats.org/drawingml/2006/main" xmlns:r="http://schemas.openxmlformats.org/officeDocument/2006/relationships" xmlns:p="http://schemas.openxmlformats.org/presentationml/2006/main">
   <p:cSld>
     <p:spTree>
@@ -7905,7 +9081,7 @@
 </p:sld>
 </file>
 
-<file path=ppt/slides/slide2.xml><?xml version="1.0" encoding="utf-8"?>
+<file path=ppt/slides/slide3.xml><?xml version="1.0" encoding="utf-8"?>
 <p:sld xmlns:a="http://schemas.openxmlformats.org/drawingml/2006/main" xmlns:r="http://schemas.openxmlformats.org/officeDocument/2006/relationships" xmlns:p="http://schemas.openxmlformats.org/presentationml/2006/main">
   <p:cSld>
     <p:spTree>
@@ -7934,8 +9110,8 @@
         </p:nvSpPr>
         <p:spPr>
           <a:xfrm>
-            <a:off x="1326011" y="601785"/>
-            <a:ext cx="8596668" cy="898769"/>
+            <a:off x="1396350" y="2485292"/>
+            <a:ext cx="8596668" cy="1141046"/>
           </a:xfrm>
         </p:spPr>
         <p:txBody>
@@ -7945,604 +9121,16 @@
             <a:pPr algn="ctr"/>
             <a:r>
               <a:rPr lang="en-US" dirty="0" smtClean="0"/>
-              <a:t>Website development</a:t>
+              <a:t>WEB SITE DEVELOPMENT</a:t>
             </a:r>
             <a:endParaRPr lang="en-US" dirty="0"/>
           </a:p>
         </p:txBody>
       </p:sp>
-      <p:graphicFrame>
-        <p:nvGraphicFramePr>
-          <p:cNvPr id="4" name="Content Placeholder 3"/>
-          <p:cNvGraphicFramePr>
-            <a:graphicFrameLocks noGrp="1"/>
-          </p:cNvGraphicFramePr>
-          <p:nvPr>
-            <p:ph idx="1"/>
-            <p:extLst>
-              <p:ext uri="{D42A27DB-BD31-4B8C-83A1-F6EECF244321}">
-                <p14:modId xmlns:p14="http://schemas.microsoft.com/office/powerpoint/2010/main" val="3884999962"/>
-              </p:ext>
-            </p:extLst>
-          </p:nvPr>
-        </p:nvGraphicFramePr>
-        <p:xfrm>
-          <a:off x="677859" y="1688125"/>
-          <a:ext cx="10193340" cy="3513144"/>
-        </p:xfrm>
-        <a:graphic>
-          <a:graphicData uri="http://schemas.openxmlformats.org/drawingml/2006/table">
-            <a:tbl>
-              <a:tblPr firstRow="1" bandRow="1">
-                <a:tableStyleId>{5C22544A-7EE6-4342-B048-85BDC9FD1C3A}</a:tableStyleId>
-              </a:tblPr>
-              <a:tblGrid>
-                <a:gridCol w="1698890"/>
-                <a:gridCol w="1698890"/>
-                <a:gridCol w="1698890"/>
-                <a:gridCol w="1954886"/>
-                <a:gridCol w="1442894"/>
-                <a:gridCol w="1698890"/>
-              </a:tblGrid>
-              <a:tr h="906583">
-                <a:tc>
-                  <a:txBody>
-                    <a:bodyPr/>
-                    <a:lstStyle/>
-                    <a:p>
-                      <a:pPr algn="ctr"/>
-                      <a:r>
-                        <a:rPr lang="en-US" dirty="0" smtClean="0"/>
-                        <a:t>Criteria/</a:t>
-                      </a:r>
-                    </a:p>
-                    <a:p>
-                      <a:pPr algn="ctr"/>
-                      <a:r>
-                        <a:rPr lang="en-US" dirty="0" smtClean="0"/>
-                        <a:t>Providers</a:t>
-                      </a:r>
-                    </a:p>
-                  </a:txBody>
-                  <a:tcPr/>
-                </a:tc>
-                <a:tc>
-                  <a:txBody>
-                    <a:bodyPr/>
-                    <a:lstStyle/>
-                    <a:p>
-                      <a:pPr algn="ctr"/>
-                      <a:r>
-                        <a:rPr lang="en-US" dirty="0" smtClean="0"/>
-                        <a:t>Price</a:t>
-                      </a:r>
-                    </a:p>
-                    <a:p>
-                      <a:pPr algn="ctr"/>
-                      <a:r>
-                        <a:rPr lang="en-US" dirty="0" smtClean="0"/>
-                        <a:t>(40%)</a:t>
-                      </a:r>
-                      <a:endParaRPr lang="en-US" dirty="0"/>
-                    </a:p>
-                  </a:txBody>
-                  <a:tcPr/>
-                </a:tc>
-                <a:tc>
-                  <a:txBody>
-                    <a:bodyPr/>
-                    <a:lstStyle/>
-                    <a:p>
-                      <a:pPr algn="ctr"/>
-                      <a:r>
-                        <a:rPr lang="en-US" dirty="0" smtClean="0"/>
-                        <a:t>Developing</a:t>
-                      </a:r>
-                      <a:r>
-                        <a:rPr lang="en-US" baseline="0" dirty="0" smtClean="0"/>
-                        <a:t> time (30%)</a:t>
-                      </a:r>
-                      <a:endParaRPr lang="en-US" dirty="0"/>
-                    </a:p>
-                  </a:txBody>
-                  <a:tcPr/>
-                </a:tc>
-                <a:tc>
-                  <a:txBody>
-                    <a:bodyPr/>
-                    <a:lstStyle/>
-                    <a:p>
-                      <a:pPr algn="ctr"/>
-                      <a:r>
-                        <a:rPr lang="en-US" dirty="0" smtClean="0"/>
-                        <a:t>Implementation difficulty</a:t>
-                      </a:r>
-                    </a:p>
-                    <a:p>
-                      <a:pPr algn="ctr"/>
-                      <a:r>
-                        <a:rPr lang="en-US" dirty="0" smtClean="0"/>
-                        <a:t>(20%)</a:t>
-                      </a:r>
-                      <a:endParaRPr lang="en-US" dirty="0"/>
-                    </a:p>
-                  </a:txBody>
-                  <a:tcPr/>
-                </a:tc>
-                <a:tc>
-                  <a:txBody>
-                    <a:bodyPr/>
-                    <a:lstStyle/>
-                    <a:p>
-                      <a:pPr algn="ctr"/>
-                      <a:r>
-                        <a:rPr lang="en-US" dirty="0" smtClean="0"/>
-                        <a:t>Level of complexity</a:t>
-                      </a:r>
-                    </a:p>
-                    <a:p>
-                      <a:pPr algn="ctr"/>
-                      <a:r>
-                        <a:rPr lang="en-US" dirty="0" smtClean="0"/>
-                        <a:t>(10%)</a:t>
-                      </a:r>
-                      <a:endParaRPr lang="en-US" dirty="0"/>
-                    </a:p>
-                  </a:txBody>
-                  <a:tcPr/>
-                </a:tc>
-                <a:tc>
-                  <a:txBody>
-                    <a:bodyPr/>
-                    <a:lstStyle/>
-                    <a:p>
-                      <a:pPr algn="ctr"/>
-                      <a:r>
-                        <a:rPr lang="en-US" dirty="0" smtClean="0"/>
-                        <a:t>Weightage average</a:t>
-                      </a:r>
-                      <a:endParaRPr lang="en-US" dirty="0"/>
-                    </a:p>
-                  </a:txBody>
-                  <a:tcPr/>
-                </a:tc>
-              </a:tr>
-              <a:tr h="649686">
-                <a:tc>
-                  <a:txBody>
-                    <a:bodyPr/>
-                    <a:lstStyle/>
-                    <a:p>
-                      <a:r>
-                        <a:rPr lang="en-US" dirty="0" smtClean="0">
-                          <a:solidFill>
-                            <a:srgbClr val="0070C0"/>
-                          </a:solidFill>
-                        </a:rPr>
-                        <a:t>Self built</a:t>
-                      </a:r>
-                      <a:endParaRPr lang="en-US" dirty="0">
-                        <a:solidFill>
-                          <a:srgbClr val="0070C0"/>
-                        </a:solidFill>
-                      </a:endParaRPr>
-                    </a:p>
-                  </a:txBody>
-                  <a:tcPr/>
-                </a:tc>
-                <a:tc>
-                  <a:txBody>
-                    <a:bodyPr/>
-                    <a:lstStyle/>
-                    <a:p>
-                      <a:pPr algn="ctr"/>
-                      <a:r>
-                        <a:rPr lang="en-US" dirty="0" smtClean="0"/>
-                        <a:t>2</a:t>
-                      </a:r>
-                      <a:endParaRPr lang="en-US" dirty="0"/>
-                    </a:p>
-                  </a:txBody>
-                  <a:tcPr/>
-                </a:tc>
-                <a:tc>
-                  <a:txBody>
-                    <a:bodyPr/>
-                    <a:lstStyle/>
-                    <a:p>
-                      <a:pPr algn="ctr"/>
-                      <a:r>
-                        <a:rPr lang="en-US" dirty="0" smtClean="0"/>
-                        <a:t>2</a:t>
-                      </a:r>
-                      <a:endParaRPr lang="en-US" dirty="0"/>
-                    </a:p>
-                  </a:txBody>
-                  <a:tcPr/>
-                </a:tc>
-                <a:tc>
-                  <a:txBody>
-                    <a:bodyPr/>
-                    <a:lstStyle/>
-                    <a:p>
-                      <a:pPr algn="ctr"/>
-                      <a:r>
-                        <a:rPr lang="en-US" dirty="0" smtClean="0"/>
-                        <a:t>2</a:t>
-                      </a:r>
-                      <a:endParaRPr lang="en-US" dirty="0"/>
-                    </a:p>
-                  </a:txBody>
-                  <a:tcPr/>
-                </a:tc>
-                <a:tc>
-                  <a:txBody>
-                    <a:bodyPr/>
-                    <a:lstStyle/>
-                    <a:p>
-                      <a:pPr algn="ctr"/>
-                      <a:r>
-                        <a:rPr lang="en-US" dirty="0" smtClean="0"/>
-                        <a:t>10</a:t>
-                      </a:r>
-                      <a:endParaRPr lang="en-US" dirty="0"/>
-                    </a:p>
-                  </a:txBody>
-                  <a:tcPr/>
-                </a:tc>
-                <a:tc>
-                  <a:txBody>
-                    <a:bodyPr/>
-                    <a:lstStyle/>
-                    <a:p>
-                      <a:pPr algn="ctr"/>
-                      <a:r>
-                        <a:rPr lang="en-US" dirty="0" smtClean="0">
-                          <a:solidFill>
-                            <a:srgbClr val="0070C0"/>
-                          </a:solidFill>
-                        </a:rPr>
-                        <a:t>2.8</a:t>
-                      </a:r>
-                      <a:endParaRPr lang="en-US" dirty="0">
-                        <a:solidFill>
-                          <a:srgbClr val="0070C0"/>
-                        </a:solidFill>
-                      </a:endParaRPr>
-                    </a:p>
-                  </a:txBody>
-                  <a:tcPr/>
-                </a:tc>
-              </a:tr>
-              <a:tr h="649686">
-                <a:tc>
-                  <a:txBody>
-                    <a:bodyPr/>
-                    <a:lstStyle/>
-                    <a:p>
-                      <a:r>
-                        <a:rPr lang="en-US" dirty="0" err="1" smtClean="0">
-                          <a:solidFill>
-                            <a:srgbClr val="0070C0"/>
-                          </a:solidFill>
-                        </a:rPr>
-                        <a:t>Wordpress</a:t>
-                      </a:r>
-                      <a:endParaRPr lang="en-US" dirty="0">
-                        <a:solidFill>
-                          <a:srgbClr val="0070C0"/>
-                        </a:solidFill>
-                      </a:endParaRPr>
-                    </a:p>
-                  </a:txBody>
-                  <a:tcPr/>
-                </a:tc>
-                <a:tc>
-                  <a:txBody>
-                    <a:bodyPr/>
-                    <a:lstStyle/>
-                    <a:p>
-                      <a:pPr algn="ctr"/>
-                      <a:r>
-                        <a:rPr lang="en-US" dirty="0" smtClean="0"/>
-                        <a:t>9</a:t>
-                      </a:r>
-                      <a:endParaRPr lang="en-US" dirty="0"/>
-                    </a:p>
-                  </a:txBody>
-                  <a:tcPr/>
-                </a:tc>
-                <a:tc>
-                  <a:txBody>
-                    <a:bodyPr/>
-                    <a:lstStyle/>
-                    <a:p>
-                      <a:pPr algn="ctr"/>
-                      <a:r>
-                        <a:rPr lang="en-US" dirty="0" smtClean="0"/>
-                        <a:t>8</a:t>
-                      </a:r>
-                      <a:endParaRPr lang="en-US" dirty="0"/>
-                    </a:p>
-                  </a:txBody>
-                  <a:tcPr/>
-                </a:tc>
-                <a:tc>
-                  <a:txBody>
-                    <a:bodyPr/>
-                    <a:lstStyle/>
-                    <a:p>
-                      <a:pPr algn="ctr"/>
-                      <a:r>
-                        <a:rPr lang="en-US" dirty="0" smtClean="0"/>
-                        <a:t>9</a:t>
-                      </a:r>
-                      <a:endParaRPr lang="en-US" dirty="0"/>
-                    </a:p>
-                  </a:txBody>
-                  <a:tcPr/>
-                </a:tc>
-                <a:tc>
-                  <a:txBody>
-                    <a:bodyPr/>
-                    <a:lstStyle/>
-                    <a:p>
-                      <a:pPr algn="ctr"/>
-                      <a:r>
-                        <a:rPr lang="en-US" dirty="0" smtClean="0"/>
-                        <a:t>4</a:t>
-                      </a:r>
-                      <a:endParaRPr lang="en-US" dirty="0"/>
-                    </a:p>
-                  </a:txBody>
-                  <a:tcPr/>
-                </a:tc>
-                <a:tc>
-                  <a:txBody>
-                    <a:bodyPr/>
-                    <a:lstStyle/>
-                    <a:p>
-                      <a:pPr algn="ctr"/>
-                      <a:r>
-                        <a:rPr lang="en-US" dirty="0" smtClean="0">
-                          <a:solidFill>
-                            <a:srgbClr val="0070C0"/>
-                          </a:solidFill>
-                        </a:rPr>
-                        <a:t>8.2</a:t>
-                      </a:r>
-                      <a:endParaRPr lang="en-US" dirty="0">
-                        <a:solidFill>
-                          <a:srgbClr val="0070C0"/>
-                        </a:solidFill>
-                      </a:endParaRPr>
-                    </a:p>
-                  </a:txBody>
-                  <a:tcPr/>
-                </a:tc>
-              </a:tr>
-              <a:tr h="649686">
-                <a:tc>
-                  <a:txBody>
-                    <a:bodyPr/>
-                    <a:lstStyle/>
-                    <a:p>
-                      <a:r>
-                        <a:rPr lang="en-US" dirty="0" smtClean="0">
-                          <a:solidFill>
-                            <a:srgbClr val="0070C0"/>
-                          </a:solidFill>
-                        </a:rPr>
-                        <a:t>Drupal</a:t>
-                      </a:r>
-                      <a:endParaRPr lang="en-US" dirty="0">
-                        <a:solidFill>
-                          <a:srgbClr val="0070C0"/>
-                        </a:solidFill>
-                      </a:endParaRPr>
-                    </a:p>
-                  </a:txBody>
-                  <a:tcPr/>
-                </a:tc>
-                <a:tc>
-                  <a:txBody>
-                    <a:bodyPr/>
-                    <a:lstStyle/>
-                    <a:p>
-                      <a:pPr algn="ctr"/>
-                      <a:r>
-                        <a:rPr lang="en-US" dirty="0" smtClean="0"/>
-                        <a:t>7</a:t>
-                      </a:r>
-                      <a:endParaRPr lang="en-US" dirty="0"/>
-                    </a:p>
-                  </a:txBody>
-                  <a:tcPr/>
-                </a:tc>
-                <a:tc>
-                  <a:txBody>
-                    <a:bodyPr/>
-                    <a:lstStyle/>
-                    <a:p>
-                      <a:pPr algn="ctr"/>
-                      <a:r>
-                        <a:rPr lang="en-US" dirty="0" smtClean="0"/>
-                        <a:t>8</a:t>
-                      </a:r>
-                      <a:endParaRPr lang="en-US" dirty="0"/>
-                    </a:p>
-                  </a:txBody>
-                  <a:tcPr/>
-                </a:tc>
-                <a:tc>
-                  <a:txBody>
-                    <a:bodyPr/>
-                    <a:lstStyle/>
-                    <a:p>
-                      <a:pPr algn="ctr"/>
-                      <a:r>
-                        <a:rPr lang="en-US" dirty="0" smtClean="0"/>
-                        <a:t>4</a:t>
-                      </a:r>
-                      <a:endParaRPr lang="en-US" dirty="0"/>
-                    </a:p>
-                  </a:txBody>
-                  <a:tcPr/>
-                </a:tc>
-                <a:tc>
-                  <a:txBody>
-                    <a:bodyPr/>
-                    <a:lstStyle/>
-                    <a:p>
-                      <a:pPr algn="ctr"/>
-                      <a:r>
-                        <a:rPr lang="en-US" dirty="0" smtClean="0"/>
-                        <a:t>3</a:t>
-                      </a:r>
-                      <a:endParaRPr lang="en-US" dirty="0"/>
-                    </a:p>
-                  </a:txBody>
-                  <a:tcPr/>
-                </a:tc>
-                <a:tc>
-                  <a:txBody>
-                    <a:bodyPr/>
-                    <a:lstStyle/>
-                    <a:p>
-                      <a:pPr algn="ctr"/>
-                      <a:r>
-                        <a:rPr lang="en-US" dirty="0" smtClean="0">
-                          <a:solidFill>
-                            <a:srgbClr val="0070C0"/>
-                          </a:solidFill>
-                        </a:rPr>
-                        <a:t>6.3</a:t>
-                      </a:r>
-                      <a:endParaRPr lang="en-US" dirty="0">
-                        <a:solidFill>
-                          <a:srgbClr val="0070C0"/>
-                        </a:solidFill>
-                      </a:endParaRPr>
-                    </a:p>
-                  </a:txBody>
-                  <a:tcPr/>
-                </a:tc>
-              </a:tr>
-              <a:tr h="649686">
-                <a:tc>
-                  <a:txBody>
-                    <a:bodyPr/>
-                    <a:lstStyle/>
-                    <a:p>
-                      <a:r>
-                        <a:rPr lang="en-US" dirty="0" smtClean="0">
-                          <a:solidFill>
-                            <a:srgbClr val="0070C0"/>
-                          </a:solidFill>
-                        </a:rPr>
-                        <a:t>Joomla</a:t>
-                      </a:r>
-                      <a:endParaRPr lang="en-US" dirty="0">
-                        <a:solidFill>
-                          <a:srgbClr val="0070C0"/>
-                        </a:solidFill>
-                      </a:endParaRPr>
-                    </a:p>
-                  </a:txBody>
-                  <a:tcPr/>
-                </a:tc>
-                <a:tc>
-                  <a:txBody>
-                    <a:bodyPr/>
-                    <a:lstStyle/>
-                    <a:p>
-                      <a:pPr algn="ctr"/>
-                      <a:r>
-                        <a:rPr lang="en-US" dirty="0" smtClean="0"/>
-                        <a:t>9</a:t>
-                      </a:r>
-                      <a:endParaRPr lang="en-US" dirty="0"/>
-                    </a:p>
-                  </a:txBody>
-                  <a:tcPr/>
-                </a:tc>
-                <a:tc>
-                  <a:txBody>
-                    <a:bodyPr/>
-                    <a:lstStyle/>
-                    <a:p>
-                      <a:pPr algn="ctr"/>
-                      <a:r>
-                        <a:rPr lang="en-US" dirty="0" smtClean="0"/>
-                        <a:t>8</a:t>
-                      </a:r>
-                      <a:endParaRPr lang="en-US" dirty="0"/>
-                    </a:p>
-                  </a:txBody>
-                  <a:tcPr/>
-                </a:tc>
-                <a:tc>
-                  <a:txBody>
-                    <a:bodyPr/>
-                    <a:lstStyle/>
-                    <a:p>
-                      <a:pPr algn="ctr"/>
-                      <a:r>
-                        <a:rPr lang="en-US" dirty="0" smtClean="0"/>
-                        <a:t>7</a:t>
-                      </a:r>
-                      <a:endParaRPr lang="en-US" dirty="0"/>
-                    </a:p>
-                  </a:txBody>
-                  <a:tcPr/>
-                </a:tc>
-                <a:tc>
-                  <a:txBody>
-                    <a:bodyPr/>
-                    <a:lstStyle/>
-                    <a:p>
-                      <a:pPr algn="ctr"/>
-                      <a:r>
-                        <a:rPr lang="en-US" dirty="0" smtClean="0"/>
-                        <a:t>3</a:t>
-                      </a:r>
-                      <a:endParaRPr lang="en-US" dirty="0"/>
-                    </a:p>
-                  </a:txBody>
-                  <a:tcPr/>
-                </a:tc>
-                <a:tc>
-                  <a:txBody>
-                    <a:bodyPr/>
-                    <a:lstStyle/>
-                    <a:p>
-                      <a:pPr algn="ctr"/>
-                      <a:r>
-                        <a:rPr lang="en-US" dirty="0" smtClean="0">
-                          <a:solidFill>
-                            <a:srgbClr val="0070C0"/>
-                          </a:solidFill>
-                        </a:rPr>
-                        <a:t>7.7</a:t>
-                      </a:r>
-                      <a:endParaRPr lang="en-US" dirty="0">
-                        <a:solidFill>
-                          <a:srgbClr val="0070C0"/>
-                        </a:solidFill>
-                      </a:endParaRPr>
-                    </a:p>
-                  </a:txBody>
-                  <a:tcPr/>
-                </a:tc>
-              </a:tr>
-            </a:tbl>
-          </a:graphicData>
-        </a:graphic>
-      </p:graphicFrame>
     </p:spTree>
     <p:extLst>
       <p:ext uri="{BB962C8B-B14F-4D97-AF65-F5344CB8AC3E}">
-        <p14:creationId xmlns:p14="http://schemas.microsoft.com/office/powerpoint/2010/main" val="1177611509"/>
+        <p14:creationId xmlns:p14="http://schemas.microsoft.com/office/powerpoint/2010/main" val="1496868833"/>
       </p:ext>
     </p:extLst>
   </p:cSld>
@@ -8559,7 +9147,7 @@
 </p:sld>
 </file>
 
-<file path=ppt/slides/slide3.xml><?xml version="1.0" encoding="utf-8"?>
+<file path=ppt/slides/slide4.xml><?xml version="1.0" encoding="utf-8"?>
 <p:sld xmlns:a="http://schemas.openxmlformats.org/drawingml/2006/main" xmlns:r="http://schemas.openxmlformats.org/officeDocument/2006/relationships" xmlns:p="http://schemas.openxmlformats.org/presentationml/2006/main">
   <p:cSld>
     <p:spTree>
@@ -8660,7 +9248,7 @@
 </p:sld>
 </file>
 
-<file path=ppt/slides/slide4.xml><?xml version="1.0" encoding="utf-8"?>
+<file path=ppt/slides/slide5.xml><?xml version="1.0" encoding="utf-8"?>
 <p:sld xmlns:a="http://schemas.openxmlformats.org/drawingml/2006/main" xmlns:r="http://schemas.openxmlformats.org/officeDocument/2006/relationships" xmlns:p="http://schemas.openxmlformats.org/presentationml/2006/main">
   <p:cSld>
     <p:spTree>
@@ -8761,7 +9349,7 @@
 </p:sld>
 </file>
 
-<file path=ppt/slides/slide5.xml><?xml version="1.0" encoding="utf-8"?>
+<file path=ppt/slides/slide6.xml><?xml version="1.0" encoding="utf-8"?>
 <p:sld xmlns:a="http://schemas.openxmlformats.org/drawingml/2006/main" xmlns:r="http://schemas.openxmlformats.org/officeDocument/2006/relationships" xmlns:p="http://schemas.openxmlformats.org/presentationml/2006/main">
   <p:cSld>
     <p:spTree>
@@ -8862,759 +9450,6 @@
 </p:sld>
 </file>
 
-<file path=ppt/slides/slide6.xml><?xml version="1.0" encoding="utf-8"?>
-<p:sld xmlns:a="http://schemas.openxmlformats.org/drawingml/2006/main" xmlns:r="http://schemas.openxmlformats.org/officeDocument/2006/relationships" xmlns:p="http://schemas.openxmlformats.org/presentationml/2006/main">
-  <p:cSld>
-    <p:spTree>
-      <p:nvGrpSpPr>
-        <p:cNvPr id="1" name=""/>
-        <p:cNvGrpSpPr/>
-        <p:nvPr/>
-      </p:nvGrpSpPr>
-      <p:grpSpPr>
-        <a:xfrm>
-          <a:off x="0" y="0"/>
-          <a:ext cx="0" cy="0"/>
-          <a:chOff x="0" y="0"/>
-          <a:chExt cx="0" cy="0"/>
-        </a:xfrm>
-      </p:grpSpPr>
-      <p:sp>
-        <p:nvSpPr>
-          <p:cNvPr id="2" name="Title 1"/>
-          <p:cNvSpPr>
-            <a:spLocks noGrp="1"/>
-          </p:cNvSpPr>
-          <p:nvPr>
-            <p:ph type="title"/>
-          </p:nvPr>
-        </p:nvSpPr>
-        <p:spPr>
-          <a:xfrm>
-            <a:off x="1529211" y="398585"/>
-            <a:ext cx="8596668" cy="742462"/>
-          </a:xfrm>
-        </p:spPr>
-        <p:txBody>
-          <a:bodyPr/>
-          <a:lstStyle/>
-          <a:p>
-            <a:pPr algn="ctr"/>
-            <a:r>
-              <a:rPr lang="en-US" dirty="0" smtClean="0"/>
-              <a:t>Web Hosting</a:t>
-            </a:r>
-            <a:endParaRPr lang="en-US" dirty="0"/>
-          </a:p>
-        </p:txBody>
-      </p:sp>
-      <p:graphicFrame>
-        <p:nvGraphicFramePr>
-          <p:cNvPr id="4" name="Content Placeholder 3"/>
-          <p:cNvGraphicFramePr>
-            <a:graphicFrameLocks noGrp="1"/>
-          </p:cNvGraphicFramePr>
-          <p:nvPr>
-            <p:ph idx="1"/>
-            <p:extLst>
-              <p:ext uri="{D42A27DB-BD31-4B8C-83A1-F6EECF244321}">
-                <p14:modId xmlns:p14="http://schemas.microsoft.com/office/powerpoint/2010/main" val="3999997556"/>
-              </p:ext>
-            </p:extLst>
-          </p:nvPr>
-        </p:nvGraphicFramePr>
-        <p:xfrm>
-          <a:off x="849803" y="1617785"/>
-          <a:ext cx="10670072" cy="3894822"/>
-        </p:xfrm>
-        <a:graphic>
-          <a:graphicData uri="http://schemas.openxmlformats.org/drawingml/2006/table">
-            <a:tbl>
-              <a:tblPr firstRow="1" bandRow="1">
-                <a:tableStyleId>{5C22544A-7EE6-4342-B048-85BDC9FD1C3A}</a:tableStyleId>
-              </a:tblPr>
-              <a:tblGrid>
-                <a:gridCol w="1502627"/>
-                <a:gridCol w="1164891"/>
-                <a:gridCol w="1333759"/>
-                <a:gridCol w="1333759"/>
-                <a:gridCol w="1333759"/>
-                <a:gridCol w="1333759"/>
-                <a:gridCol w="1333759"/>
-                <a:gridCol w="1333759"/>
-              </a:tblGrid>
-              <a:tr h="825573">
-                <a:tc>
-                  <a:txBody>
-                    <a:bodyPr/>
-                    <a:lstStyle/>
-                    <a:p>
-                      <a:pPr marL="0" marR="0" indent="0" algn="ctr" defTabSz="457200" rtl="0" eaLnBrk="1" fontAlgn="auto" latinLnBrk="0" hangingPunct="1">
-                        <a:lnSpc>
-                          <a:spcPct val="100000"/>
-                        </a:lnSpc>
-                        <a:spcBef>
-                          <a:spcPts val="0"/>
-                        </a:spcBef>
-                        <a:spcAft>
-                          <a:spcPts val="0"/>
-                        </a:spcAft>
-                        <a:buClrTx/>
-                        <a:buSzTx/>
-                        <a:buFontTx/>
-                        <a:buNone/>
-                        <a:tabLst/>
-                        <a:defRPr/>
-                      </a:pPr>
-                      <a:r>
-                        <a:rPr lang="en-US" dirty="0" smtClean="0"/>
-                        <a:t>Providers/</a:t>
-                      </a:r>
-                    </a:p>
-                    <a:p>
-                      <a:pPr marL="0" marR="0" indent="0" algn="ctr" defTabSz="457200" rtl="0" eaLnBrk="1" fontAlgn="auto" latinLnBrk="0" hangingPunct="1">
-                        <a:lnSpc>
-                          <a:spcPct val="100000"/>
-                        </a:lnSpc>
-                        <a:spcBef>
-                          <a:spcPts val="0"/>
-                        </a:spcBef>
-                        <a:spcAft>
-                          <a:spcPts val="0"/>
-                        </a:spcAft>
-                        <a:buClrTx/>
-                        <a:buSzTx/>
-                        <a:buFontTx/>
-                        <a:buNone/>
-                        <a:tabLst/>
-                        <a:defRPr/>
-                      </a:pPr>
-                      <a:r>
-                        <a:rPr lang="en-US" dirty="0" smtClean="0"/>
-                        <a:t>Criteria</a:t>
-                      </a:r>
-                    </a:p>
-                  </a:txBody>
-                  <a:tcPr/>
-                </a:tc>
-                <a:tc>
-                  <a:txBody>
-                    <a:bodyPr/>
-                    <a:lstStyle/>
-                    <a:p>
-                      <a:pPr algn="ctr"/>
-                      <a:r>
-                        <a:rPr lang="en-US" dirty="0" smtClean="0"/>
-                        <a:t>Price</a:t>
-                      </a:r>
-                      <a:endParaRPr lang="en-US" dirty="0"/>
-                    </a:p>
-                  </a:txBody>
-                  <a:tcPr/>
-                </a:tc>
-                <a:tc>
-                  <a:txBody>
-                    <a:bodyPr/>
-                    <a:lstStyle/>
-                    <a:p>
-                      <a:pPr algn="ctr"/>
-                      <a:r>
-                        <a:rPr lang="en-US" dirty="0" smtClean="0"/>
-                        <a:t>Domain</a:t>
-                      </a:r>
-                      <a:endParaRPr lang="en-US" dirty="0"/>
-                    </a:p>
-                  </a:txBody>
-                  <a:tcPr/>
-                </a:tc>
-                <a:tc>
-                  <a:txBody>
-                    <a:bodyPr/>
-                    <a:lstStyle/>
-                    <a:p>
-                      <a:pPr algn="ctr"/>
-                      <a:r>
-                        <a:rPr lang="en-US" dirty="0" smtClean="0"/>
-                        <a:t>Storage</a:t>
-                      </a:r>
-                      <a:endParaRPr lang="en-US" dirty="0"/>
-                    </a:p>
-                  </a:txBody>
-                  <a:tcPr/>
-                </a:tc>
-                <a:tc>
-                  <a:txBody>
-                    <a:bodyPr/>
-                    <a:lstStyle/>
-                    <a:p>
-                      <a:pPr algn="ctr"/>
-                      <a:r>
-                        <a:rPr lang="en-US" dirty="0" smtClean="0"/>
-                        <a:t>Data Transfer</a:t>
-                      </a:r>
-                      <a:endParaRPr lang="en-US" dirty="0"/>
-                    </a:p>
-                  </a:txBody>
-                  <a:tcPr/>
-                </a:tc>
-                <a:tc>
-                  <a:txBody>
-                    <a:bodyPr/>
-                    <a:lstStyle/>
-                    <a:p>
-                      <a:pPr algn="ctr"/>
-                      <a:r>
-                        <a:rPr lang="en-US" dirty="0" smtClean="0"/>
-                        <a:t>Email addresses</a:t>
-                      </a:r>
-                      <a:endParaRPr lang="en-US" dirty="0"/>
-                    </a:p>
-                  </a:txBody>
-                  <a:tcPr/>
-                </a:tc>
-                <a:tc>
-                  <a:txBody>
-                    <a:bodyPr/>
-                    <a:lstStyle/>
-                    <a:p>
-                      <a:pPr algn="ctr"/>
-                      <a:r>
-                        <a:rPr lang="en-US" dirty="0" smtClean="0"/>
-                        <a:t>Bandwidth</a:t>
-                      </a:r>
-                      <a:endParaRPr lang="en-US" dirty="0"/>
-                    </a:p>
-                  </a:txBody>
-                  <a:tcPr/>
-                </a:tc>
-                <a:tc>
-                  <a:txBody>
-                    <a:bodyPr/>
-                    <a:lstStyle/>
-                    <a:p>
-                      <a:pPr algn="ctr"/>
-                      <a:r>
-                        <a:rPr lang="en-US" dirty="0" smtClean="0"/>
-                        <a:t>Websites</a:t>
-                      </a:r>
-                      <a:endParaRPr lang="en-US" dirty="0"/>
-                    </a:p>
-                  </a:txBody>
-                  <a:tcPr/>
-                </a:tc>
-              </a:tr>
-              <a:tr h="1330008">
-                <a:tc>
-                  <a:txBody>
-                    <a:bodyPr/>
-                    <a:lstStyle/>
-                    <a:p>
-                      <a:r>
-                        <a:rPr lang="en-US" dirty="0" err="1" smtClean="0">
-                          <a:solidFill>
-                            <a:srgbClr val="0070C0"/>
-                          </a:solidFill>
-                        </a:rPr>
-                        <a:t>aplus</a:t>
-                      </a:r>
-                      <a:endParaRPr lang="en-US" dirty="0">
-                        <a:solidFill>
-                          <a:srgbClr val="0070C0"/>
-                        </a:solidFill>
-                      </a:endParaRPr>
-                    </a:p>
-                  </a:txBody>
-                  <a:tcPr/>
-                </a:tc>
-                <a:tc>
-                  <a:txBody>
-                    <a:bodyPr/>
-                    <a:lstStyle/>
-                    <a:p>
-                      <a:r>
-                        <a:rPr lang="en-US" dirty="0" smtClean="0"/>
-                        <a:t>$ 29.99 /month</a:t>
-                      </a:r>
-                      <a:endParaRPr lang="en-US" dirty="0"/>
-                    </a:p>
-                  </a:txBody>
-                  <a:tcPr/>
-                </a:tc>
-                <a:tc>
-                  <a:txBody>
-                    <a:bodyPr/>
-                    <a:lstStyle/>
-                    <a:p>
-                      <a:r>
-                        <a:rPr lang="en-US" dirty="0" smtClean="0"/>
-                        <a:t>1 free</a:t>
-                      </a:r>
-                      <a:endParaRPr lang="en-US" dirty="0"/>
-                    </a:p>
-                  </a:txBody>
-                  <a:tcPr/>
-                </a:tc>
-                <a:tc>
-                  <a:txBody>
-                    <a:bodyPr/>
-                    <a:lstStyle/>
-                    <a:p>
-                      <a:r>
-                        <a:rPr lang="en-US" dirty="0" smtClean="0"/>
-                        <a:t>Unlimited + 5 GB email box storage</a:t>
-                      </a:r>
-                      <a:endParaRPr lang="en-US" dirty="0"/>
-                    </a:p>
-                  </a:txBody>
-                  <a:tcPr/>
-                </a:tc>
-                <a:tc>
-                  <a:txBody>
-                    <a:bodyPr/>
-                    <a:lstStyle/>
-                    <a:p>
-                      <a:r>
-                        <a:rPr lang="en-US" dirty="0" smtClean="0"/>
-                        <a:t>Unlimited</a:t>
-                      </a:r>
-                      <a:endParaRPr lang="en-US" dirty="0"/>
-                    </a:p>
-                  </a:txBody>
-                  <a:tcPr/>
-                </a:tc>
-                <a:tc>
-                  <a:txBody>
-                    <a:bodyPr/>
-                    <a:lstStyle/>
-                    <a:p>
-                      <a:r>
-                        <a:rPr lang="en-US" dirty="0" smtClean="0"/>
-                        <a:t>500</a:t>
-                      </a:r>
-                      <a:endParaRPr lang="en-US" dirty="0"/>
-                    </a:p>
-                  </a:txBody>
-                  <a:tcPr/>
-                </a:tc>
-                <a:tc>
-                  <a:txBody>
-                    <a:bodyPr/>
-                    <a:lstStyle/>
-                    <a:p>
-                      <a:r>
-                        <a:rPr lang="en-US" dirty="0" smtClean="0"/>
-                        <a:t>None</a:t>
-                      </a:r>
-                      <a:endParaRPr lang="en-US" dirty="0"/>
-                    </a:p>
-                  </a:txBody>
-                  <a:tcPr/>
-                </a:tc>
-                <a:tc>
-                  <a:txBody>
-                    <a:bodyPr/>
-                    <a:lstStyle/>
-                    <a:p>
-                      <a:r>
-                        <a:rPr lang="en-US" dirty="0" smtClean="0"/>
-                        <a:t>None</a:t>
-                      </a:r>
-                      <a:endParaRPr lang="en-US" dirty="0"/>
-                    </a:p>
-                  </a:txBody>
-                  <a:tcPr/>
-                </a:tc>
-              </a:tr>
-              <a:tr h="1023083">
-                <a:tc>
-                  <a:txBody>
-                    <a:bodyPr/>
-                    <a:lstStyle/>
-                    <a:p>
-                      <a:r>
-                        <a:rPr lang="en-US" dirty="0" err="1" smtClean="0">
-                          <a:solidFill>
-                            <a:srgbClr val="0070C0"/>
-                          </a:solidFill>
-                        </a:rPr>
-                        <a:t>godaddy</a:t>
-                      </a:r>
-                      <a:endParaRPr lang="en-US" dirty="0">
-                        <a:solidFill>
-                          <a:srgbClr val="0070C0"/>
-                        </a:solidFill>
-                      </a:endParaRPr>
-                    </a:p>
-                  </a:txBody>
-                  <a:tcPr/>
-                </a:tc>
-                <a:tc>
-                  <a:txBody>
-                    <a:bodyPr/>
-                    <a:lstStyle/>
-                    <a:p>
-                      <a:r>
-                        <a:rPr lang="en-US" dirty="0" smtClean="0"/>
-                        <a:t>$ 8.49 /month</a:t>
-                      </a:r>
-                      <a:endParaRPr lang="en-US" dirty="0"/>
-                    </a:p>
-                  </a:txBody>
-                  <a:tcPr/>
-                </a:tc>
-                <a:tc>
-                  <a:txBody>
-                    <a:bodyPr/>
-                    <a:lstStyle/>
-                    <a:p>
-                      <a:r>
-                        <a:rPr lang="en-US" dirty="0" smtClean="0"/>
-                        <a:t>1 free with annual plan</a:t>
-                      </a:r>
-                      <a:endParaRPr lang="en-US" dirty="0"/>
-                    </a:p>
-                  </a:txBody>
-                  <a:tcPr/>
-                </a:tc>
-                <a:tc>
-                  <a:txBody>
-                    <a:bodyPr/>
-                    <a:lstStyle/>
-                    <a:p>
-                      <a:pPr marL="0" marR="0" indent="0" algn="l" defTabSz="457200" rtl="0" eaLnBrk="1" fontAlgn="auto" latinLnBrk="0" hangingPunct="1">
-                        <a:lnSpc>
-                          <a:spcPct val="100000"/>
-                        </a:lnSpc>
-                        <a:spcBef>
-                          <a:spcPts val="0"/>
-                        </a:spcBef>
-                        <a:spcAft>
-                          <a:spcPts val="0"/>
-                        </a:spcAft>
-                        <a:buClrTx/>
-                        <a:buSzTx/>
-                        <a:buFontTx/>
-                        <a:buNone/>
-                        <a:tabLst/>
-                        <a:defRPr/>
-                      </a:pPr>
-                      <a:r>
-                        <a:rPr lang="en-US" dirty="0" smtClean="0"/>
-                        <a:t>Unlimited</a:t>
-                      </a:r>
-                    </a:p>
-                    <a:p>
-                      <a:endParaRPr lang="en-US" dirty="0"/>
-                    </a:p>
-                  </a:txBody>
-                  <a:tcPr/>
-                </a:tc>
-                <a:tc>
-                  <a:txBody>
-                    <a:bodyPr/>
-                    <a:lstStyle/>
-                    <a:p>
-                      <a:pPr marL="0" marR="0" indent="0" algn="l" defTabSz="457200" rtl="0" eaLnBrk="1" fontAlgn="auto" latinLnBrk="0" hangingPunct="1">
-                        <a:lnSpc>
-                          <a:spcPct val="100000"/>
-                        </a:lnSpc>
-                        <a:spcBef>
-                          <a:spcPts val="0"/>
-                        </a:spcBef>
-                        <a:spcAft>
-                          <a:spcPts val="0"/>
-                        </a:spcAft>
-                        <a:buClrTx/>
-                        <a:buSzTx/>
-                        <a:buFontTx/>
-                        <a:buNone/>
-                        <a:tabLst/>
-                        <a:defRPr/>
-                      </a:pPr>
-                      <a:r>
-                        <a:rPr lang="en-US" dirty="0" smtClean="0"/>
-                        <a:t>Unlimited</a:t>
-                      </a:r>
-                    </a:p>
-                    <a:p>
-                      <a:endParaRPr lang="en-US" dirty="0"/>
-                    </a:p>
-                  </a:txBody>
-                  <a:tcPr/>
-                </a:tc>
-                <a:tc>
-                  <a:txBody>
-                    <a:bodyPr/>
-                    <a:lstStyle/>
-                    <a:p>
-                      <a:r>
-                        <a:rPr lang="en-US" dirty="0" smtClean="0"/>
-                        <a:t>1000</a:t>
-                      </a:r>
-                      <a:endParaRPr lang="en-US" dirty="0"/>
-                    </a:p>
-                  </a:txBody>
-                  <a:tcPr/>
-                </a:tc>
-                <a:tc>
-                  <a:txBody>
-                    <a:bodyPr/>
-                    <a:lstStyle/>
-                    <a:p>
-                      <a:pPr marL="0" marR="0" indent="0" algn="l" defTabSz="457200" rtl="0" eaLnBrk="1" fontAlgn="auto" latinLnBrk="0" hangingPunct="1">
-                        <a:lnSpc>
-                          <a:spcPct val="100000"/>
-                        </a:lnSpc>
-                        <a:spcBef>
-                          <a:spcPts val="0"/>
-                        </a:spcBef>
-                        <a:spcAft>
-                          <a:spcPts val="0"/>
-                        </a:spcAft>
-                        <a:buClrTx/>
-                        <a:buSzTx/>
-                        <a:buFontTx/>
-                        <a:buNone/>
-                        <a:tabLst/>
-                        <a:defRPr/>
-                      </a:pPr>
-                      <a:r>
-                        <a:rPr lang="en-US" dirty="0" smtClean="0"/>
-                        <a:t>Unlimited</a:t>
-                      </a:r>
-                    </a:p>
-                    <a:p>
-                      <a:endParaRPr lang="en-US" dirty="0"/>
-                    </a:p>
-                  </a:txBody>
-                  <a:tcPr/>
-                </a:tc>
-                <a:tc>
-                  <a:txBody>
-                    <a:bodyPr/>
-                    <a:lstStyle/>
-                    <a:p>
-                      <a:pPr marL="0" marR="0" indent="0" algn="l" defTabSz="457200" rtl="0" eaLnBrk="1" fontAlgn="auto" latinLnBrk="0" hangingPunct="1">
-                        <a:lnSpc>
-                          <a:spcPct val="100000"/>
-                        </a:lnSpc>
-                        <a:spcBef>
-                          <a:spcPts val="0"/>
-                        </a:spcBef>
-                        <a:spcAft>
-                          <a:spcPts val="0"/>
-                        </a:spcAft>
-                        <a:buClrTx/>
-                        <a:buSzTx/>
-                        <a:buFontTx/>
-                        <a:buNone/>
-                        <a:tabLst/>
-                        <a:defRPr/>
-                      </a:pPr>
-                      <a:r>
-                        <a:rPr lang="en-US" dirty="0" smtClean="0"/>
-                        <a:t>Unlimited</a:t>
-                      </a:r>
-                    </a:p>
-                    <a:p>
-                      <a:endParaRPr lang="en-US" dirty="0"/>
-                    </a:p>
-                  </a:txBody>
-                  <a:tcPr/>
-                </a:tc>
-              </a:tr>
-              <a:tr h="716158">
-                <a:tc>
-                  <a:txBody>
-                    <a:bodyPr/>
-                    <a:lstStyle/>
-                    <a:p>
-                      <a:r>
-                        <a:rPr lang="en-US" dirty="0" err="1" smtClean="0">
-                          <a:solidFill>
-                            <a:srgbClr val="0070C0"/>
-                          </a:solidFill>
-                        </a:rPr>
-                        <a:t>namecheap</a:t>
-                      </a:r>
-                      <a:endParaRPr lang="en-US" dirty="0">
-                        <a:solidFill>
-                          <a:srgbClr val="0070C0"/>
-                        </a:solidFill>
-                      </a:endParaRPr>
-                    </a:p>
-                  </a:txBody>
-                  <a:tcPr/>
-                </a:tc>
-                <a:tc>
-                  <a:txBody>
-                    <a:bodyPr/>
-                    <a:lstStyle/>
-                    <a:p>
-                      <a:r>
-                        <a:rPr lang="en-US" dirty="0" smtClean="0"/>
-                        <a:t>$ 22.48 /year</a:t>
-                      </a:r>
-                      <a:endParaRPr lang="en-US" dirty="0"/>
-                    </a:p>
-                  </a:txBody>
-                  <a:tcPr/>
-                </a:tc>
-                <a:tc>
-                  <a:txBody>
-                    <a:bodyPr/>
-                    <a:lstStyle/>
-                    <a:p>
-                      <a:r>
-                        <a:rPr lang="en-US" dirty="0" smtClean="0"/>
-                        <a:t>1 free</a:t>
-                      </a:r>
-                      <a:endParaRPr lang="en-US" dirty="0"/>
-                    </a:p>
-                  </a:txBody>
-                  <a:tcPr/>
-                </a:tc>
-                <a:tc>
-                  <a:txBody>
-                    <a:bodyPr/>
-                    <a:lstStyle/>
-                    <a:p>
-                      <a:r>
-                        <a:rPr lang="en-US" dirty="0" smtClean="0"/>
-                        <a:t>50 GB RAID protected</a:t>
-                      </a:r>
-                      <a:endParaRPr lang="en-US" dirty="0"/>
-                    </a:p>
-                  </a:txBody>
-                  <a:tcPr/>
-                </a:tc>
-                <a:tc>
-                  <a:txBody>
-                    <a:bodyPr/>
-                    <a:lstStyle/>
-                    <a:p>
-                      <a:pPr marL="0" marR="0" indent="0" algn="l" defTabSz="457200" rtl="0" eaLnBrk="1" fontAlgn="auto" latinLnBrk="0" hangingPunct="1">
-                        <a:lnSpc>
-                          <a:spcPct val="100000"/>
-                        </a:lnSpc>
-                        <a:spcBef>
-                          <a:spcPts val="0"/>
-                        </a:spcBef>
-                        <a:spcAft>
-                          <a:spcPts val="0"/>
-                        </a:spcAft>
-                        <a:buClrTx/>
-                        <a:buSzTx/>
-                        <a:buFontTx/>
-                        <a:buNone/>
-                        <a:tabLst/>
-                        <a:defRPr/>
-                      </a:pPr>
-                      <a:r>
-                        <a:rPr lang="en-US" dirty="0" smtClean="0"/>
-                        <a:t>Unlimited</a:t>
-                      </a:r>
-                    </a:p>
-                    <a:p>
-                      <a:endParaRPr lang="en-US" dirty="0"/>
-                    </a:p>
-                  </a:txBody>
-                  <a:tcPr/>
-                </a:tc>
-                <a:tc>
-                  <a:txBody>
-                    <a:bodyPr/>
-                    <a:lstStyle/>
-                    <a:p>
-                      <a:r>
-                        <a:rPr lang="en-US" dirty="0" smtClean="0"/>
-                        <a:t>N</a:t>
-                      </a:r>
-                      <a:r>
-                        <a:rPr lang="en-US" baseline="0" dirty="0" smtClean="0"/>
-                        <a:t> /A</a:t>
-                      </a:r>
-                      <a:endParaRPr lang="en-US" dirty="0"/>
-                    </a:p>
-                  </a:txBody>
-                  <a:tcPr/>
-                </a:tc>
-                <a:tc>
-                  <a:txBody>
-                    <a:bodyPr/>
-                    <a:lstStyle/>
-                    <a:p>
-                      <a:pPr marL="0" marR="0" indent="0" algn="l" defTabSz="457200" rtl="0" eaLnBrk="1" fontAlgn="auto" latinLnBrk="0" hangingPunct="1">
-                        <a:lnSpc>
-                          <a:spcPct val="100000"/>
-                        </a:lnSpc>
-                        <a:spcBef>
-                          <a:spcPts val="0"/>
-                        </a:spcBef>
-                        <a:spcAft>
-                          <a:spcPts val="0"/>
-                        </a:spcAft>
-                        <a:buClrTx/>
-                        <a:buSzTx/>
-                        <a:buFontTx/>
-                        <a:buNone/>
-                        <a:tabLst/>
-                        <a:defRPr/>
-                      </a:pPr>
-                      <a:r>
-                        <a:rPr lang="en-US" dirty="0" smtClean="0"/>
-                        <a:t>Unlimited</a:t>
-                      </a:r>
-                    </a:p>
-                    <a:p>
-                      <a:endParaRPr lang="en-US" dirty="0"/>
-                    </a:p>
-                  </a:txBody>
-                  <a:tcPr/>
-                </a:tc>
-                <a:tc>
-                  <a:txBody>
-                    <a:bodyPr/>
-                    <a:lstStyle/>
-                    <a:p>
-                      <a:r>
-                        <a:rPr lang="en-US" dirty="0" err="1" smtClean="0"/>
-                        <a:t>Upto</a:t>
-                      </a:r>
-                      <a:r>
-                        <a:rPr lang="en-US" dirty="0" smtClean="0"/>
-                        <a:t> 10</a:t>
-                      </a:r>
-                      <a:endParaRPr lang="en-US" dirty="0"/>
-                    </a:p>
-                  </a:txBody>
-                  <a:tcPr/>
-                </a:tc>
-              </a:tr>
-            </a:tbl>
-          </a:graphicData>
-        </a:graphic>
-      </p:graphicFrame>
-    </p:spTree>
-    <p:extLst>
-      <p:ext uri="{BB962C8B-B14F-4D97-AF65-F5344CB8AC3E}">
-        <p14:creationId xmlns:p14="http://schemas.microsoft.com/office/powerpoint/2010/main" val="2416227747"/>
-      </p:ext>
-    </p:extLst>
-  </p:cSld>
-  <p:clrMapOvr>
-    <a:masterClrMapping/>
-  </p:clrMapOvr>
-  <p:timing>
-    <p:tnLst>
-      <p:par>
-        <p:cTn id="1" dur="indefinite" restart="never" nodeType="tmRoot"/>
-      </p:par>
-    </p:tnLst>
-  </p:timing>
-</p:sld>
-</file>
-
 <file path=ppt/slides/slide7.xml><?xml version="1.0" encoding="utf-8"?>
 <p:sld xmlns:a="http://schemas.openxmlformats.org/drawingml/2006/main" xmlns:r="http://schemas.openxmlformats.org/officeDocument/2006/relationships" xmlns:p="http://schemas.openxmlformats.org/presentationml/2006/main">
   <p:cSld>
@@ -9644,8 +9479,8 @@
         </p:nvSpPr>
         <p:spPr>
           <a:xfrm>
-            <a:off x="1427611" y="617415"/>
-            <a:ext cx="8596668" cy="867508"/>
+            <a:off x="1326011" y="601785"/>
+            <a:ext cx="8596668" cy="898769"/>
           </a:xfrm>
         </p:spPr>
         <p:txBody>
@@ -9655,49 +9490,600 @@
             <a:pPr algn="ctr"/>
             <a:r>
               <a:rPr lang="en-US" dirty="0" smtClean="0"/>
-              <a:t>www.aplus.net</a:t>
+              <a:t>Website development</a:t>
             </a:r>
             <a:endParaRPr lang="en-US" dirty="0"/>
           </a:p>
         </p:txBody>
       </p:sp>
-      <p:pic>
-        <p:nvPicPr>
+      <p:graphicFrame>
+        <p:nvGraphicFramePr>
           <p:cNvPr id="4" name="Content Placeholder 3"/>
-          <p:cNvPicPr>
-            <a:picLocks noGrp="1"/>
-          </p:cNvPicPr>
+          <p:cNvGraphicFramePr>
+            <a:graphicFrameLocks noGrp="1"/>
+          </p:cNvGraphicFramePr>
           <p:nvPr>
             <p:ph idx="1"/>
-          </p:nvPr>
-        </p:nvPicPr>
-        <p:blipFill rotWithShape="1">
-          <a:blip r:embed="rId2"/>
-          <a:srcRect l="24523" t="39699" r="25359" b="28570"/>
-          <a:stretch/>
-        </p:blipFill>
-        <p:spPr bwMode="auto">
-          <a:xfrm>
-            <a:off x="716940" y="1484923"/>
-            <a:ext cx="9779122" cy="3881376"/>
-          </a:xfrm>
-          <a:prstGeom prst="rect">
-            <a:avLst/>
-          </a:prstGeom>
-          <a:ln>
-            <a:noFill/>
-          </a:ln>
-          <a:extLst>
-            <a:ext uri="{53640926-AAD7-44D8-BBD7-CCE9431645EC}">
-              <a14:shadowObscured xmlns:a14="http://schemas.microsoft.com/office/drawing/2010/main"/>
-            </a:ext>
-          </a:extLst>
-        </p:spPr>
-      </p:pic>
+            <p:extLst/>
+          </p:nvPr>
+        </p:nvGraphicFramePr>
+        <p:xfrm>
+          <a:off x="677859" y="1688125"/>
+          <a:ext cx="10193340" cy="3513144"/>
+        </p:xfrm>
+        <a:graphic>
+          <a:graphicData uri="http://schemas.openxmlformats.org/drawingml/2006/table">
+            <a:tbl>
+              <a:tblPr firstRow="1" bandRow="1">
+                <a:tableStyleId>{5C22544A-7EE6-4342-B048-85BDC9FD1C3A}</a:tableStyleId>
+              </a:tblPr>
+              <a:tblGrid>
+                <a:gridCol w="1698890"/>
+                <a:gridCol w="1698890"/>
+                <a:gridCol w="1698890"/>
+                <a:gridCol w="1954886"/>
+                <a:gridCol w="1442894"/>
+                <a:gridCol w="1698890"/>
+              </a:tblGrid>
+              <a:tr h="906583">
+                <a:tc>
+                  <a:txBody>
+                    <a:bodyPr/>
+                    <a:lstStyle/>
+                    <a:p>
+                      <a:pPr algn="ctr"/>
+                      <a:r>
+                        <a:rPr lang="en-US" dirty="0" smtClean="0"/>
+                        <a:t>Criteria/</a:t>
+                      </a:r>
+                    </a:p>
+                    <a:p>
+                      <a:pPr algn="ctr"/>
+                      <a:r>
+                        <a:rPr lang="en-US" dirty="0" smtClean="0"/>
+                        <a:t>Providers</a:t>
+                      </a:r>
+                    </a:p>
+                  </a:txBody>
+                  <a:tcPr/>
+                </a:tc>
+                <a:tc>
+                  <a:txBody>
+                    <a:bodyPr/>
+                    <a:lstStyle/>
+                    <a:p>
+                      <a:pPr algn="ctr"/>
+                      <a:r>
+                        <a:rPr lang="en-US" dirty="0" smtClean="0"/>
+                        <a:t>Price</a:t>
+                      </a:r>
+                    </a:p>
+                    <a:p>
+                      <a:pPr algn="ctr"/>
+                      <a:r>
+                        <a:rPr lang="en-US" dirty="0" smtClean="0"/>
+                        <a:t>(40%)</a:t>
+                      </a:r>
+                      <a:endParaRPr lang="en-US" dirty="0"/>
+                    </a:p>
+                  </a:txBody>
+                  <a:tcPr/>
+                </a:tc>
+                <a:tc>
+                  <a:txBody>
+                    <a:bodyPr/>
+                    <a:lstStyle/>
+                    <a:p>
+                      <a:pPr algn="ctr"/>
+                      <a:r>
+                        <a:rPr lang="en-US" dirty="0" smtClean="0"/>
+                        <a:t>Developing</a:t>
+                      </a:r>
+                      <a:r>
+                        <a:rPr lang="en-US" baseline="0" dirty="0" smtClean="0"/>
+                        <a:t> time (30%)</a:t>
+                      </a:r>
+                      <a:endParaRPr lang="en-US" dirty="0"/>
+                    </a:p>
+                  </a:txBody>
+                  <a:tcPr/>
+                </a:tc>
+                <a:tc>
+                  <a:txBody>
+                    <a:bodyPr/>
+                    <a:lstStyle/>
+                    <a:p>
+                      <a:pPr algn="ctr"/>
+                      <a:r>
+                        <a:rPr lang="en-US" dirty="0" smtClean="0"/>
+                        <a:t>Implementation difficulty</a:t>
+                      </a:r>
+                    </a:p>
+                    <a:p>
+                      <a:pPr algn="ctr"/>
+                      <a:r>
+                        <a:rPr lang="en-US" dirty="0" smtClean="0"/>
+                        <a:t>(20%)</a:t>
+                      </a:r>
+                      <a:endParaRPr lang="en-US" dirty="0"/>
+                    </a:p>
+                  </a:txBody>
+                  <a:tcPr/>
+                </a:tc>
+                <a:tc>
+                  <a:txBody>
+                    <a:bodyPr/>
+                    <a:lstStyle/>
+                    <a:p>
+                      <a:pPr algn="ctr"/>
+                      <a:r>
+                        <a:rPr lang="en-US" dirty="0" smtClean="0"/>
+                        <a:t>Level of complexity</a:t>
+                      </a:r>
+                    </a:p>
+                    <a:p>
+                      <a:pPr algn="ctr"/>
+                      <a:r>
+                        <a:rPr lang="en-US" dirty="0" smtClean="0"/>
+                        <a:t>(10%)</a:t>
+                      </a:r>
+                      <a:endParaRPr lang="en-US" dirty="0"/>
+                    </a:p>
+                  </a:txBody>
+                  <a:tcPr/>
+                </a:tc>
+                <a:tc>
+                  <a:txBody>
+                    <a:bodyPr/>
+                    <a:lstStyle/>
+                    <a:p>
+                      <a:pPr algn="ctr"/>
+                      <a:r>
+                        <a:rPr lang="en-US" dirty="0" smtClean="0"/>
+                        <a:t>Weightage average</a:t>
+                      </a:r>
+                      <a:endParaRPr lang="en-US" dirty="0"/>
+                    </a:p>
+                  </a:txBody>
+                  <a:tcPr/>
+                </a:tc>
+              </a:tr>
+              <a:tr h="649686">
+                <a:tc>
+                  <a:txBody>
+                    <a:bodyPr/>
+                    <a:lstStyle/>
+                    <a:p>
+                      <a:r>
+                        <a:rPr lang="en-US" dirty="0" smtClean="0">
+                          <a:solidFill>
+                            <a:srgbClr val="0070C0"/>
+                          </a:solidFill>
+                        </a:rPr>
+                        <a:t>Self built</a:t>
+                      </a:r>
+                      <a:endParaRPr lang="en-US" dirty="0">
+                        <a:solidFill>
+                          <a:srgbClr val="0070C0"/>
+                        </a:solidFill>
+                      </a:endParaRPr>
+                    </a:p>
+                  </a:txBody>
+                  <a:tcPr/>
+                </a:tc>
+                <a:tc>
+                  <a:txBody>
+                    <a:bodyPr/>
+                    <a:lstStyle/>
+                    <a:p>
+                      <a:pPr algn="ctr"/>
+                      <a:r>
+                        <a:rPr lang="en-US" dirty="0" smtClean="0"/>
+                        <a:t>2</a:t>
+                      </a:r>
+                      <a:endParaRPr lang="en-US" dirty="0"/>
+                    </a:p>
+                  </a:txBody>
+                  <a:tcPr/>
+                </a:tc>
+                <a:tc>
+                  <a:txBody>
+                    <a:bodyPr/>
+                    <a:lstStyle/>
+                    <a:p>
+                      <a:pPr algn="ctr"/>
+                      <a:r>
+                        <a:rPr lang="en-US" dirty="0" smtClean="0"/>
+                        <a:t>2</a:t>
+                      </a:r>
+                      <a:endParaRPr lang="en-US" dirty="0"/>
+                    </a:p>
+                  </a:txBody>
+                  <a:tcPr/>
+                </a:tc>
+                <a:tc>
+                  <a:txBody>
+                    <a:bodyPr/>
+                    <a:lstStyle/>
+                    <a:p>
+                      <a:pPr algn="ctr"/>
+                      <a:r>
+                        <a:rPr lang="en-US" dirty="0" smtClean="0"/>
+                        <a:t>2</a:t>
+                      </a:r>
+                      <a:endParaRPr lang="en-US" dirty="0"/>
+                    </a:p>
+                  </a:txBody>
+                  <a:tcPr/>
+                </a:tc>
+                <a:tc>
+                  <a:txBody>
+                    <a:bodyPr/>
+                    <a:lstStyle/>
+                    <a:p>
+                      <a:pPr algn="ctr"/>
+                      <a:r>
+                        <a:rPr lang="en-US" dirty="0" smtClean="0"/>
+                        <a:t>10</a:t>
+                      </a:r>
+                      <a:endParaRPr lang="en-US" dirty="0"/>
+                    </a:p>
+                  </a:txBody>
+                  <a:tcPr/>
+                </a:tc>
+                <a:tc>
+                  <a:txBody>
+                    <a:bodyPr/>
+                    <a:lstStyle/>
+                    <a:p>
+                      <a:pPr algn="ctr"/>
+                      <a:r>
+                        <a:rPr lang="en-US" dirty="0" smtClean="0">
+                          <a:solidFill>
+                            <a:srgbClr val="0070C0"/>
+                          </a:solidFill>
+                        </a:rPr>
+                        <a:t>2.8</a:t>
+                      </a:r>
+                      <a:endParaRPr lang="en-US" dirty="0">
+                        <a:solidFill>
+                          <a:srgbClr val="0070C0"/>
+                        </a:solidFill>
+                      </a:endParaRPr>
+                    </a:p>
+                  </a:txBody>
+                  <a:tcPr/>
+                </a:tc>
+              </a:tr>
+              <a:tr h="649686">
+                <a:tc>
+                  <a:txBody>
+                    <a:bodyPr/>
+                    <a:lstStyle/>
+                    <a:p>
+                      <a:r>
+                        <a:rPr lang="en-US" dirty="0" err="1" smtClean="0">
+                          <a:solidFill>
+                            <a:srgbClr val="0070C0"/>
+                          </a:solidFill>
+                        </a:rPr>
+                        <a:t>Wordpress</a:t>
+                      </a:r>
+                      <a:endParaRPr lang="en-US" dirty="0">
+                        <a:solidFill>
+                          <a:srgbClr val="0070C0"/>
+                        </a:solidFill>
+                      </a:endParaRPr>
+                    </a:p>
+                  </a:txBody>
+                  <a:tcPr/>
+                </a:tc>
+                <a:tc>
+                  <a:txBody>
+                    <a:bodyPr/>
+                    <a:lstStyle/>
+                    <a:p>
+                      <a:pPr algn="ctr"/>
+                      <a:r>
+                        <a:rPr lang="en-US" dirty="0" smtClean="0"/>
+                        <a:t>9</a:t>
+                      </a:r>
+                      <a:endParaRPr lang="en-US" dirty="0"/>
+                    </a:p>
+                  </a:txBody>
+                  <a:tcPr/>
+                </a:tc>
+                <a:tc>
+                  <a:txBody>
+                    <a:bodyPr/>
+                    <a:lstStyle/>
+                    <a:p>
+                      <a:pPr algn="ctr"/>
+                      <a:r>
+                        <a:rPr lang="en-US" dirty="0" smtClean="0"/>
+                        <a:t>8</a:t>
+                      </a:r>
+                      <a:endParaRPr lang="en-US" dirty="0"/>
+                    </a:p>
+                  </a:txBody>
+                  <a:tcPr/>
+                </a:tc>
+                <a:tc>
+                  <a:txBody>
+                    <a:bodyPr/>
+                    <a:lstStyle/>
+                    <a:p>
+                      <a:pPr algn="ctr"/>
+                      <a:r>
+                        <a:rPr lang="en-US" dirty="0" smtClean="0"/>
+                        <a:t>9</a:t>
+                      </a:r>
+                      <a:endParaRPr lang="en-US" dirty="0"/>
+                    </a:p>
+                  </a:txBody>
+                  <a:tcPr/>
+                </a:tc>
+                <a:tc>
+                  <a:txBody>
+                    <a:bodyPr/>
+                    <a:lstStyle/>
+                    <a:p>
+                      <a:pPr algn="ctr"/>
+                      <a:r>
+                        <a:rPr lang="en-US" dirty="0" smtClean="0"/>
+                        <a:t>4</a:t>
+                      </a:r>
+                      <a:endParaRPr lang="en-US" dirty="0"/>
+                    </a:p>
+                  </a:txBody>
+                  <a:tcPr/>
+                </a:tc>
+                <a:tc>
+                  <a:txBody>
+                    <a:bodyPr/>
+                    <a:lstStyle/>
+                    <a:p>
+                      <a:pPr algn="ctr"/>
+                      <a:r>
+                        <a:rPr lang="en-US" dirty="0" smtClean="0">
+                          <a:solidFill>
+                            <a:srgbClr val="0070C0"/>
+                          </a:solidFill>
+                        </a:rPr>
+                        <a:t>8.2</a:t>
+                      </a:r>
+                      <a:endParaRPr lang="en-US" dirty="0">
+                        <a:solidFill>
+                          <a:srgbClr val="0070C0"/>
+                        </a:solidFill>
+                      </a:endParaRPr>
+                    </a:p>
+                  </a:txBody>
+                  <a:tcPr/>
+                </a:tc>
+              </a:tr>
+              <a:tr h="649686">
+                <a:tc>
+                  <a:txBody>
+                    <a:bodyPr/>
+                    <a:lstStyle/>
+                    <a:p>
+                      <a:r>
+                        <a:rPr lang="en-US" dirty="0" smtClean="0">
+                          <a:solidFill>
+                            <a:srgbClr val="0070C0"/>
+                          </a:solidFill>
+                        </a:rPr>
+                        <a:t>Drupal</a:t>
+                      </a:r>
+                      <a:endParaRPr lang="en-US" dirty="0">
+                        <a:solidFill>
+                          <a:srgbClr val="0070C0"/>
+                        </a:solidFill>
+                      </a:endParaRPr>
+                    </a:p>
+                  </a:txBody>
+                  <a:tcPr/>
+                </a:tc>
+                <a:tc>
+                  <a:txBody>
+                    <a:bodyPr/>
+                    <a:lstStyle/>
+                    <a:p>
+                      <a:pPr algn="ctr"/>
+                      <a:r>
+                        <a:rPr lang="en-US" dirty="0" smtClean="0"/>
+                        <a:t>7</a:t>
+                      </a:r>
+                      <a:endParaRPr lang="en-US" dirty="0"/>
+                    </a:p>
+                  </a:txBody>
+                  <a:tcPr/>
+                </a:tc>
+                <a:tc>
+                  <a:txBody>
+                    <a:bodyPr/>
+                    <a:lstStyle/>
+                    <a:p>
+                      <a:pPr algn="ctr"/>
+                      <a:r>
+                        <a:rPr lang="en-US" dirty="0" smtClean="0"/>
+                        <a:t>8</a:t>
+                      </a:r>
+                      <a:endParaRPr lang="en-US" dirty="0"/>
+                    </a:p>
+                  </a:txBody>
+                  <a:tcPr/>
+                </a:tc>
+                <a:tc>
+                  <a:txBody>
+                    <a:bodyPr/>
+                    <a:lstStyle/>
+                    <a:p>
+                      <a:pPr algn="ctr"/>
+                      <a:r>
+                        <a:rPr lang="en-US" dirty="0" smtClean="0"/>
+                        <a:t>4</a:t>
+                      </a:r>
+                      <a:endParaRPr lang="en-US" dirty="0"/>
+                    </a:p>
+                  </a:txBody>
+                  <a:tcPr/>
+                </a:tc>
+                <a:tc>
+                  <a:txBody>
+                    <a:bodyPr/>
+                    <a:lstStyle/>
+                    <a:p>
+                      <a:pPr algn="ctr"/>
+                      <a:r>
+                        <a:rPr lang="en-US" dirty="0" smtClean="0"/>
+                        <a:t>3</a:t>
+                      </a:r>
+                      <a:endParaRPr lang="en-US" dirty="0"/>
+                    </a:p>
+                  </a:txBody>
+                  <a:tcPr/>
+                </a:tc>
+                <a:tc>
+                  <a:txBody>
+                    <a:bodyPr/>
+                    <a:lstStyle/>
+                    <a:p>
+                      <a:pPr algn="ctr"/>
+                      <a:r>
+                        <a:rPr lang="en-US" dirty="0" smtClean="0">
+                          <a:solidFill>
+                            <a:srgbClr val="0070C0"/>
+                          </a:solidFill>
+                        </a:rPr>
+                        <a:t>6.3</a:t>
+                      </a:r>
+                      <a:endParaRPr lang="en-US" dirty="0">
+                        <a:solidFill>
+                          <a:srgbClr val="0070C0"/>
+                        </a:solidFill>
+                      </a:endParaRPr>
+                    </a:p>
+                  </a:txBody>
+                  <a:tcPr/>
+                </a:tc>
+              </a:tr>
+              <a:tr h="649686">
+                <a:tc>
+                  <a:txBody>
+                    <a:bodyPr/>
+                    <a:lstStyle/>
+                    <a:p>
+                      <a:r>
+                        <a:rPr lang="en-US" dirty="0" smtClean="0">
+                          <a:solidFill>
+                            <a:srgbClr val="0070C0"/>
+                          </a:solidFill>
+                        </a:rPr>
+                        <a:t>Joomla</a:t>
+                      </a:r>
+                      <a:endParaRPr lang="en-US" dirty="0">
+                        <a:solidFill>
+                          <a:srgbClr val="0070C0"/>
+                        </a:solidFill>
+                      </a:endParaRPr>
+                    </a:p>
+                  </a:txBody>
+                  <a:tcPr/>
+                </a:tc>
+                <a:tc>
+                  <a:txBody>
+                    <a:bodyPr/>
+                    <a:lstStyle/>
+                    <a:p>
+                      <a:pPr algn="ctr"/>
+                      <a:r>
+                        <a:rPr lang="en-US" dirty="0" smtClean="0"/>
+                        <a:t>9</a:t>
+                      </a:r>
+                      <a:endParaRPr lang="en-US" dirty="0"/>
+                    </a:p>
+                  </a:txBody>
+                  <a:tcPr/>
+                </a:tc>
+                <a:tc>
+                  <a:txBody>
+                    <a:bodyPr/>
+                    <a:lstStyle/>
+                    <a:p>
+                      <a:pPr algn="ctr"/>
+                      <a:r>
+                        <a:rPr lang="en-US" dirty="0" smtClean="0"/>
+                        <a:t>8</a:t>
+                      </a:r>
+                      <a:endParaRPr lang="en-US" dirty="0"/>
+                    </a:p>
+                  </a:txBody>
+                  <a:tcPr/>
+                </a:tc>
+                <a:tc>
+                  <a:txBody>
+                    <a:bodyPr/>
+                    <a:lstStyle/>
+                    <a:p>
+                      <a:pPr algn="ctr"/>
+                      <a:r>
+                        <a:rPr lang="en-US" dirty="0" smtClean="0"/>
+                        <a:t>7</a:t>
+                      </a:r>
+                      <a:endParaRPr lang="en-US" dirty="0"/>
+                    </a:p>
+                  </a:txBody>
+                  <a:tcPr/>
+                </a:tc>
+                <a:tc>
+                  <a:txBody>
+                    <a:bodyPr/>
+                    <a:lstStyle/>
+                    <a:p>
+                      <a:pPr algn="ctr"/>
+                      <a:r>
+                        <a:rPr lang="en-US" dirty="0" smtClean="0"/>
+                        <a:t>3</a:t>
+                      </a:r>
+                      <a:endParaRPr lang="en-US" dirty="0"/>
+                    </a:p>
+                  </a:txBody>
+                  <a:tcPr/>
+                </a:tc>
+                <a:tc>
+                  <a:txBody>
+                    <a:bodyPr/>
+                    <a:lstStyle/>
+                    <a:p>
+                      <a:pPr algn="ctr"/>
+                      <a:r>
+                        <a:rPr lang="en-US" dirty="0" smtClean="0">
+                          <a:solidFill>
+                            <a:srgbClr val="0070C0"/>
+                          </a:solidFill>
+                        </a:rPr>
+                        <a:t>7.7</a:t>
+                      </a:r>
+                      <a:endParaRPr lang="en-US" dirty="0">
+                        <a:solidFill>
+                          <a:srgbClr val="0070C0"/>
+                        </a:solidFill>
+                      </a:endParaRPr>
+                    </a:p>
+                  </a:txBody>
+                  <a:tcPr/>
+                </a:tc>
+              </a:tr>
+            </a:tbl>
+          </a:graphicData>
+        </a:graphic>
+      </p:graphicFrame>
     </p:spTree>
     <p:extLst>
       <p:ext uri="{BB962C8B-B14F-4D97-AF65-F5344CB8AC3E}">
-        <p14:creationId xmlns:p14="http://schemas.microsoft.com/office/powerpoint/2010/main" val="273265701"/>
+        <p14:creationId xmlns:p14="http://schemas.microsoft.com/office/powerpoint/2010/main" val="1486704002"/>
       </p:ext>
     </p:extLst>
   </p:cSld>
@@ -9743,8 +10129,8 @@
         </p:nvSpPr>
         <p:spPr>
           <a:xfrm>
-            <a:off x="1258277" y="406400"/>
-            <a:ext cx="8596668" cy="687754"/>
+            <a:off x="1396350" y="2485292"/>
+            <a:ext cx="8596668" cy="1141046"/>
           </a:xfrm>
         </p:spPr>
         <p:txBody>
@@ -9754,40 +10140,16 @@
             <a:pPr algn="ctr"/>
             <a:r>
               <a:rPr lang="en-US" dirty="0" smtClean="0"/>
-              <a:t>www.godaddy.com</a:t>
+              <a:t>WEB HOSTING SERVICES</a:t>
             </a:r>
             <a:endParaRPr lang="en-US" dirty="0"/>
           </a:p>
         </p:txBody>
       </p:sp>
-      <p:pic>
-        <p:nvPicPr>
-          <p:cNvPr id="5" name="Picture 4"/>
-          <p:cNvPicPr>
-            <a:picLocks noChangeAspect="1"/>
-          </p:cNvPicPr>
-          <p:nvPr/>
-        </p:nvPicPr>
-        <p:blipFill>
-          <a:blip r:embed="rId2"/>
-          <a:stretch>
-            <a:fillRect/>
-          </a:stretch>
-        </p:blipFill>
-        <p:spPr>
-          <a:xfrm>
-            <a:off x="1789723" y="1219200"/>
-            <a:ext cx="7932615" cy="5056554"/>
-          </a:xfrm>
-          <a:prstGeom prst="rect">
-            <a:avLst/>
-          </a:prstGeom>
-        </p:spPr>
-      </p:pic>
     </p:spTree>
     <p:extLst>
       <p:ext uri="{BB962C8B-B14F-4D97-AF65-F5344CB8AC3E}">
-        <p14:creationId xmlns:p14="http://schemas.microsoft.com/office/powerpoint/2010/main" val="3569562750"/>
+        <p14:creationId xmlns:p14="http://schemas.microsoft.com/office/powerpoint/2010/main" val="2961945638"/>
       </p:ext>
     </p:extLst>
   </p:cSld>
@@ -9833,18 +10195,20 @@
         </p:nvSpPr>
         <p:spPr>
           <a:xfrm>
-            <a:off x="1497949" y="625231"/>
-            <a:ext cx="8596668" cy="789354"/>
+            <a:off x="1427611" y="242277"/>
+            <a:ext cx="8596668" cy="1430215"/>
           </a:xfrm>
         </p:spPr>
         <p:txBody>
-          <a:bodyPr/>
+          <a:bodyPr>
+            <a:normAutofit/>
+          </a:bodyPr>
           <a:lstStyle/>
           <a:p>
             <a:pPr algn="ctr"/>
             <a:r>
               <a:rPr lang="en-US" dirty="0" smtClean="0"/>
-              <a:t>www.namecheap.com</a:t>
+              <a:t>   www.aplus.net</a:t>
             </a:r>
             <a:endParaRPr lang="en-US" dirty="0"/>
           </a:p>
@@ -9852,32 +10216,41 @@
       </p:sp>
       <p:pic>
         <p:nvPicPr>
-          <p:cNvPr id="4" name="Picture 3"/>
+          <p:cNvPr id="4" name="Content Placeholder 3"/>
           <p:cNvPicPr>
-            <a:picLocks noChangeAspect="1"/>
+            <a:picLocks noGrp="1"/>
           </p:cNvPicPr>
-          <p:nvPr/>
+          <p:nvPr>
+            <p:ph idx="1"/>
+          </p:nvPr>
         </p:nvPicPr>
-        <p:blipFill>
+        <p:blipFill rotWithShape="1">
           <a:blip r:embed="rId2"/>
-          <a:stretch>
-            <a:fillRect/>
-          </a:stretch>
+          <a:srcRect l="24523" t="39699" r="25359" b="28570"/>
+          <a:stretch/>
         </p:blipFill>
-        <p:spPr>
+        <p:spPr bwMode="auto">
           <a:xfrm>
-            <a:off x="1570893" y="1539632"/>
-            <a:ext cx="8886092" cy="4822092"/>
+            <a:off x="716940" y="1484923"/>
+            <a:ext cx="9779122" cy="3881376"/>
           </a:xfrm>
           <a:prstGeom prst="rect">
             <a:avLst/>
           </a:prstGeom>
+          <a:ln>
+            <a:noFill/>
+          </a:ln>
+          <a:extLst>
+            <a:ext uri="{53640926-AAD7-44D8-BBD7-CCE9431645EC}">
+              <a14:shadowObscured xmlns:a14="http://schemas.microsoft.com/office/drawing/2010/main"/>
+            </a:ext>
+          </a:extLst>
         </p:spPr>
       </p:pic>
     </p:spTree>
     <p:extLst>
       <p:ext uri="{BB962C8B-B14F-4D97-AF65-F5344CB8AC3E}">
-        <p14:creationId xmlns:p14="http://schemas.microsoft.com/office/powerpoint/2010/main" val="3956792813"/>
+        <p14:creationId xmlns:p14="http://schemas.microsoft.com/office/powerpoint/2010/main" val="273265701"/>
       </p:ext>
     </p:extLst>
   </p:cSld>
